--- a/fall13/slidesF13/6042F13welcome.pptx
+++ b/fall13/slidesF13/6042F13welcome.pptx
@@ -19,8 +19,8 @@
     <p:sldId id="258" r:id="rId7"/>
     <p:sldId id="317" r:id="rId8"/>
     <p:sldId id="316" r:id="rId9"/>
-    <p:sldId id="312" r:id="rId10"/>
-    <p:sldId id="348" r:id="rId11"/>
+    <p:sldId id="348" r:id="rId10"/>
+    <p:sldId id="312" r:id="rId11"/>
     <p:sldId id="349" r:id="rId12"/>
     <p:sldId id="350" r:id="rId13"/>
     <p:sldId id="351" r:id="rId14"/>
@@ -3178,7 +3178,7 @@
             <a:fld id="{41B5C949-E4B4-4314-97A6-4DF96038B0AB}" type="slidenum">
               <a:rPr lang="en-US" smtClean="0"/>
               <a:pPr/>
-              <a:t>9</a:t>
+              <a:t>10</a:t>
             </a:fld>
             <a:endParaRPr lang="en-US" smtClean="0"/>
           </a:p>
@@ -3438,6 +3438,10 @@
           </p:nvPr>
         </p:nvSpPr>
         <p:spPr>
+          <a:xfrm>
+            <a:off x="7540602" y="6553200"/>
+            <a:ext cx="1603399" cy="307777"/>
+          </a:xfrm>
           <a:ln/>
         </p:spPr>
         <p:txBody>
@@ -3452,12 +3456,12 @@
               <a:defRPr/>
             </a:pPr>
             <a:r>
-              <a:rPr lang="en-US"/>
+              <a:rPr lang="en-US" dirty="0"/>
               <a:t>      </a:t>
             </a:r>
             <a:r>
-              <a:rPr lang="en-US" sz="1200"/>
-              <a:t>lec 1W.</a:t>
+              <a:rPr lang="en-US" sz="1200" dirty="0" smtClean="0"/>
+              <a:t>proof-intro.</a:t>
             </a:r>
             <a:fld id="{1A73EFA4-934B-46B6-8A35-CA4AC71579DF}" type="slidenum">
               <a:rPr lang="en-US" sz="1200"/>
@@ -3466,7 +3470,7 @@
               </a:pPr>
               <a:t>‹#›</a:t>
             </a:fld>
-            <a:endParaRPr lang="en-US" sz="1200"/>
+            <a:endParaRPr lang="en-US" sz="1200" dirty="0"/>
           </a:p>
         </p:txBody>
       </p:sp>
@@ -3475,7 +3479,7 @@
   <p:clrMapOvr>
     <a:masterClrMapping/>
   </p:clrMapOvr>
-  <p:transition xmlns:p14="http://schemas.microsoft.com/office/powerpoint/2010/main">
+  <p:transition xmlns:p14="http://schemas.microsoft.com/office/powerpoint/2010/main" spd="slow">
     <p:fade/>
   </p:transition>
 </p:sldLayout>
@@ -3563,8 +3567,8 @@
         </p:nvSpPr>
         <p:spPr>
           <a:xfrm>
-            <a:off x="8039100" y="6553200"/>
-            <a:ext cx="1104900" cy="304800"/>
+            <a:off x="7540601" y="6553200"/>
+            <a:ext cx="1603399" cy="307777"/>
           </a:xfrm>
         </p:spPr>
         <p:txBody>
@@ -3579,12 +3583,12 @@
               <a:defRPr/>
             </a:pPr>
             <a:r>
-              <a:rPr lang="en-US"/>
+              <a:rPr lang="en-US" dirty="0"/>
               <a:t>      </a:t>
             </a:r>
             <a:r>
-              <a:rPr lang="en-US" sz="1200"/>
-              <a:t>lec 1W.</a:t>
+              <a:rPr lang="en-US" sz="1200" dirty="0" smtClean="0"/>
+              <a:t>proof-intro.</a:t>
             </a:r>
             <a:fld id="{2B986348-2DD7-4EF4-90D6-BCF5E4E7E5EE}" type="slidenum">
               <a:rPr lang="en-US" sz="1200"/>
@@ -3593,7 +3597,7 @@
               </a:pPr>
               <a:t>‹#›</a:t>
             </a:fld>
-            <a:endParaRPr lang="en-US" sz="1200"/>
+            <a:endParaRPr lang="en-US" sz="1200" dirty="0"/>
           </a:p>
         </p:txBody>
       </p:sp>
@@ -3602,7 +3606,7 @@
   <p:clrMapOvr>
     <a:masterClrMapping/>
   </p:clrMapOvr>
-  <p:transition xmlns:p14="http://schemas.microsoft.com/office/powerpoint/2010/main">
+  <p:transition xmlns:p14="http://schemas.microsoft.com/office/powerpoint/2010/main" spd="slow">
     <p:fade/>
   </p:transition>
 </p:sldLayout>
@@ -3711,6 +3715,10 @@
           </p:nvPr>
         </p:nvSpPr>
         <p:spPr>
+          <a:xfrm>
+            <a:off x="7540602" y="6553200"/>
+            <a:ext cx="1603399" cy="307777"/>
+          </a:xfrm>
           <a:ln/>
         </p:spPr>
         <p:txBody>
@@ -3725,12 +3733,12 @@
               <a:defRPr/>
             </a:pPr>
             <a:r>
-              <a:rPr lang="en-US"/>
+              <a:rPr lang="en-US" dirty="0"/>
               <a:t>      </a:t>
             </a:r>
             <a:r>
-              <a:rPr lang="en-US" sz="1200"/>
-              <a:t>lec 1W.</a:t>
+              <a:rPr lang="en-US" sz="1200" dirty="0" smtClean="0"/>
+              <a:t>proof-intro.</a:t>
             </a:r>
             <a:fld id="{9A106780-21EA-4C13-B4C5-F962BEA7B00B}" type="slidenum">
               <a:rPr lang="en-US" sz="1200"/>
@@ -3739,7 +3747,7 @@
               </a:pPr>
               <a:t>‹#›</a:t>
             </a:fld>
-            <a:endParaRPr lang="en-US" sz="1200"/>
+            <a:endParaRPr lang="en-US" sz="1200" dirty="0"/>
           </a:p>
         </p:txBody>
       </p:sp>
@@ -3748,7 +3756,7 @@
   <p:clrMapOvr>
     <a:masterClrMapping/>
   </p:clrMapOvr>
-  <p:transition xmlns:p14="http://schemas.microsoft.com/office/powerpoint/2010/main">
+  <p:transition xmlns:p14="http://schemas.microsoft.com/office/powerpoint/2010/main" spd="slow">
     <p:fade/>
   </p:transition>
 </p:sldLayout>
@@ -3879,6 +3887,10 @@
           </p:nvPr>
         </p:nvSpPr>
         <p:spPr>
+          <a:xfrm>
+            <a:off x="7540602" y="6553200"/>
+            <a:ext cx="1603399" cy="307777"/>
+          </a:xfrm>
           <a:ln/>
         </p:spPr>
         <p:txBody>
@@ -3893,12 +3905,12 @@
               <a:defRPr/>
             </a:pPr>
             <a:r>
-              <a:rPr lang="en-US"/>
+              <a:rPr lang="en-US" dirty="0"/>
               <a:t>      </a:t>
             </a:r>
             <a:r>
-              <a:rPr lang="en-US" sz="1200"/>
-              <a:t>lec 1W.</a:t>
+              <a:rPr lang="en-US" sz="1200" dirty="0" smtClean="0"/>
+              <a:t>proof-intro.</a:t>
             </a:r>
             <a:fld id="{B493AAD5-4A00-4B4B-A9DF-870B7BCD7495}" type="slidenum">
               <a:rPr lang="en-US" sz="1200"/>
@@ -3907,7 +3919,7 @@
               </a:pPr>
               <a:t>‹#›</a:t>
             </a:fld>
-            <a:endParaRPr lang="en-US" sz="1200"/>
+            <a:endParaRPr lang="en-US" sz="1200" dirty="0"/>
           </a:p>
         </p:txBody>
       </p:sp>
@@ -3916,7 +3928,7 @@
   <p:clrMapOvr>
     <a:masterClrMapping/>
   </p:clrMapOvr>
-  <p:transition xmlns:p14="http://schemas.microsoft.com/office/powerpoint/2010/main">
+  <p:transition xmlns:p14="http://schemas.microsoft.com/office/powerpoint/2010/main" spd="slow">
     <p:fade/>
   </p:transition>
 </p:sldLayout>
@@ -4143,6 +4155,10 @@
           </p:nvPr>
         </p:nvSpPr>
         <p:spPr>
+          <a:xfrm>
+            <a:off x="7540602" y="6553200"/>
+            <a:ext cx="1603399" cy="307777"/>
+          </a:xfrm>
           <a:ln/>
         </p:spPr>
         <p:txBody>
@@ -4157,12 +4173,12 @@
               <a:defRPr/>
             </a:pPr>
             <a:r>
-              <a:rPr lang="en-US"/>
+              <a:rPr lang="en-US" dirty="0"/>
               <a:t>      </a:t>
             </a:r>
             <a:r>
-              <a:rPr lang="en-US" sz="1200"/>
-              <a:t>lec 1W.</a:t>
+              <a:rPr lang="en-US" sz="1200" dirty="0" smtClean="0"/>
+              <a:t>proof-intro.</a:t>
             </a:r>
             <a:fld id="{3CFC5EB6-4011-4A22-A63A-21822438C1BE}" type="slidenum">
               <a:rPr lang="en-US" sz="1200"/>
@@ -4171,7 +4187,7 @@
               </a:pPr>
               <a:t>‹#›</a:t>
             </a:fld>
-            <a:endParaRPr lang="en-US" sz="1200"/>
+            <a:endParaRPr lang="en-US" sz="1200" dirty="0"/>
           </a:p>
         </p:txBody>
       </p:sp>
@@ -4180,7 +4196,7 @@
   <p:clrMapOvr>
     <a:masterClrMapping/>
   </p:clrMapOvr>
-  <p:transition xmlns:p14="http://schemas.microsoft.com/office/powerpoint/2010/main">
+  <p:transition xmlns:p14="http://schemas.microsoft.com/office/powerpoint/2010/main" spd="slow">
     <p:fade/>
   </p:transition>
 </p:sldLayout>
@@ -4546,6 +4562,10 @@
           </p:nvPr>
         </p:nvSpPr>
         <p:spPr>
+          <a:xfrm>
+            <a:off x="7540602" y="6553200"/>
+            <a:ext cx="1603399" cy="307777"/>
+          </a:xfrm>
           <a:ln/>
         </p:spPr>
         <p:txBody>
@@ -4560,12 +4580,12 @@
               <a:defRPr/>
             </a:pPr>
             <a:r>
-              <a:rPr lang="en-US"/>
+              <a:rPr lang="en-US" dirty="0"/>
               <a:t>      </a:t>
             </a:r>
             <a:r>
-              <a:rPr lang="en-US" sz="1200"/>
-              <a:t>lec 1W.</a:t>
+              <a:rPr lang="en-US" sz="1200" dirty="0" smtClean="0"/>
+              <a:t>proof-intro.</a:t>
             </a:r>
             <a:fld id="{53E5AEDF-C5EA-43CE-BC1B-36558256E95B}" type="slidenum">
               <a:rPr lang="en-US" sz="1200"/>
@@ -4574,7 +4594,7 @@
               </a:pPr>
               <a:t>‹#›</a:t>
             </a:fld>
-            <a:endParaRPr lang="en-US" sz="1200"/>
+            <a:endParaRPr lang="en-US" sz="1200" dirty="0"/>
           </a:p>
         </p:txBody>
       </p:sp>
@@ -4583,7 +4603,7 @@
   <p:clrMapOvr>
     <a:masterClrMapping/>
   </p:clrMapOvr>
-  <p:transition xmlns:p14="http://schemas.microsoft.com/office/powerpoint/2010/main">
+  <p:transition xmlns:p14="http://schemas.microsoft.com/office/powerpoint/2010/main" spd="slow">
     <p:fade/>
   </p:transition>
 </p:sldLayout>
@@ -4640,6 +4660,10 @@
           </p:nvPr>
         </p:nvSpPr>
         <p:spPr>
+          <a:xfrm>
+            <a:off x="7540602" y="6553200"/>
+            <a:ext cx="1603399" cy="307777"/>
+          </a:xfrm>
           <a:ln/>
         </p:spPr>
         <p:txBody>
@@ -4654,12 +4678,12 @@
               <a:defRPr/>
             </a:pPr>
             <a:r>
-              <a:rPr lang="en-US"/>
+              <a:rPr lang="en-US" dirty="0"/>
               <a:t>      </a:t>
             </a:r>
             <a:r>
-              <a:rPr lang="en-US" sz="1200"/>
-              <a:t>lec 1W.</a:t>
+              <a:rPr lang="en-US" sz="1200" dirty="0" smtClean="0"/>
+              <a:t>proof-intro.</a:t>
             </a:r>
             <a:fld id="{1CDF22EC-3157-477E-AA23-4E375917539F}" type="slidenum">
               <a:rPr lang="en-US" sz="1200"/>
@@ -4668,7 +4692,7 @@
               </a:pPr>
               <a:t>‹#›</a:t>
             </a:fld>
-            <a:endParaRPr lang="en-US" sz="1200"/>
+            <a:endParaRPr lang="en-US" sz="1200" dirty="0"/>
           </a:p>
         </p:txBody>
       </p:sp>
@@ -4677,7 +4701,7 @@
   <p:clrMapOvr>
     <a:masterClrMapping/>
   </p:clrMapOvr>
-  <p:transition xmlns:p14="http://schemas.microsoft.com/office/powerpoint/2010/main">
+  <p:transition xmlns:p14="http://schemas.microsoft.com/office/powerpoint/2010/main" spd="slow">
     <p:fade/>
   </p:transition>
 </p:sldLayout>
@@ -4711,6 +4735,10 @@
           </p:nvPr>
         </p:nvSpPr>
         <p:spPr>
+          <a:xfrm>
+            <a:off x="7540602" y="6553200"/>
+            <a:ext cx="1603399" cy="307777"/>
+          </a:xfrm>
           <a:ln/>
         </p:spPr>
         <p:txBody>
@@ -4725,12 +4753,12 @@
               <a:defRPr/>
             </a:pPr>
             <a:r>
-              <a:rPr lang="en-US"/>
+              <a:rPr lang="en-US" dirty="0"/>
               <a:t>      </a:t>
             </a:r>
             <a:r>
-              <a:rPr lang="en-US" sz="1200"/>
-              <a:t>lec 1W.</a:t>
+              <a:rPr lang="en-US" sz="1200" dirty="0" smtClean="0"/>
+              <a:t>proof-intro.</a:t>
             </a:r>
             <a:fld id="{78C0C621-E49A-4FC7-9AD5-C988A78785E2}" type="slidenum">
               <a:rPr lang="en-US" sz="1200"/>
@@ -4739,7 +4767,7 @@
               </a:pPr>
               <a:t>‹#›</a:t>
             </a:fld>
-            <a:endParaRPr lang="en-US" sz="1200"/>
+            <a:endParaRPr lang="en-US" sz="1200" dirty="0"/>
           </a:p>
         </p:txBody>
       </p:sp>
@@ -4748,7 +4776,7 @@
   <p:clrMapOvr>
     <a:masterClrMapping/>
   </p:clrMapOvr>
-  <p:transition xmlns:p14="http://schemas.microsoft.com/office/powerpoint/2010/main">
+  <p:transition xmlns:p14="http://schemas.microsoft.com/office/powerpoint/2010/main" spd="slow">
     <p:fade/>
   </p:transition>
 </p:sldLayout>
@@ -4964,6 +4992,10 @@
           </p:nvPr>
         </p:nvSpPr>
         <p:spPr>
+          <a:xfrm>
+            <a:off x="7540602" y="6553200"/>
+            <a:ext cx="1603399" cy="307777"/>
+          </a:xfrm>
           <a:ln/>
         </p:spPr>
         <p:txBody>
@@ -4978,12 +5010,12 @@
               <a:defRPr/>
             </a:pPr>
             <a:r>
-              <a:rPr lang="en-US"/>
+              <a:rPr lang="en-US" dirty="0"/>
               <a:t>      </a:t>
             </a:r>
             <a:r>
-              <a:rPr lang="en-US" sz="1200"/>
-              <a:t>lec 1W.</a:t>
+              <a:rPr lang="en-US" sz="1200" dirty="0" smtClean="0"/>
+              <a:t>proof-intro.</a:t>
             </a:r>
             <a:fld id="{3DFAE7C7-55EF-441D-8561-3E0DC3CC8D3E}" type="slidenum">
               <a:rPr lang="en-US" sz="1200"/>
@@ -4992,7 +5024,7 @@
               </a:pPr>
               <a:t>‹#›</a:t>
             </a:fld>
-            <a:endParaRPr lang="en-US" sz="1200"/>
+            <a:endParaRPr lang="en-US" sz="1200" dirty="0"/>
           </a:p>
         </p:txBody>
       </p:sp>
@@ -5001,7 +5033,7 @@
   <p:clrMapOvr>
     <a:masterClrMapping/>
   </p:clrMapOvr>
-  <p:transition xmlns:p14="http://schemas.microsoft.com/office/powerpoint/2010/main">
+  <p:transition xmlns:p14="http://schemas.microsoft.com/office/powerpoint/2010/main" spd="slow">
     <p:fade/>
   </p:transition>
 </p:sldLayout>
@@ -5194,6 +5226,10 @@
           </p:nvPr>
         </p:nvSpPr>
         <p:spPr>
+          <a:xfrm>
+            <a:off x="7540602" y="6553200"/>
+            <a:ext cx="1603399" cy="307777"/>
+          </a:xfrm>
           <a:ln/>
         </p:spPr>
         <p:txBody>
@@ -5208,12 +5244,12 @@
               <a:defRPr/>
             </a:pPr>
             <a:r>
-              <a:rPr lang="en-US"/>
+              <a:rPr lang="en-US" dirty="0"/>
               <a:t>      </a:t>
             </a:r>
             <a:r>
-              <a:rPr lang="en-US" sz="1200"/>
-              <a:t>lec 1W.</a:t>
+              <a:rPr lang="en-US" sz="1200" dirty="0" smtClean="0"/>
+              <a:t>proof-intro.</a:t>
             </a:r>
             <a:fld id="{F604A29E-F143-41B8-A984-BDC09A678AE1}" type="slidenum">
               <a:rPr lang="en-US" sz="1200"/>
@@ -5222,7 +5258,7 @@
               </a:pPr>
               <a:t>‹#›</a:t>
             </a:fld>
-            <a:endParaRPr lang="en-US" sz="1200"/>
+            <a:endParaRPr lang="en-US" sz="1200" dirty="0"/>
           </a:p>
         </p:txBody>
       </p:sp>
@@ -5231,7 +5267,7 @@
   <p:clrMapOvr>
     <a:masterClrMapping/>
   </p:clrMapOvr>
-  <p:transition xmlns:p14="http://schemas.microsoft.com/office/powerpoint/2010/main">
+  <p:transition xmlns:p14="http://schemas.microsoft.com/office/powerpoint/2010/main" spd="slow">
     <p:fade/>
   </p:transition>
 </p:sldLayout>
@@ -5385,8 +5421,8 @@
         </p:nvSpPr>
         <p:spPr bwMode="auto">
           <a:xfrm>
-            <a:off x="7871297" y="6553200"/>
-            <a:ext cx="1272704" cy="307777"/>
+            <a:off x="7604697" y="6553200"/>
+            <a:ext cx="1539304" cy="307777"/>
           </a:xfrm>
           <a:prstGeom prst="rect">
             <a:avLst/>
@@ -5424,11 +5460,11 @@
             </a:r>
             <a:r>
               <a:rPr lang="en-US" sz="1200" dirty="0" err="1" smtClean="0"/>
-              <a:t>lec</a:t>
+              <a:t>proofintro</a:t>
             </a:r>
             <a:r>
               <a:rPr lang="en-US" sz="1200" dirty="0" smtClean="0"/>
-              <a:t> 1W.</a:t>
+              <a:t>.</a:t>
             </a:r>
             <a:fld id="{4F9C6CFE-90DB-471F-916B-82DD83A1914F}" type="slidenum">
               <a:rPr lang="en-US" sz="1200" smtClean="0"/>
@@ -5622,7 +5658,7 @@
     <p:sldLayoutId id="2147483776" r:id="rId9"/>
     <p:sldLayoutId id="2147483779" r:id="rId10"/>
   </p:sldLayoutIdLst>
-  <p:transition xmlns:p14="http://schemas.microsoft.com/office/powerpoint/2010/main">
+  <p:transition xmlns:p14="http://schemas.microsoft.com/office/powerpoint/2010/main" spd="slow">
     <p:fade/>
   </p:transition>
   <p:timing>
@@ -6030,6 +6066,10 @@
           </p:nvPr>
         </p:nvSpPr>
         <p:spPr>
+          <a:xfrm>
+            <a:off x="7718385" y="6553200"/>
+            <a:ext cx="1425616" cy="307777"/>
+          </a:xfrm>
           <a:noFill/>
         </p:spPr>
         <p:txBody>
@@ -6037,19 +6077,19 @@
           <a:lstStyle/>
           <a:p>
             <a:r>
-              <a:rPr lang="en-US" smtClean="0"/>
+              <a:rPr lang="en-US" dirty="0" smtClean="0"/>
               <a:t>      </a:t>
             </a:r>
             <a:r>
-              <a:rPr lang="en-US" sz="1200" smtClean="0"/>
-              <a:t>lec 1W.</a:t>
+              <a:rPr lang="en-US" sz="1200" dirty="0" smtClean="0"/>
+              <a:t>proof-intro.</a:t>
             </a:r>
             <a:fld id="{927A8356-297C-42F1-B0D2-25D25A26288A}" type="slidenum">
               <a:rPr lang="en-US" sz="1200" smtClean="0"/>
               <a:pPr/>
               <a:t>1</a:t>
             </a:fld>
-            <a:endParaRPr lang="en-US" sz="1200" smtClean="0"/>
+            <a:endParaRPr lang="en-US" sz="1200" dirty="0" smtClean="0"/>
           </a:p>
         </p:txBody>
       </p:sp>
@@ -6195,7 +6235,7 @@
           <a:graphicData uri="http://schemas.openxmlformats.org/presentationml/2006/ole">
             <mc:AlternateContent xmlns:mc="http://schemas.openxmlformats.org/markup-compatibility/2006">
               <mc:Choice xmlns:v="urn:schemas-microsoft-com:vml" Requires="v">
-                <p:oleObj spid="_x0000_s1101" name="Equation" r:id="rId4" imgW="914400" imgH="215640" progId="Equation.3">
+                <p:oleObj spid="_x0000_s1113" name="Equation" r:id="rId4" imgW="914400" imgH="215640" progId="Equation.3">
                   <p:embed/>
                 </p:oleObj>
               </mc:Choice>
@@ -6265,7 +6305,7 @@
           <a:graphicData uri="http://schemas.openxmlformats.org/presentationml/2006/ole">
             <mc:AlternateContent xmlns:mc="http://schemas.openxmlformats.org/markup-compatibility/2006">
               <mc:Choice xmlns:v="urn:schemas-microsoft-com:vml" Requires="v">
-                <p:oleObj spid="_x0000_s1102" name="Equation" r:id="rId6" imgW="914400" imgH="215640" progId="Equation.3">
+                <p:oleObj spid="_x0000_s1114" name="Equation" r:id="rId6" imgW="914400" imgH="215640" progId="Equation.3">
                   <p:embed/>
                 </p:oleObj>
               </mc:Choice>
@@ -6324,9 +6364,14 @@
   <p:clrMapOvr>
     <a:masterClrMapping/>
   </p:clrMapOvr>
-  <p:transition xmlns:p14="http://schemas.microsoft.com/office/powerpoint/2010/main">
-    <p:fade/>
-  </p:transition>
+  <mc:AlternateContent xmlns:mc="http://schemas.openxmlformats.org/markup-compatibility/2006">
+    <mc:Choice xmlns:p14="http://schemas.microsoft.com/office/powerpoint/2010/main" Requires="p14">
+      <p:transition p14:dur="0"/>
+    </mc:Choice>
+    <mc:Fallback>
+      <p:transition xmlns:p14="http://schemas.microsoft.com/office/powerpoint/2010/main"/>
+    </mc:Fallback>
+  </mc:AlternateContent>
   <p:timing>
     <p:tnLst>
       <p:par>
@@ -6338,7 +6383,7 @@
 </file>
 
 <file path=ppt/slides/slide10.xml><?xml version="1.0" encoding="utf-8"?>
-<p:sld xmlns:a="http://schemas.openxmlformats.org/drawingml/2006/main" xmlns:r="http://schemas.openxmlformats.org/officeDocument/2006/relationships" xmlns:p="http://schemas.openxmlformats.org/presentationml/2006/main" show="0">
+<p:sld xmlns:a="http://schemas.openxmlformats.org/drawingml/2006/main" xmlns:r="http://schemas.openxmlformats.org/officeDocument/2006/relationships" xmlns:p="http://schemas.openxmlformats.org/presentationml/2006/main">
   <p:cSld>
     <p:spTree>
       <p:nvGrpSpPr>
@@ -6356,173 +6401,7 @@
       </p:grpSpPr>
       <p:sp>
         <p:nvSpPr>
-          <p:cNvPr id="2" name="Title 1"/>
-          <p:cNvSpPr>
-            <a:spLocks noGrp="1"/>
-          </p:cNvSpPr>
-          <p:nvPr>
-            <p:ph type="title"/>
-          </p:nvPr>
-        </p:nvSpPr>
-        <p:spPr/>
-        <p:txBody>
-          <a:bodyPr/>
-          <a:lstStyle/>
-          <a:p>
-            <a:r>
-              <a:rPr lang="en-US" dirty="0" smtClean="0"/>
-              <a:t>How the Class Works</a:t>
-            </a:r>
-            <a:endParaRPr lang="en-US" dirty="0"/>
-          </a:p>
-        </p:txBody>
-      </p:sp>
-      <p:sp>
-        <p:nvSpPr>
-          <p:cNvPr id="3" name="Content Placeholder 2"/>
-          <p:cNvSpPr>
-            <a:spLocks noGrp="1"/>
-          </p:cNvSpPr>
-          <p:nvPr>
-            <p:ph idx="1"/>
-          </p:nvPr>
-        </p:nvSpPr>
-        <p:spPr>
-          <a:xfrm>
-            <a:off x="175154" y="1316567"/>
-            <a:ext cx="8858779" cy="4635500"/>
-          </a:xfrm>
-        </p:spPr>
-        <p:txBody>
-          <a:bodyPr/>
-          <a:lstStyle/>
-          <a:p>
-            <a:r>
-              <a:rPr lang="en-US" sz="4000" dirty="0" smtClean="0">
-                <a:solidFill>
-                  <a:srgbClr val="FF6600"/>
-                </a:solidFill>
-              </a:rPr>
-              <a:t>required attendance</a:t>
-            </a:r>
-            <a:endParaRPr lang="en-US" sz="4000" dirty="0" smtClean="0"/>
-          </a:p>
-          <a:p>
-            <a:r>
-              <a:rPr lang="en-US" sz="4000" dirty="0" err="1" smtClean="0">
-                <a:solidFill>
-                  <a:srgbClr val="0000FF"/>
-                </a:solidFill>
-              </a:rPr>
-              <a:t>miniquizzes</a:t>
-            </a:r>
-            <a:r>
-              <a:rPr lang="en-US" sz="4000" dirty="0" smtClean="0"/>
-              <a:t> most Mondays 15 min.</a:t>
-            </a:r>
-          </a:p>
-          <a:p>
-            <a:r>
-              <a:rPr lang="en-US" sz="4000" dirty="0" err="1" smtClean="0">
-                <a:solidFill>
-                  <a:srgbClr val="0000FF"/>
-                </a:solidFill>
-              </a:rPr>
-              <a:t>psets</a:t>
-            </a:r>
-            <a:r>
-              <a:rPr lang="en-US" sz="4000" dirty="0" smtClean="0">
-                <a:solidFill>
-                  <a:srgbClr val="5959FF"/>
-                </a:solidFill>
-              </a:rPr>
-              <a:t> </a:t>
-            </a:r>
-            <a:r>
-              <a:rPr lang="en-US" sz="4000" dirty="0" smtClean="0"/>
-              <a:t>due most Fridays</a:t>
-            </a:r>
-          </a:p>
-          <a:p>
-            <a:r>
-              <a:rPr lang="en-US" sz="4000" dirty="0" smtClean="0">
-                <a:solidFill>
-                  <a:srgbClr val="0000FF"/>
-                </a:solidFill>
-              </a:rPr>
-              <a:t>online</a:t>
-            </a:r>
-            <a:r>
-              <a:rPr lang="en-US" sz="4000" dirty="0" smtClean="0"/>
-              <a:t> </a:t>
-            </a:r>
-            <a:r>
-              <a:rPr lang="en-US" sz="4000" dirty="0" smtClean="0">
-                <a:solidFill>
-                  <a:srgbClr val="0000FF"/>
-                </a:solidFill>
-              </a:rPr>
-              <a:t>tutor</a:t>
-            </a:r>
-            <a:r>
-              <a:rPr lang="en-US" sz="4000" dirty="0" smtClean="0"/>
-              <a:t> problem due most days</a:t>
-            </a:r>
-          </a:p>
-          <a:p>
-            <a:r>
-              <a:rPr lang="en-US" sz="4000" dirty="0" smtClean="0">
-                <a:solidFill>
-                  <a:srgbClr val="0000FF"/>
-                </a:solidFill>
-              </a:rPr>
-              <a:t>comments</a:t>
-            </a:r>
-            <a:r>
-              <a:rPr lang="en-US" sz="4000" dirty="0" smtClean="0"/>
-              <a:t> in Piazza </a:t>
-            </a:r>
-            <a:r>
-              <a:rPr lang="en-US" sz="4000" dirty="0" smtClean="0">
-                <a:solidFill>
-                  <a:srgbClr val="077F15"/>
-                </a:solidFill>
-              </a:rPr>
-              <a:t>optional</a:t>
-            </a:r>
-          </a:p>
-          <a:p>
-            <a:r>
-              <a:rPr lang="en-US" sz="4000" dirty="0" smtClean="0">
-                <a:solidFill>
-                  <a:srgbClr val="0000FF"/>
-                </a:solidFill>
-              </a:rPr>
-              <a:t>2 midterm</a:t>
-            </a:r>
-            <a:r>
-              <a:rPr lang="en-US" sz="4000" dirty="0" smtClean="0"/>
-              <a:t>, 1 </a:t>
-            </a:r>
-            <a:r>
-              <a:rPr lang="en-US" sz="4000" dirty="0"/>
-              <a:t>hour </a:t>
-            </a:r>
-            <a:r>
-              <a:rPr lang="en-US" sz="4000" dirty="0" smtClean="0"/>
-              <a:t>each</a:t>
-            </a:r>
-            <a:endParaRPr lang="en-US" sz="4000" dirty="0">
-              <a:solidFill>
-                <a:srgbClr val="0000FF"/>
-              </a:solidFill>
-            </a:endParaRPr>
-          </a:p>
-        </p:txBody>
-      </p:sp>
-      <p:sp>
-        <p:nvSpPr>
-          <p:cNvPr id="4" name="Slide Number Placeholder 3"/>
+          <p:cNvPr id="24578" name="Slide Number Placeholder 3"/>
           <p:cNvSpPr>
             <a:spLocks noGrp="1"/>
           </p:cNvSpPr>
@@ -6530,372 +6409,173 @@
             <p:ph type="sldNum" sz="quarter" idx="10"/>
           </p:nvPr>
         </p:nvSpPr>
-        <p:spPr/>
+        <p:spPr>
+          <a:noFill/>
+        </p:spPr>
         <p:txBody>
           <a:bodyPr/>
           <a:lstStyle/>
           <a:p>
-            <a:pPr>
-              <a:defRPr/>
-            </a:pPr>
-            <a:r>
-              <a:rPr lang="en-US" smtClean="0"/>
+            <a:r>
+              <a:rPr lang="en-US" dirty="0" smtClean="0"/>
               <a:t>      </a:t>
             </a:r>
             <a:r>
+              <a:rPr lang="en-US" sz="1200" dirty="0" smtClean="0"/>
+              <a:t>proof-intro.</a:t>
+            </a:r>
+            <a:fld id="{3930B7C9-902D-4F92-8BB5-73317A21B3E6}" type="slidenum">
               <a:rPr lang="en-US" sz="1200" smtClean="0"/>
-              <a:t>lec 1W.</a:t>
-            </a:r>
-            <a:fld id="{9A106780-21EA-4C13-B4C5-F962BEA7B00B}" type="slidenum">
-              <a:rPr lang="en-US" sz="1200" smtClean="0"/>
-              <a:pPr>
-                <a:defRPr/>
-              </a:pPr>
+              <a:pPr/>
               <a:t>10</a:t>
             </a:fld>
-            <a:endParaRPr lang="en-US" sz="1200"/>
+            <a:endParaRPr lang="en-US" sz="1200" dirty="0" smtClean="0"/>
+          </a:p>
+        </p:txBody>
+      </p:sp>
+      <p:sp>
+        <p:nvSpPr>
+          <p:cNvPr id="24579" name="Rectangle 2"/>
+          <p:cNvSpPr>
+            <a:spLocks noGrp="1" noChangeArrowheads="1"/>
+          </p:cNvSpPr>
+          <p:nvPr>
+            <p:ph type="ctrTitle"/>
+          </p:nvPr>
+        </p:nvSpPr>
+        <p:spPr>
+          <a:xfrm>
+            <a:off x="1552575" y="290514"/>
+            <a:ext cx="7441334" cy="1129578"/>
+          </a:xfrm>
+        </p:spPr>
+        <p:txBody>
+          <a:bodyPr/>
+          <a:lstStyle/>
+          <a:p>
+            <a:pPr eaLnBrk="1" hangingPunct="1"/>
+            <a:r>
+              <a:rPr lang="en-US" dirty="0" smtClean="0">
+                <a:solidFill>
+                  <a:schemeClr val="tx1"/>
+                </a:solidFill>
+              </a:rPr>
+              <a:t>Active learning in Teams</a:t>
+            </a:r>
+          </a:p>
+        </p:txBody>
+      </p:sp>
+      <p:sp>
+        <p:nvSpPr>
+          <p:cNvPr id="24580" name="Text Box 8"/>
+          <p:cNvSpPr txBox="1">
+            <a:spLocks noChangeArrowheads="1"/>
+          </p:cNvSpPr>
+          <p:nvPr/>
+        </p:nvSpPr>
+        <p:spPr bwMode="auto">
+          <a:xfrm>
+            <a:off x="645855" y="2137926"/>
+            <a:ext cx="7830066" cy="2585323"/>
+          </a:xfrm>
+          <a:prstGeom prst="rect">
+            <a:avLst/>
+          </a:prstGeom>
+          <a:noFill/>
+          <a:ln w="9525">
+            <a:noFill/>
+            <a:miter lim="800000"/>
+            <a:headEnd/>
+            <a:tailEnd type="none" w="lg" len="lg"/>
+          </a:ln>
+        </p:spPr>
+        <p:txBody>
+          <a:bodyPr wrap="square">
+            <a:spAutoFit/>
+          </a:bodyPr>
+          <a:lstStyle/>
+          <a:p>
+            <a:pPr algn="l"/>
+            <a:r>
+              <a:rPr lang="en-US" sz="5400" dirty="0" smtClean="0">
+                <a:latin typeface="Comic Sans MS" pitchFamily="66" charset="0"/>
+              </a:rPr>
+              <a:t>MWF </a:t>
+            </a:r>
+            <a:r>
+              <a:rPr lang="en-US" sz="5400" dirty="0">
+                <a:latin typeface="Comic Sans MS" pitchFamily="66" charset="0"/>
+              </a:rPr>
+              <a:t>1.5 hour </a:t>
+            </a:r>
+            <a:r>
+              <a:rPr lang="en-US" sz="5400" dirty="0" smtClean="0">
+                <a:latin typeface="Comic Sans MS" pitchFamily="66" charset="0"/>
+              </a:rPr>
+              <a:t>sessions:</a:t>
+            </a:r>
+            <a:endParaRPr lang="en-US" sz="5400" dirty="0">
+              <a:latin typeface="Comic Sans MS" pitchFamily="66" charset="0"/>
+            </a:endParaRPr>
+          </a:p>
+          <a:p>
+            <a:pPr marL="685800" lvl="1" indent="-685800" algn="l">
+              <a:buFont typeface="Arial"/>
+              <a:buChar char="•"/>
+            </a:pPr>
+            <a:r>
+              <a:rPr lang="en-US" sz="5400" dirty="0">
+                <a:latin typeface="Comic Sans MS" pitchFamily="66" charset="0"/>
+              </a:rPr>
+              <a:t>initial 5 min </a:t>
+            </a:r>
+            <a:r>
+              <a:rPr lang="en-US" sz="5400" dirty="0" smtClean="0">
+                <a:latin typeface="Comic Sans MS" pitchFamily="66" charset="0"/>
+              </a:rPr>
+              <a:t>overview</a:t>
+            </a:r>
+          </a:p>
+          <a:p>
+            <a:pPr marL="685800" indent="-685800" algn="l">
+              <a:buFont typeface="Arial"/>
+              <a:buChar char="•"/>
+            </a:pPr>
+            <a:r>
+              <a:rPr lang="en-US" sz="5400" dirty="0" smtClean="0">
+                <a:latin typeface="Comic Sans MS" pitchFamily="66" charset="0"/>
+              </a:rPr>
+              <a:t>team </a:t>
+            </a:r>
+            <a:r>
+              <a:rPr lang="en-US" sz="5400" dirty="0">
+                <a:latin typeface="Comic Sans MS" pitchFamily="66" charset="0"/>
+              </a:rPr>
+              <a:t>problem-</a:t>
+            </a:r>
+            <a:r>
+              <a:rPr lang="en-US" sz="5400" dirty="0" smtClean="0">
+                <a:latin typeface="Comic Sans MS" pitchFamily="66" charset="0"/>
+              </a:rPr>
+              <a:t>solving</a:t>
+            </a:r>
           </a:p>
         </p:txBody>
       </p:sp>
     </p:spTree>
-    <p:extLst>
-      <p:ext uri="{BB962C8B-B14F-4D97-AF65-F5344CB8AC3E}">
-        <p14:creationId xmlns:p14="http://schemas.microsoft.com/office/powerpoint/2010/main" val="860953727"/>
-      </p:ext>
-    </p:extLst>
   </p:cSld>
   <p:clrMapOvr>
     <a:masterClrMapping/>
   </p:clrMapOvr>
-  <p:transition xmlns:p14="http://schemas.microsoft.com/office/powerpoint/2010/main">
-    <p:fade/>
+  <p:transition xmlns:p14="http://schemas.microsoft.com/office/powerpoint/2010/main" spd="slow">
+    <p:fade thruBlk="1"/>
   </p:transition>
   <p:timing>
     <p:tnLst>
       <p:par>
-        <p:cTn xmlns:p14="http://schemas.microsoft.com/office/powerpoint/2010/main" id="1" dur="indefinite" restart="never" nodeType="tmRoot">
-          <p:childTnLst>
-            <p:seq concurrent="1" nextAc="seek">
-              <p:cTn id="2" dur="indefinite" nodeType="mainSeq">
-                <p:childTnLst>
-                  <p:par>
-                    <p:cTn id="3" fill="hold">
-                      <p:stCondLst>
-                        <p:cond delay="indefinite"/>
-                      </p:stCondLst>
-                      <p:childTnLst>
-                        <p:par>
-                          <p:cTn id="4" fill="hold">
-                            <p:stCondLst>
-                              <p:cond delay="0"/>
-                            </p:stCondLst>
-                            <p:childTnLst>
-                              <p:par>
-                                <p:cTn id="5" presetID="1" presetClass="entr" presetSubtype="0" fill="hold" grpId="0" nodeType="clickEffect">
-                                  <p:stCondLst>
-                                    <p:cond delay="0"/>
-                                  </p:stCondLst>
-                                  <p:childTnLst>
-                                    <p:set>
-                                      <p:cBhvr>
-                                        <p:cTn id="6" dur="1" fill="hold">
-                                          <p:stCondLst>
-                                            <p:cond delay="0"/>
-                                          </p:stCondLst>
-                                        </p:cTn>
-                                        <p:tgtEl>
-                                          <p:spTgt spid="3">
-                                            <p:txEl>
-                                              <p:pRg st="0" end="0"/>
-                                            </p:txEl>
-                                          </p:spTgt>
-                                        </p:tgtEl>
-                                        <p:attrNameLst>
-                                          <p:attrName>style.visibility</p:attrName>
-                                        </p:attrNameLst>
-                                      </p:cBhvr>
-                                      <p:to>
-                                        <p:strVal val="visible"/>
-                                      </p:to>
-                                    </p:set>
-                                  </p:childTnLst>
-                                </p:cTn>
-                              </p:par>
-                            </p:childTnLst>
-                          </p:cTn>
-                        </p:par>
-                      </p:childTnLst>
-                    </p:cTn>
-                  </p:par>
-                  <p:par>
-                    <p:cTn id="7" fill="hold">
-                      <p:stCondLst>
-                        <p:cond delay="indefinite"/>
-                      </p:stCondLst>
-                      <p:childTnLst>
-                        <p:par>
-                          <p:cTn id="8" fill="hold">
-                            <p:stCondLst>
-                              <p:cond delay="0"/>
-                            </p:stCondLst>
-                            <p:childTnLst>
-                              <p:par>
-                                <p:cTn id="9" presetID="1" presetClass="entr" presetSubtype="0" fill="hold" grpId="0" nodeType="clickEffect">
-                                  <p:stCondLst>
-                                    <p:cond delay="0"/>
-                                  </p:stCondLst>
-                                  <p:childTnLst>
-                                    <p:set>
-                                      <p:cBhvr>
-                                        <p:cTn id="10" dur="1" fill="hold">
-                                          <p:stCondLst>
-                                            <p:cond delay="0"/>
-                                          </p:stCondLst>
-                                        </p:cTn>
-                                        <p:tgtEl>
-                                          <p:spTgt spid="3">
-                                            <p:txEl>
-                                              <p:pRg st="1" end="1"/>
-                                            </p:txEl>
-                                          </p:spTgt>
-                                        </p:tgtEl>
-                                        <p:attrNameLst>
-                                          <p:attrName>style.visibility</p:attrName>
-                                        </p:attrNameLst>
-                                      </p:cBhvr>
-                                      <p:to>
-                                        <p:strVal val="visible"/>
-                                      </p:to>
-                                    </p:set>
-                                  </p:childTnLst>
-                                </p:cTn>
-                              </p:par>
-                            </p:childTnLst>
-                          </p:cTn>
-                        </p:par>
-                      </p:childTnLst>
-                    </p:cTn>
-                  </p:par>
-                  <p:par>
-                    <p:cTn id="11" fill="hold">
-                      <p:stCondLst>
-                        <p:cond delay="indefinite"/>
-                      </p:stCondLst>
-                      <p:childTnLst>
-                        <p:par>
-                          <p:cTn id="12" fill="hold">
-                            <p:stCondLst>
-                              <p:cond delay="0"/>
-                            </p:stCondLst>
-                            <p:childTnLst>
-                              <p:par>
-                                <p:cTn id="13" presetID="1" presetClass="entr" presetSubtype="0" fill="hold" grpId="0" nodeType="clickEffect">
-                                  <p:stCondLst>
-                                    <p:cond delay="0"/>
-                                  </p:stCondLst>
-                                  <p:childTnLst>
-                                    <p:set>
-                                      <p:cBhvr>
-                                        <p:cTn id="14" dur="1" fill="hold">
-                                          <p:stCondLst>
-                                            <p:cond delay="0"/>
-                                          </p:stCondLst>
-                                        </p:cTn>
-                                        <p:tgtEl>
-                                          <p:spTgt spid="3">
-                                            <p:txEl>
-                                              <p:pRg st="2" end="2"/>
-                                            </p:txEl>
-                                          </p:spTgt>
-                                        </p:tgtEl>
-                                        <p:attrNameLst>
-                                          <p:attrName>style.visibility</p:attrName>
-                                        </p:attrNameLst>
-                                      </p:cBhvr>
-                                      <p:to>
-                                        <p:strVal val="visible"/>
-                                      </p:to>
-                                    </p:set>
-                                  </p:childTnLst>
-                                </p:cTn>
-                              </p:par>
-                            </p:childTnLst>
-                          </p:cTn>
-                        </p:par>
-                      </p:childTnLst>
-                    </p:cTn>
-                  </p:par>
-                  <p:par>
-                    <p:cTn id="15" fill="hold">
-                      <p:stCondLst>
-                        <p:cond delay="indefinite"/>
-                      </p:stCondLst>
-                      <p:childTnLst>
-                        <p:par>
-                          <p:cTn id="16" fill="hold">
-                            <p:stCondLst>
-                              <p:cond delay="0"/>
-                            </p:stCondLst>
-                            <p:childTnLst>
-                              <p:par>
-                                <p:cTn id="17" presetID="1" presetClass="entr" presetSubtype="0" fill="hold" grpId="0" nodeType="clickEffect">
-                                  <p:stCondLst>
-                                    <p:cond delay="0"/>
-                                  </p:stCondLst>
-                                  <p:childTnLst>
-                                    <p:set>
-                                      <p:cBhvr>
-                                        <p:cTn id="18" dur="1" fill="hold">
-                                          <p:stCondLst>
-                                            <p:cond delay="0"/>
-                                          </p:stCondLst>
-                                        </p:cTn>
-                                        <p:tgtEl>
-                                          <p:spTgt spid="3">
-                                            <p:txEl>
-                                              <p:pRg st="3" end="3"/>
-                                            </p:txEl>
-                                          </p:spTgt>
-                                        </p:tgtEl>
-                                        <p:attrNameLst>
-                                          <p:attrName>style.visibility</p:attrName>
-                                        </p:attrNameLst>
-                                      </p:cBhvr>
-                                      <p:to>
-                                        <p:strVal val="visible"/>
-                                      </p:to>
-                                    </p:set>
-                                  </p:childTnLst>
-                                </p:cTn>
-                              </p:par>
-                            </p:childTnLst>
-                          </p:cTn>
-                        </p:par>
-                      </p:childTnLst>
-                    </p:cTn>
-                  </p:par>
-                  <p:par>
-                    <p:cTn id="19" fill="hold">
-                      <p:stCondLst>
-                        <p:cond delay="indefinite"/>
-                      </p:stCondLst>
-                      <p:childTnLst>
-                        <p:par>
-                          <p:cTn id="20" fill="hold">
-                            <p:stCondLst>
-                              <p:cond delay="0"/>
-                            </p:stCondLst>
-                            <p:childTnLst>
-                              <p:par>
-                                <p:cTn id="21" presetID="1" presetClass="entr" presetSubtype="0" fill="hold" grpId="0" nodeType="clickEffect">
-                                  <p:stCondLst>
-                                    <p:cond delay="0"/>
-                                  </p:stCondLst>
-                                  <p:childTnLst>
-                                    <p:set>
-                                      <p:cBhvr>
-                                        <p:cTn id="22" dur="1" fill="hold">
-                                          <p:stCondLst>
-                                            <p:cond delay="0"/>
-                                          </p:stCondLst>
-                                        </p:cTn>
-                                        <p:tgtEl>
-                                          <p:spTgt spid="3">
-                                            <p:txEl>
-                                              <p:pRg st="4" end="4"/>
-                                            </p:txEl>
-                                          </p:spTgt>
-                                        </p:tgtEl>
-                                        <p:attrNameLst>
-                                          <p:attrName>style.visibility</p:attrName>
-                                        </p:attrNameLst>
-                                      </p:cBhvr>
-                                      <p:to>
-                                        <p:strVal val="visible"/>
-                                      </p:to>
-                                    </p:set>
-                                  </p:childTnLst>
-                                </p:cTn>
-                              </p:par>
-                            </p:childTnLst>
-                          </p:cTn>
-                        </p:par>
-                      </p:childTnLst>
-                    </p:cTn>
-                  </p:par>
-                  <p:par>
-                    <p:cTn id="23" fill="hold">
-                      <p:stCondLst>
-                        <p:cond delay="indefinite"/>
-                      </p:stCondLst>
-                      <p:childTnLst>
-                        <p:par>
-                          <p:cTn id="24" fill="hold">
-                            <p:stCondLst>
-                              <p:cond delay="0"/>
-                            </p:stCondLst>
-                            <p:childTnLst>
-                              <p:par>
-                                <p:cTn id="25" presetID="1" presetClass="entr" presetSubtype="0" fill="hold" grpId="0" nodeType="clickEffect">
-                                  <p:stCondLst>
-                                    <p:cond delay="0"/>
-                                  </p:stCondLst>
-                                  <p:childTnLst>
-                                    <p:set>
-                                      <p:cBhvr>
-                                        <p:cTn id="26" dur="1" fill="hold">
-                                          <p:stCondLst>
-                                            <p:cond delay="0"/>
-                                          </p:stCondLst>
-                                        </p:cTn>
-                                        <p:tgtEl>
-                                          <p:spTgt spid="3">
-                                            <p:txEl>
-                                              <p:pRg st="5" end="5"/>
-                                            </p:txEl>
-                                          </p:spTgt>
-                                        </p:tgtEl>
-                                        <p:attrNameLst>
-                                          <p:attrName>style.visibility</p:attrName>
-                                        </p:attrNameLst>
-                                      </p:cBhvr>
-                                      <p:to>
-                                        <p:strVal val="visible"/>
-                                      </p:to>
-                                    </p:set>
-                                  </p:childTnLst>
-                                </p:cTn>
-                              </p:par>
-                            </p:childTnLst>
-                          </p:cTn>
-                        </p:par>
-                      </p:childTnLst>
-                    </p:cTn>
-                  </p:par>
-                </p:childTnLst>
-              </p:cTn>
-              <p:prevCondLst>
-                <p:cond evt="onPrev" delay="0">
-                  <p:tgtEl>
-                    <p:sldTgt/>
-                  </p:tgtEl>
-                </p:cond>
-              </p:prevCondLst>
-              <p:nextCondLst>
-                <p:cond evt="onNext" delay="0">
-                  <p:tgtEl>
-                    <p:sldTgt/>
-                  </p:tgtEl>
-                </p:cond>
-              </p:nextCondLst>
-            </p:seq>
-          </p:childTnLst>
-        </p:cTn>
+        <p:cTn xmlns:p14="http://schemas.microsoft.com/office/powerpoint/2010/main" id="1" dur="indefinite" restart="never" nodeType="tmRoot"/>
       </p:par>
     </p:tnLst>
-    <p:bldLst>
-      <p:bldP spid="3" grpId="0" build="p"/>
-    </p:bldLst>
   </p:timing>
 </p:sld>
 </file>
@@ -6929,8 +6609,8 @@
         </p:nvSpPr>
         <p:spPr>
           <a:xfrm>
-            <a:off x="8192098" y="6553200"/>
-            <a:ext cx="951903" cy="307777"/>
+            <a:off x="7806287" y="6553200"/>
+            <a:ext cx="1337714" cy="307777"/>
           </a:xfrm>
         </p:spPr>
         <p:txBody>
@@ -6941,12 +6621,8 @@
               <a:defRPr/>
             </a:pPr>
             <a:r>
-              <a:rPr lang="en-US" dirty="0" err="1" smtClean="0"/>
-              <a:t>lec</a:t>
-            </a:r>
-            <a:r>
               <a:rPr lang="en-US" dirty="0" smtClean="0"/>
-              <a:t> 1W.</a:t>
+              <a:t>proof-intro.</a:t>
             </a:r>
             <a:fld id="{DB6F0ED6-FEF5-4C9C-B1CC-29B47EC66FAA}" type="slidenum">
               <a:rPr lang="en-US" smtClean="0"/>
@@ -7127,7 +6803,7 @@
     <a:masterClrMapping/>
   </p:clrMapOvr>
   <p:transition xmlns:p14="http://schemas.microsoft.com/office/powerpoint/2010/main" spd="slow">
-    <p:fade thruBlk="1"/>
+    <p:fade/>
   </p:transition>
   <p:timing>
     <p:tnLst>
@@ -7596,8 +7272,8 @@
         </p:nvSpPr>
         <p:spPr>
           <a:xfrm>
-            <a:off x="8163344" y="6553200"/>
-            <a:ext cx="980657" cy="307777"/>
+            <a:off x="7777534" y="6553200"/>
+            <a:ext cx="1366467" cy="307777"/>
           </a:xfrm>
         </p:spPr>
         <p:txBody>
@@ -7608,12 +7284,8 @@
               <a:defRPr/>
             </a:pPr>
             <a:r>
-              <a:rPr lang="en-US" dirty="0" err="1" smtClean="0"/>
-              <a:t>lec</a:t>
-            </a:r>
-            <a:r>
               <a:rPr lang="en-US" dirty="0" smtClean="0"/>
-              <a:t> 1W.</a:t>
+              <a:t>proof-intro.</a:t>
             </a:r>
             <a:fld id="{DB6F0ED6-FEF5-4C9C-B1CC-29B47EC66FAA}" type="slidenum">
               <a:rPr lang="en-US" smtClean="0"/>
@@ -7820,7 +7492,7 @@
   <p:clrMapOvr>
     <a:masterClrMapping/>
   </p:clrMapOvr>
-  <p:transition xmlns:p14="http://schemas.microsoft.com/office/powerpoint/2010/main">
+  <p:transition xmlns:p14="http://schemas.microsoft.com/office/powerpoint/2010/main" spd="slow">
     <p:fade/>
   </p:transition>
   <p:timing>
@@ -8272,8 +7944,8 @@
         </p:nvSpPr>
         <p:spPr>
           <a:xfrm>
-            <a:off x="8163344" y="6553200"/>
-            <a:ext cx="980657" cy="307777"/>
+            <a:off x="7777534" y="6553200"/>
+            <a:ext cx="1366467" cy="307777"/>
           </a:xfrm>
         </p:spPr>
         <p:txBody>
@@ -8284,12 +7956,8 @@
               <a:defRPr/>
             </a:pPr>
             <a:r>
-              <a:rPr lang="en-US" dirty="0" err="1" smtClean="0"/>
-              <a:t>lec</a:t>
-            </a:r>
-            <a:r>
               <a:rPr lang="en-US" dirty="0" smtClean="0"/>
-              <a:t> 1W.</a:t>
+              <a:t>proof-intro.</a:t>
             </a:r>
             <a:fld id="{DB6F0ED6-FEF5-4C9C-B1CC-29B47EC66FAA}" type="slidenum">
               <a:rPr lang="en-US" smtClean="0"/>
@@ -8408,7 +8076,7 @@
   <p:clrMapOvr>
     <a:masterClrMapping/>
   </p:clrMapOvr>
-  <p:transition xmlns:p14="http://schemas.microsoft.com/office/powerpoint/2010/main">
+  <p:transition xmlns:p14="http://schemas.microsoft.com/office/powerpoint/2010/main" spd="slow">
     <p:fade/>
   </p:transition>
   <p:timing>
@@ -8456,19 +8124,19 @@
           <a:lstStyle/>
           <a:p>
             <a:r>
-              <a:rPr lang="en-US" smtClean="0"/>
+              <a:rPr lang="en-US" dirty="0" smtClean="0"/>
               <a:t>      </a:t>
             </a:r>
             <a:r>
-              <a:rPr lang="en-US" sz="1200" smtClean="0"/>
-              <a:t>lec 1W.</a:t>
+              <a:rPr lang="en-US" sz="1200" dirty="0" smtClean="0"/>
+              <a:t>proof-intro.</a:t>
             </a:r>
             <a:fld id="{00640BF1-4053-4C17-8310-27B8253C9775}" type="slidenum">
               <a:rPr lang="en-US" sz="1200" smtClean="0"/>
               <a:pPr/>
               <a:t>14</a:t>
             </a:fld>
-            <a:endParaRPr lang="en-US" sz="1200" smtClean="0"/>
+            <a:endParaRPr lang="en-US" sz="1200" dirty="0" smtClean="0"/>
           </a:p>
         </p:txBody>
       </p:sp>
@@ -8542,7 +8210,7 @@
   <p:clrMapOvr>
     <a:masterClrMapping/>
   </p:clrMapOvr>
-  <p:transition xmlns:p14="http://schemas.microsoft.com/office/powerpoint/2010/main">
+  <p:transition xmlns:p14="http://schemas.microsoft.com/office/powerpoint/2010/main" spd="slow">
     <p:fade/>
   </p:transition>
   <p:timing>
@@ -8590,19 +8258,19 @@
           <a:lstStyle/>
           <a:p>
             <a:r>
-              <a:rPr lang="en-US" smtClean="0"/>
+              <a:rPr lang="en-US" dirty="0" smtClean="0"/>
               <a:t>      </a:t>
             </a:r>
             <a:r>
-              <a:rPr lang="en-US" sz="1200" smtClean="0"/>
-              <a:t>lec 1W.</a:t>
+              <a:rPr lang="en-US" sz="1200" dirty="0" smtClean="0"/>
+              <a:t>proof-intro.</a:t>
             </a:r>
             <a:fld id="{F945E144-46F5-4BFE-BFF5-52D2B17983BE}" type="slidenum">
               <a:rPr lang="en-US" sz="1200" smtClean="0"/>
               <a:pPr/>
               <a:t>15</a:t>
             </a:fld>
-            <a:endParaRPr lang="en-US" sz="1200" smtClean="0"/>
+            <a:endParaRPr lang="en-US" sz="1200" dirty="0" smtClean="0"/>
           </a:p>
         </p:txBody>
       </p:sp>
@@ -8679,7 +8347,7 @@
   <p:clrMapOvr>
     <a:masterClrMapping/>
   </p:clrMapOvr>
-  <p:transition xmlns:p14="http://schemas.microsoft.com/office/powerpoint/2010/main">
+  <p:transition xmlns:p14="http://schemas.microsoft.com/office/powerpoint/2010/main" spd="slow">
     <p:fade/>
   </p:transition>
   <p:timing>
@@ -8721,8 +8389,8 @@
         </p:nvSpPr>
         <p:spPr>
           <a:xfrm>
-            <a:off x="7985125" y="6553200"/>
-            <a:ext cx="1158875" cy="307975"/>
+            <a:off x="7624458" y="6553200"/>
+            <a:ext cx="1519542" cy="307777"/>
           </a:xfrm>
           <a:noFill/>
         </p:spPr>
@@ -8731,19 +8399,19 @@
           <a:lstStyle/>
           <a:p>
             <a:r>
-              <a:rPr lang="en-US" smtClean="0"/>
+              <a:rPr lang="en-US" dirty="0" smtClean="0"/>
               <a:t>      </a:t>
             </a:r>
             <a:r>
-              <a:rPr lang="en-US" sz="1200" smtClean="0"/>
-              <a:t>lec 1W.</a:t>
+              <a:rPr lang="en-US" sz="1200" dirty="0" smtClean="0"/>
+              <a:t>proof-intro.</a:t>
             </a:r>
             <a:fld id="{2CE4F879-8951-4E2E-A4AF-301D9F13C57E}" type="slidenum">
               <a:rPr lang="en-US" sz="1200" smtClean="0"/>
               <a:pPr/>
               <a:t>16</a:t>
             </a:fld>
-            <a:endParaRPr lang="en-US" sz="1200" smtClean="0"/>
+            <a:endParaRPr lang="en-US" sz="1200" dirty="0" smtClean="0"/>
           </a:p>
         </p:txBody>
       </p:sp>
@@ -9241,7 +8909,7 @@
           <a:graphicData uri="http://schemas.openxmlformats.org/presentationml/2006/ole">
             <mc:AlternateContent xmlns:mc="http://schemas.openxmlformats.org/markup-compatibility/2006">
               <mc:Choice xmlns:v="urn:schemas-microsoft-com:vml" Requires="v">
-                <p:oleObj spid="_x0000_s150571" name="Equation" r:id="rId4" imgW="838200" imgH="241300" progId="Equation.DSMT4">
+                <p:oleObj spid="_x0000_s150579" name="Equation" r:id="rId4" imgW="838200" imgH="241300" progId="Equation.DSMT4">
                   <p:embed/>
                 </p:oleObj>
               </mc:Choice>
@@ -9300,8 +8968,8 @@
   <p:clrMapOvr>
     <a:masterClrMapping/>
   </p:clrMapOvr>
-  <p:transition xmlns:p14="http://schemas.microsoft.com/office/powerpoint/2010/main">
-    <p:fade/>
+  <p:transition xmlns:p14="http://schemas.microsoft.com/office/powerpoint/2010/main" spd="slow">
+    <p:fade thruBlk="1"/>
   </p:transition>
   <p:timing>
     <p:tnLst>
@@ -9557,8 +9225,8 @@
         </p:nvSpPr>
         <p:spPr>
           <a:xfrm>
-            <a:off x="7959725" y="6553200"/>
-            <a:ext cx="1184275" cy="307975"/>
+            <a:off x="7624458" y="6553200"/>
+            <a:ext cx="1519542" cy="307777"/>
           </a:xfrm>
           <a:noFill/>
         </p:spPr>
@@ -9567,19 +9235,19 @@
           <a:lstStyle/>
           <a:p>
             <a:r>
-              <a:rPr lang="en-US" smtClean="0"/>
+              <a:rPr lang="en-US" dirty="0" smtClean="0"/>
               <a:t>      </a:t>
             </a:r>
             <a:r>
-              <a:rPr lang="en-US" sz="1200" smtClean="0"/>
-              <a:t>lec 1W.</a:t>
+              <a:rPr lang="en-US" sz="1200" dirty="0" smtClean="0"/>
+              <a:t>proof-intro.</a:t>
             </a:r>
             <a:fld id="{0FB437FB-7EA6-4D8E-804F-52D528A3F410}" type="slidenum">
               <a:rPr lang="en-US" sz="1200" smtClean="0"/>
               <a:pPr/>
               <a:t>17</a:t>
             </a:fld>
-            <a:endParaRPr lang="en-US" sz="1200" smtClean="0"/>
+            <a:endParaRPr lang="en-US" sz="1200" dirty="0" smtClean="0"/>
           </a:p>
         </p:txBody>
       </p:sp>
@@ -10187,7 +9855,7 @@
           <a:graphicData uri="http://schemas.openxmlformats.org/presentationml/2006/ole">
             <mc:AlternateContent xmlns:mc="http://schemas.openxmlformats.org/markup-compatibility/2006">
               <mc:Choice xmlns:v="urn:schemas-microsoft-com:vml" Requires="v">
-                <p:oleObj spid="_x0000_s6218" name="Equation" r:id="rId4" imgW="304560" imgH="139680" progId="Equation.DSMT4">
+                <p:oleObj spid="_x0000_s6230" name="Equation" r:id="rId4" imgW="304560" imgH="139680" progId="Equation.DSMT4">
                   <p:embed/>
                 </p:oleObj>
               </mc:Choice>
@@ -10257,7 +9925,7 @@
           <a:graphicData uri="http://schemas.openxmlformats.org/presentationml/2006/ole">
             <mc:AlternateContent xmlns:mc="http://schemas.openxmlformats.org/markup-compatibility/2006">
               <mc:Choice xmlns:v="urn:schemas-microsoft-com:vml" Requires="v">
-                <p:oleObj spid="_x0000_s6219" name="Equation" r:id="rId6" imgW="304560" imgH="139680" progId="Equation.DSMT4">
+                <p:oleObj spid="_x0000_s6231" name="Equation" r:id="rId6" imgW="304560" imgH="139680" progId="Equation.DSMT4">
                   <p:embed/>
                 </p:oleObj>
               </mc:Choice>
@@ -10456,7 +10124,7 @@
   <p:clrMapOvr>
     <a:masterClrMapping/>
   </p:clrMapOvr>
-  <p:transition xmlns:p14="http://schemas.microsoft.com/office/powerpoint/2010/main">
+  <p:transition xmlns:p14="http://schemas.microsoft.com/office/powerpoint/2010/main" spd="slow">
     <p:fade/>
   </p:transition>
   <p:timing>
@@ -10701,19 +10369,19 @@
           <a:lstStyle/>
           <a:p>
             <a:r>
-              <a:rPr lang="en-US" smtClean="0"/>
+              <a:rPr lang="en-US" dirty="0" smtClean="0"/>
               <a:t>      </a:t>
             </a:r>
             <a:r>
-              <a:rPr lang="en-US" sz="1200" smtClean="0"/>
-              <a:t>lec 1W.</a:t>
+              <a:rPr lang="en-US" sz="1200" dirty="0" smtClean="0"/>
+              <a:t>proof-intro.</a:t>
             </a:r>
             <a:fld id="{2397B697-5C1D-45EC-849F-1E2C7D9F00A5}" type="slidenum">
               <a:rPr lang="en-US" sz="1200" smtClean="0"/>
               <a:pPr/>
               <a:t>18</a:t>
             </a:fld>
-            <a:endParaRPr lang="en-US" sz="1200" smtClean="0"/>
+            <a:endParaRPr lang="en-US" sz="1200" dirty="0" smtClean="0"/>
           </a:p>
         </p:txBody>
       </p:sp>
@@ -11221,7 +10889,7 @@
   <p:clrMapOvr>
     <a:masterClrMapping/>
   </p:clrMapOvr>
-  <p:transition xmlns:p14="http://schemas.microsoft.com/office/powerpoint/2010/main">
+  <p:transition xmlns:p14="http://schemas.microsoft.com/office/powerpoint/2010/main" spd="slow">
     <p:fade/>
   </p:transition>
   <p:timing>
@@ -11269,19 +10937,19 @@
           <a:lstStyle/>
           <a:p>
             <a:r>
-              <a:rPr lang="en-US" smtClean="0"/>
+              <a:rPr lang="en-US" dirty="0" smtClean="0"/>
               <a:t>      </a:t>
             </a:r>
             <a:r>
-              <a:rPr lang="en-US" sz="1200" smtClean="0"/>
-              <a:t>lec 1W.</a:t>
+              <a:rPr lang="en-US" sz="1200" dirty="0" smtClean="0"/>
+              <a:t>proof-intro.</a:t>
             </a:r>
             <a:fld id="{65CB97D2-D080-404C-B886-E9A46F89541B}" type="slidenum">
               <a:rPr lang="en-US" sz="1200" smtClean="0"/>
               <a:pPr/>
               <a:t>19</a:t>
             </a:fld>
-            <a:endParaRPr lang="en-US" sz="1200" smtClean="0"/>
+            <a:endParaRPr lang="en-US" sz="1200" dirty="0" smtClean="0"/>
           </a:p>
         </p:txBody>
       </p:sp>
@@ -11683,7 +11351,7 @@
           <a:graphicData uri="http://schemas.openxmlformats.org/presentationml/2006/ole">
             <mc:AlternateContent xmlns:mc="http://schemas.openxmlformats.org/markup-compatibility/2006">
               <mc:Choice xmlns:v="urn:schemas-microsoft-com:vml" Requires="v">
-                <p:oleObj spid="_x0000_s7240" name="Equation" r:id="rId4" imgW="304560" imgH="139680" progId="Equation.DSMT4">
+                <p:oleObj spid="_x0000_s7252" name="Equation" r:id="rId4" imgW="304560" imgH="139680" progId="Equation.DSMT4">
                   <p:embed/>
                 </p:oleObj>
               </mc:Choice>
@@ -11753,7 +11421,7 @@
           <a:graphicData uri="http://schemas.openxmlformats.org/presentationml/2006/ole">
             <mc:AlternateContent xmlns:mc="http://schemas.openxmlformats.org/markup-compatibility/2006">
               <mc:Choice xmlns:v="urn:schemas-microsoft-com:vml" Requires="v">
-                <p:oleObj spid="_x0000_s7241" name="Equation" r:id="rId6" imgW="304560" imgH="139680" progId="Equation.DSMT4">
+                <p:oleObj spid="_x0000_s7253" name="Equation" r:id="rId6" imgW="304560" imgH="139680" progId="Equation.DSMT4">
                   <p:embed/>
                 </p:oleObj>
               </mc:Choice>
@@ -12047,7 +11715,7 @@
   <p:clrMapOvr>
     <a:masterClrMapping/>
   </p:clrMapOvr>
-  <p:transition xmlns:p14="http://schemas.microsoft.com/office/powerpoint/2010/main">
+  <p:transition xmlns:p14="http://schemas.microsoft.com/office/powerpoint/2010/main" spd="slow">
     <p:fade/>
   </p:transition>
   <p:timing>
@@ -12088,6 +11756,10 @@
           </p:nvPr>
         </p:nvSpPr>
         <p:spPr>
+          <a:xfrm>
+            <a:off x="7693739" y="6553200"/>
+            <a:ext cx="1450262" cy="307777"/>
+          </a:xfrm>
           <a:noFill/>
         </p:spPr>
         <p:txBody>
@@ -12095,19 +11767,19 @@
           <a:lstStyle/>
           <a:p>
             <a:r>
-              <a:rPr lang="en-US" smtClean="0"/>
+              <a:rPr lang="en-US" dirty="0" smtClean="0"/>
               <a:t>      </a:t>
             </a:r>
             <a:r>
-              <a:rPr lang="en-US" sz="1200" smtClean="0"/>
-              <a:t>lec 1W.</a:t>
+              <a:rPr lang="en-US" sz="1200" dirty="0" smtClean="0"/>
+              <a:t>proof-intro.</a:t>
             </a:r>
             <a:fld id="{927A8356-297C-42F1-B0D2-25D25A26288A}" type="slidenum">
               <a:rPr lang="en-US" sz="1200" smtClean="0"/>
               <a:pPr/>
               <a:t>2</a:t>
             </a:fld>
-            <a:endParaRPr lang="en-US" sz="1200" smtClean="0"/>
+            <a:endParaRPr lang="en-US" sz="1200" dirty="0" smtClean="0"/>
           </a:p>
         </p:txBody>
       </p:sp>
@@ -12259,7 +11931,7 @@
           <a:graphicData uri="http://schemas.openxmlformats.org/presentationml/2006/ole">
             <mc:AlternateContent xmlns:mc="http://schemas.openxmlformats.org/markup-compatibility/2006">
               <mc:Choice xmlns:v="urn:schemas-microsoft-com:vml" Requires="v">
-                <p:oleObj spid="_x0000_s194590" name="Equation" r:id="rId4" imgW="914400" imgH="215640" progId="Equation.3">
+                <p:oleObj spid="_x0000_s194602" name="Equation" r:id="rId4" imgW="914400" imgH="215640" progId="Equation.3">
                   <p:embed/>
                 </p:oleObj>
               </mc:Choice>
@@ -12329,7 +12001,7 @@
           <a:graphicData uri="http://schemas.openxmlformats.org/presentationml/2006/ole">
             <mc:AlternateContent xmlns:mc="http://schemas.openxmlformats.org/markup-compatibility/2006">
               <mc:Choice xmlns:v="urn:schemas-microsoft-com:vml" Requires="v">
-                <p:oleObj spid="_x0000_s194591" name="Equation" r:id="rId6" imgW="914400" imgH="215640" progId="Equation.3">
+                <p:oleObj spid="_x0000_s194603" name="Equation" r:id="rId6" imgW="914400" imgH="215640" progId="Equation.3">
                   <p:embed/>
                 </p:oleObj>
               </mc:Choice>
@@ -12393,7 +12065,7 @@
   <p:clrMapOvr>
     <a:masterClrMapping/>
   </p:clrMapOvr>
-  <p:transition xmlns:p14="http://schemas.microsoft.com/office/powerpoint/2010/main">
+  <p:transition xmlns:p14="http://schemas.microsoft.com/office/powerpoint/2010/main" spd="slow">
     <p:fade/>
   </p:transition>
   <p:timing>
@@ -12435,8 +12107,8 @@
         </p:nvSpPr>
         <p:spPr>
           <a:xfrm>
-            <a:off x="7959725" y="6553200"/>
-            <a:ext cx="1184275" cy="307975"/>
+            <a:off x="7599812" y="6553200"/>
+            <a:ext cx="1544188" cy="307777"/>
           </a:xfrm>
           <a:noFill/>
         </p:spPr>
@@ -12445,19 +12117,19 @@
           <a:lstStyle/>
           <a:p>
             <a:r>
-              <a:rPr lang="en-US" smtClean="0"/>
+              <a:rPr lang="en-US" dirty="0" smtClean="0"/>
               <a:t>      </a:t>
             </a:r>
             <a:r>
-              <a:rPr lang="en-US" sz="1200" smtClean="0"/>
-              <a:t>lec 1W.</a:t>
+              <a:rPr lang="en-US" sz="1200" dirty="0" smtClean="0"/>
+              <a:t>proof-intro.</a:t>
             </a:r>
             <a:fld id="{90D7F182-AFDA-4334-AFA0-35192557D391}" type="slidenum">
               <a:rPr lang="en-US" sz="1200" smtClean="0"/>
               <a:pPr/>
               <a:t>20</a:t>
             </a:fld>
-            <a:endParaRPr lang="en-US" sz="1200" smtClean="0"/>
+            <a:endParaRPr lang="en-US" sz="1200" dirty="0" smtClean="0"/>
           </a:p>
         </p:txBody>
       </p:sp>
@@ -12500,7 +12172,7 @@
           <a:graphicData uri="http://schemas.openxmlformats.org/presentationml/2006/ole">
             <mc:AlternateContent xmlns:mc="http://schemas.openxmlformats.org/markup-compatibility/2006">
               <mc:Choice xmlns:v="urn:schemas-microsoft-com:vml" Requires="v">
-                <p:oleObj spid="_x0000_s209935" name="Equation" r:id="rId4" imgW="114120" imgH="177480" progId="Equation.DSMT4">
+                <p:oleObj spid="_x0000_s209947" name="Equation" r:id="rId4" imgW="114120" imgH="177480" progId="Equation.DSMT4">
                   <p:embed/>
                 </p:oleObj>
               </mc:Choice>
@@ -13105,7 +12777,7 @@
           <a:graphicData uri="http://schemas.openxmlformats.org/presentationml/2006/ole">
             <mc:AlternateContent xmlns:mc="http://schemas.openxmlformats.org/markup-compatibility/2006">
               <mc:Choice xmlns:v="urn:schemas-microsoft-com:vml" Requires="v">
-                <p:oleObj spid="_x0000_s209936" name="Equation" r:id="rId6" imgW="635000" imgH="469900" progId="Equation.DSMT4">
+                <p:oleObj spid="_x0000_s209948" name="Equation" r:id="rId6" imgW="635000" imgH="469900" progId="Equation.DSMT4">
                   <p:embed/>
                 </p:oleObj>
               </mc:Choice>
@@ -13150,7 +12822,7 @@
   <p:clrMapOvr>
     <a:masterClrMapping/>
   </p:clrMapOvr>
-  <p:transition xmlns:p14="http://schemas.microsoft.com/office/powerpoint/2010/main">
+  <p:transition xmlns:p14="http://schemas.microsoft.com/office/powerpoint/2010/main" spd="slow">
     <p:fade/>
   </p:transition>
   <p:timing>
@@ -13268,8 +12940,8 @@
         </p:nvSpPr>
         <p:spPr>
           <a:xfrm>
-            <a:off x="7959725" y="6553200"/>
-            <a:ext cx="1184275" cy="307975"/>
+            <a:off x="7624458" y="6553200"/>
+            <a:ext cx="1519542" cy="307777"/>
           </a:xfrm>
           <a:noFill/>
         </p:spPr>
@@ -13278,19 +12950,19 @@
           <a:lstStyle/>
           <a:p>
             <a:r>
-              <a:rPr lang="en-US" smtClean="0"/>
+              <a:rPr lang="en-US" dirty="0" smtClean="0"/>
               <a:t>      </a:t>
             </a:r>
             <a:r>
-              <a:rPr lang="en-US" sz="1200" smtClean="0"/>
-              <a:t>lec 1W.</a:t>
+              <a:rPr lang="en-US" sz="1200" dirty="0" smtClean="0"/>
+              <a:t>proof-intro.</a:t>
             </a:r>
             <a:fld id="{90D7F182-AFDA-4334-AFA0-35192557D391}" type="slidenum">
               <a:rPr lang="en-US" sz="1200" smtClean="0"/>
               <a:pPr/>
               <a:t>21</a:t>
             </a:fld>
-            <a:endParaRPr lang="en-US" sz="1200" smtClean="0"/>
+            <a:endParaRPr lang="en-US" sz="1200" dirty="0" smtClean="0"/>
           </a:p>
         </p:txBody>
       </p:sp>
@@ -13333,7 +13005,7 @@
           <a:graphicData uri="http://schemas.openxmlformats.org/presentationml/2006/ole">
             <mc:AlternateContent xmlns:mc="http://schemas.openxmlformats.org/markup-compatibility/2006">
               <mc:Choice xmlns:v="urn:schemas-microsoft-com:vml" Requires="v">
-                <p:oleObj spid="_x0000_s187438" name="Equation" r:id="rId4" imgW="114120" imgH="177480" progId="Equation.DSMT4">
+                <p:oleObj spid="_x0000_s187450" name="Equation" r:id="rId4" imgW="114120" imgH="177480" progId="Equation.DSMT4">
                   <p:embed/>
                 </p:oleObj>
               </mc:Choice>
@@ -14012,7 +13684,7 @@
           <a:graphicData uri="http://schemas.openxmlformats.org/presentationml/2006/ole">
             <mc:AlternateContent xmlns:mc="http://schemas.openxmlformats.org/markup-compatibility/2006">
               <mc:Choice xmlns:v="urn:schemas-microsoft-com:vml" Requires="v">
-                <p:oleObj spid="_x0000_s187439" name="Equation" r:id="rId6" imgW="635000" imgH="444500" progId="Equation.DSMT4">
+                <p:oleObj spid="_x0000_s187451" name="Equation" r:id="rId6" imgW="635000" imgH="444500" progId="Equation.DSMT4">
                   <p:embed/>
                 </p:oleObj>
               </mc:Choice>
@@ -14057,18 +13729,9 @@
   <p:clrMapOvr>
     <a:masterClrMapping/>
   </p:clrMapOvr>
-  <mc:AlternateContent xmlns:mc="http://schemas.openxmlformats.org/markup-compatibility/2006" xmlns:p14="http://schemas.microsoft.com/office/powerpoint/2010/main">
-    <mc:Choice Requires="p14">
-      <p:transition spd="med" p14:dur="700">
-        <p:fade/>
-      </p:transition>
-    </mc:Choice>
-    <mc:Fallback xmlns="">
-      <p:transition xmlns:p14="http://schemas.microsoft.com/office/powerpoint/2010/main" spd="med">
-        <p:fade/>
-      </p:transition>
-    </mc:Fallback>
-  </mc:AlternateContent>
+  <p:transition xmlns:p14="http://schemas.microsoft.com/office/powerpoint/2010/main" spd="slow">
+    <p:fade/>
+  </p:transition>
   <p:timing>
     <p:tnLst>
       <p:par>
@@ -14247,19 +13910,19 @@
           <a:lstStyle/>
           <a:p>
             <a:r>
-              <a:rPr lang="en-US" smtClean="0"/>
+              <a:rPr lang="en-US" dirty="0" smtClean="0"/>
               <a:t>      </a:t>
             </a:r>
             <a:r>
-              <a:rPr lang="en-US" sz="1200" smtClean="0"/>
-              <a:t>lec 1W.</a:t>
+              <a:rPr lang="en-US" sz="1200" dirty="0" smtClean="0"/>
+              <a:t>proof-intro.</a:t>
             </a:r>
             <a:fld id="{50ABE7CE-A50A-4B65-8A8D-397E169FFA68}" type="slidenum">
               <a:rPr lang="en-US" sz="1200" smtClean="0"/>
               <a:pPr/>
               <a:t>22</a:t>
             </a:fld>
-            <a:endParaRPr lang="en-US" sz="1200" smtClean="0"/>
+            <a:endParaRPr lang="en-US" sz="1200" dirty="0" smtClean="0"/>
           </a:p>
         </p:txBody>
       </p:sp>
@@ -15783,18 +15446,9 @@
   <p:clrMapOvr>
     <a:masterClrMapping/>
   </p:clrMapOvr>
-  <mc:AlternateContent xmlns:mc="http://schemas.openxmlformats.org/markup-compatibility/2006" xmlns:p14="http://schemas.microsoft.com/office/powerpoint/2010/main">
-    <mc:Choice Requires="p14">
-      <p:transition spd="slow" p14:dur="800">
-        <p:fade thruBlk="1"/>
-      </p:transition>
-    </mc:Choice>
-    <mc:Fallback xmlns="">
-      <p:transition xmlns:p14="http://schemas.microsoft.com/office/powerpoint/2010/main" spd="slow">
-        <p:fade thruBlk="1"/>
-      </p:transition>
-    </mc:Fallback>
-  </mc:AlternateContent>
+  <p:transition xmlns:p14="http://schemas.microsoft.com/office/powerpoint/2010/main" spd="slow">
+    <p:fade thruBlk="1"/>
+  </p:transition>
   <p:timing>
     <p:tnLst>
       <p:par>
@@ -16392,19 +16046,19 @@
           <a:lstStyle/>
           <a:p>
             <a:r>
-              <a:rPr lang="en-US" smtClean="0"/>
+              <a:rPr lang="en-US" dirty="0" smtClean="0"/>
               <a:t>      </a:t>
             </a:r>
             <a:r>
-              <a:rPr lang="en-US" sz="1200" smtClean="0"/>
-              <a:t>lec 1W.</a:t>
+              <a:rPr lang="en-US" sz="1200" dirty="0" smtClean="0"/>
+              <a:t>proof-intro.</a:t>
             </a:r>
             <a:fld id="{50ABE7CE-A50A-4B65-8A8D-397E169FFA68}" type="slidenum">
               <a:rPr lang="en-US" sz="1200" smtClean="0"/>
               <a:pPr/>
               <a:t>23</a:t>
             </a:fld>
-            <a:endParaRPr lang="en-US" sz="1200" smtClean="0"/>
+            <a:endParaRPr lang="en-US" sz="1200" dirty="0" smtClean="0"/>
           </a:p>
         </p:txBody>
       </p:sp>
@@ -18015,7 +17669,7 @@
   <p:clrMapOvr>
     <a:masterClrMapping/>
   </p:clrMapOvr>
-  <p:transition xmlns:p14="http://schemas.microsoft.com/office/powerpoint/2010/main">
+  <p:transition xmlns:p14="http://schemas.microsoft.com/office/powerpoint/2010/main" spd="slow">
     <p:fade/>
   </p:transition>
   <p:timing>
@@ -18063,19 +17717,19 @@
           <a:lstStyle/>
           <a:p>
             <a:r>
-              <a:rPr lang="en-US" smtClean="0"/>
+              <a:rPr lang="en-US" dirty="0" smtClean="0"/>
               <a:t>      </a:t>
             </a:r>
             <a:r>
-              <a:rPr lang="en-US" sz="1200" smtClean="0"/>
-              <a:t>lec 1W.</a:t>
+              <a:rPr lang="en-US" sz="1200" dirty="0" smtClean="0"/>
+              <a:t>proof-intro.</a:t>
             </a:r>
             <a:fld id="{530F5DA7-E64F-4D07-8D9B-A445C7617EFD}" type="slidenum">
               <a:rPr lang="en-US" sz="1200" smtClean="0"/>
               <a:pPr/>
               <a:t>24</a:t>
             </a:fld>
-            <a:endParaRPr lang="en-US" sz="1200" smtClean="0"/>
+            <a:endParaRPr lang="en-US" sz="1200" dirty="0" smtClean="0"/>
           </a:p>
         </p:txBody>
       </p:sp>
@@ -18883,7 +18537,7 @@
   <p:clrMapOvr>
     <a:masterClrMapping/>
   </p:clrMapOvr>
-  <p:transition xmlns:p14="http://schemas.microsoft.com/office/powerpoint/2010/main">
+  <p:transition xmlns:p14="http://schemas.microsoft.com/office/powerpoint/2010/main" spd="slow">
     <p:fade/>
   </p:transition>
   <p:timing>
@@ -18996,7 +18650,7 @@
 </file>
 
 <file path=ppt/slides/slide25.xml><?xml version="1.0" encoding="utf-8"?>
-<p:sld xmlns:a="http://schemas.openxmlformats.org/drawingml/2006/main" xmlns:r="http://schemas.openxmlformats.org/officeDocument/2006/relationships" xmlns:p="http://schemas.openxmlformats.org/presentationml/2006/main" show="0">
+<p:sld xmlns:a="http://schemas.openxmlformats.org/drawingml/2006/main" xmlns:r="http://schemas.openxmlformats.org/officeDocument/2006/relationships" xmlns:p="http://schemas.openxmlformats.org/presentationml/2006/main">
   <p:cSld>
     <p:spTree>
       <p:nvGrpSpPr>
@@ -19024,8 +18678,8 @@
         </p:nvSpPr>
         <p:spPr>
           <a:xfrm>
-            <a:off x="7959725" y="6553200"/>
-            <a:ext cx="1184275" cy="307975"/>
+            <a:off x="7599812" y="6553200"/>
+            <a:ext cx="1544188" cy="307777"/>
           </a:xfrm>
           <a:noFill/>
         </p:spPr>
@@ -19034,19 +18688,19 @@
           <a:lstStyle/>
           <a:p>
             <a:r>
-              <a:rPr lang="en-US" smtClean="0"/>
+              <a:rPr lang="en-US" dirty="0" smtClean="0"/>
               <a:t>      </a:t>
             </a:r>
             <a:r>
-              <a:rPr lang="en-US" sz="1200" smtClean="0"/>
-              <a:t>lec 1W.</a:t>
+              <a:rPr lang="en-US" sz="1200" dirty="0" smtClean="0"/>
+              <a:t>proof-intro.</a:t>
             </a:r>
             <a:fld id="{12CF27A8-2E27-47D3-89F5-30D5C89B3807}" type="slidenum">
               <a:rPr lang="en-US" sz="1200" smtClean="0"/>
               <a:pPr/>
               <a:t>25</a:t>
             </a:fld>
-            <a:endParaRPr lang="en-US" sz="1200" smtClean="0"/>
+            <a:endParaRPr lang="en-US" sz="1200" dirty="0" smtClean="0"/>
           </a:p>
         </p:txBody>
       </p:sp>
@@ -19214,7 +18868,7 @@
           <a:graphicData uri="http://schemas.openxmlformats.org/presentationml/2006/ole">
             <mc:AlternateContent xmlns:mc="http://schemas.openxmlformats.org/markup-compatibility/2006">
               <mc:Choice xmlns:v="urn:schemas-microsoft-com:vml" Requires="v">
-                <p:oleObj spid="_x0000_s9317" name="Equation" r:id="rId4" imgW="1257120" imgH="444240" progId="Equation.DSMT4">
+                <p:oleObj spid="_x0000_s9340" name="Equation" r:id="rId4" imgW="1257120" imgH="444240" progId="Equation.DSMT4">
                   <p:embed/>
                 </p:oleObj>
               </mc:Choice>
@@ -19309,7 +18963,7 @@
           <a:graphicData uri="http://schemas.openxmlformats.org/presentationml/2006/ole">
             <mc:AlternateContent xmlns:mc="http://schemas.openxmlformats.org/markup-compatibility/2006">
               <mc:Choice xmlns:v="urn:schemas-microsoft-com:vml" Requires="v">
-                <p:oleObj spid="_x0000_s9318" name="Equation" r:id="rId6" imgW="1269720" imgH="444240" progId="Equation.DSMT4">
+                <p:oleObj spid="_x0000_s9341" name="Equation" r:id="rId6" imgW="1269720" imgH="444240" progId="Equation.DSMT4">
                   <p:embed/>
                 </p:oleObj>
               </mc:Choice>
@@ -19482,7 +19136,7 @@
           <a:graphicData uri="http://schemas.openxmlformats.org/presentationml/2006/ole">
             <mc:AlternateContent xmlns:mc="http://schemas.openxmlformats.org/markup-compatibility/2006">
               <mc:Choice xmlns:v="urn:schemas-microsoft-com:vml" Requires="v">
-                <p:oleObj spid="_x0000_s9319" name="Equation" r:id="rId8" imgW="774360" imgH="203040" progId="Equation.DSMT4">
+                <p:oleObj spid="_x0000_s9342" name="Equation" r:id="rId8" imgW="774360" imgH="203040" progId="Equation.DSMT4">
                   <p:embed/>
                 </p:oleObj>
               </mc:Choice>
@@ -19566,8 +19220,8 @@
   <p:clrMapOvr>
     <a:masterClrMapping/>
   </p:clrMapOvr>
-  <p:transition xmlns:p14="http://schemas.microsoft.com/office/powerpoint/2010/main">
-    <p:fade/>
+  <p:transition xmlns:p14="http://schemas.microsoft.com/office/powerpoint/2010/main" spd="slow">
+    <p:fade thruBlk="1"/>
   </p:transition>
   <p:timing>
     <p:tnLst>
@@ -19581,9 +19235,6 @@
                     <p:cTn id="3" fill="hold">
                       <p:stCondLst>
                         <p:cond delay="indefinite"/>
-                        <p:cond evt="onBegin" delay="0">
-                          <p:tn val="2"/>
-                        </p:cond>
                       </p:stCondLst>
                       <p:childTnLst>
                         <p:par>
@@ -19593,7 +19244,7 @@
                             </p:stCondLst>
                             <p:childTnLst>
                               <p:par>
-                                <p:cTn id="5" presetID="1" presetClass="entr" presetSubtype="0" fill="hold" nodeType="withEffect">
+                                <p:cTn id="5" presetID="10" presetClass="entr" presetSubtype="0" fill="hold" grpId="0" nodeType="clickEffect">
                                   <p:stCondLst>
                                     <p:cond delay="0"/>
                                   </p:stCondLst>
@@ -19601,6 +19252,59 @@
                                     <p:set>
                                       <p:cBhvr>
                                         <p:cTn id="6" dur="1" fill="hold">
+                                          <p:stCondLst>
+                                            <p:cond delay="0"/>
+                                          </p:stCondLst>
+                                        </p:cTn>
+                                        <p:tgtEl>
+                                          <p:spTgt spid="125959"/>
+                                        </p:tgtEl>
+                                        <p:attrNameLst>
+                                          <p:attrName>style.visibility</p:attrName>
+                                        </p:attrNameLst>
+                                      </p:cBhvr>
+                                      <p:to>
+                                        <p:strVal val="visible"/>
+                                      </p:to>
+                                    </p:set>
+                                    <p:animEffect transition="in" filter="fade">
+                                      <p:cBhvr>
+                                        <p:cTn id="7" dur="500"/>
+                                        <p:tgtEl>
+                                          <p:spTgt spid="125959"/>
+                                        </p:tgtEl>
+                                      </p:cBhvr>
+                                    </p:animEffect>
+                                  </p:childTnLst>
+                                </p:cTn>
+                              </p:par>
+                            </p:childTnLst>
+                          </p:cTn>
+                        </p:par>
+                      </p:childTnLst>
+                    </p:cTn>
+                  </p:par>
+                  <p:par>
+                    <p:cTn id="8" fill="hold">
+                      <p:stCondLst>
+                        <p:cond delay="indefinite"/>
+                      </p:stCondLst>
+                      <p:childTnLst>
+                        <p:par>
+                          <p:cTn id="9" fill="hold">
+                            <p:stCondLst>
+                              <p:cond delay="0"/>
+                            </p:stCondLst>
+                            <p:childTnLst>
+                              <p:par>
+                                <p:cTn id="10" presetID="22" presetClass="entr" presetSubtype="8" fill="hold" nodeType="clickEffect">
+                                  <p:stCondLst>
+                                    <p:cond delay="0"/>
+                                  </p:stCondLst>
+                                  <p:childTnLst>
+                                    <p:set>
+                                      <p:cBhvr>
+                                        <p:cTn id="11" dur="1" fill="hold">
                                           <p:stCondLst>
                                             <p:cond delay="0"/>
                                           </p:stCondLst>
@@ -19616,18 +19320,79 @@
                                         <p:strVal val="visible"/>
                                       </p:to>
                                     </p:set>
+                                    <p:animEffect transition="in" filter="wipe(left)">
+                                      <p:cBhvr>
+                                        <p:cTn id="12" dur="1000"/>
+                                        <p:tgtEl>
+                                          <p:spTgt spid="125957"/>
+                                        </p:tgtEl>
+                                      </p:cBhvr>
+                                    </p:animEffect>
                                   </p:childTnLst>
                                 </p:cTn>
                               </p:par>
+                            </p:childTnLst>
+                          </p:cTn>
+                        </p:par>
+                        <p:par>
+                          <p:cTn id="13" fill="hold">
+                            <p:stCondLst>
+                              <p:cond delay="1000"/>
+                            </p:stCondLst>
+                            <p:childTnLst>
                               <p:par>
-                                <p:cTn id="7" presetID="1" presetClass="entr" presetSubtype="0" fill="hold" nodeType="withEffect">
+                                <p:cTn id="14" presetID="22" presetClass="entr" presetSubtype="8" fill="hold" grpId="0" nodeType="afterEffect">
                                   <p:stCondLst>
                                     <p:cond delay="0"/>
                                   </p:stCondLst>
                                   <p:childTnLst>
                                     <p:set>
                                       <p:cBhvr>
-                                        <p:cTn id="8" dur="1" fill="hold">
+                                        <p:cTn id="15" dur="1" fill="hold">
+                                          <p:stCondLst>
+                                            <p:cond delay="0"/>
+                                          </p:stCondLst>
+                                        </p:cTn>
+                                        <p:tgtEl>
+                                          <p:spTgt spid="125960"/>
+                                        </p:tgtEl>
+                                        <p:attrNameLst>
+                                          <p:attrName>style.visibility</p:attrName>
+                                        </p:attrNameLst>
+                                      </p:cBhvr>
+                                      <p:to>
+                                        <p:strVal val="visible"/>
+                                      </p:to>
+                                    </p:set>
+                                    <p:animEffect transition="in" filter="wipe(left)">
+                                      <p:cBhvr>
+                                        <p:cTn id="16" dur="1000"/>
+                                        <p:tgtEl>
+                                          <p:spTgt spid="125960"/>
+                                        </p:tgtEl>
+                                      </p:cBhvr>
+                                    </p:animEffect>
+                                  </p:childTnLst>
+                                </p:cTn>
+                              </p:par>
+                            </p:childTnLst>
+                          </p:cTn>
+                        </p:par>
+                        <p:par>
+                          <p:cTn id="17" fill="hold">
+                            <p:stCondLst>
+                              <p:cond delay="2000"/>
+                            </p:stCondLst>
+                            <p:childTnLst>
+                              <p:par>
+                                <p:cTn id="18" presetID="22" presetClass="entr" presetSubtype="8" fill="hold" nodeType="afterEffect">
+                                  <p:stCondLst>
+                                    <p:cond delay="0"/>
+                                  </p:stCondLst>
+                                  <p:childTnLst>
+                                    <p:set>
+                                      <p:cBhvr>
+                                        <p:cTn id="19" dur="1" fill="hold">
                                           <p:stCondLst>
                                             <p:cond delay="0"/>
                                           </p:stCondLst>
@@ -19643,60 +19408,14 @@
                                         <p:strVal val="visible"/>
                                       </p:to>
                                     </p:set>
-                                  </p:childTnLst>
-                                </p:cTn>
-                              </p:par>
-                              <p:par>
-                                <p:cTn id="9" presetID="1" presetClass="entr" presetSubtype="0" fill="hold" grpId="0" nodeType="withEffect">
-                                  <p:stCondLst>
-                                    <p:cond delay="0"/>
-                                  </p:stCondLst>
-                                  <p:childTnLst>
-                                    <p:set>
+                                    <p:animEffect transition="in" filter="wipe(left)">
                                       <p:cBhvr>
-                                        <p:cTn id="10" dur="1" fill="hold">
-                                          <p:stCondLst>
-                                            <p:cond delay="0"/>
-                                          </p:stCondLst>
-                                        </p:cTn>
+                                        <p:cTn id="20" dur="1000"/>
                                         <p:tgtEl>
-                                          <p:spTgt spid="125959"/>
+                                          <p:spTgt spid="125958"/>
                                         </p:tgtEl>
-                                        <p:attrNameLst>
-                                          <p:attrName>style.visibility</p:attrName>
-                                        </p:attrNameLst>
                                       </p:cBhvr>
-                                      <p:to>
-                                        <p:strVal val="visible"/>
-                                      </p:to>
-                                    </p:set>
-                                  </p:childTnLst>
-                                </p:cTn>
-                              </p:par>
-                              <p:par>
-                                <p:cTn id="11" presetID="1" presetClass="entr" presetSubtype="0" fill="hold" grpId="0" nodeType="withEffect">
-                                  <p:stCondLst>
-                                    <p:cond delay="0"/>
-                                  </p:stCondLst>
-                                  <p:childTnLst>
-                                    <p:set>
-                                      <p:cBhvr>
-                                        <p:cTn id="12" dur="1" fill="hold">
-                                          <p:stCondLst>
-                                            <p:cond delay="0"/>
-                                          </p:stCondLst>
-                                        </p:cTn>
-                                        <p:tgtEl>
-                                          <p:spTgt spid="125960"/>
-                                        </p:tgtEl>
-                                        <p:attrNameLst>
-                                          <p:attrName>style.visibility</p:attrName>
-                                        </p:attrNameLst>
-                                      </p:cBhvr>
-                                      <p:to>
-                                        <p:strVal val="visible"/>
-                                      </p:to>
-                                    </p:set>
+                                    </p:animEffect>
                                   </p:childTnLst>
                                 </p:cTn>
                               </p:par>
@@ -19736,7 +19455,7 @@
 </file>
 
 <file path=ppt/slides/slide26.xml><?xml version="1.0" encoding="utf-8"?>
-<p:sld xmlns:a="http://schemas.openxmlformats.org/drawingml/2006/main" xmlns:r="http://schemas.openxmlformats.org/officeDocument/2006/relationships" xmlns:p="http://schemas.openxmlformats.org/presentationml/2006/main" show="0">
+<p:sld xmlns:a="http://schemas.openxmlformats.org/drawingml/2006/main" xmlns:r="http://schemas.openxmlformats.org/officeDocument/2006/relationships" xmlns:p="http://schemas.openxmlformats.org/presentationml/2006/main">
   <p:cSld>
     <p:spTree>
       <p:nvGrpSpPr>
@@ -19764,8 +19483,8 @@
         </p:nvSpPr>
         <p:spPr>
           <a:xfrm>
-            <a:off x="7932738" y="6553200"/>
-            <a:ext cx="1211262" cy="307975"/>
+            <a:off x="7599812" y="6553200"/>
+            <a:ext cx="1544188" cy="307777"/>
           </a:xfrm>
           <a:noFill/>
         </p:spPr>
@@ -19774,19 +19493,19 @@
           <a:lstStyle/>
           <a:p>
             <a:r>
-              <a:rPr lang="en-US" smtClean="0"/>
+              <a:rPr lang="en-US" dirty="0" smtClean="0"/>
               <a:t>      </a:t>
             </a:r>
             <a:r>
-              <a:rPr lang="en-US" sz="1200" smtClean="0"/>
-              <a:t>lec 1W.</a:t>
+              <a:rPr lang="en-US" sz="1200" dirty="0" smtClean="0"/>
+              <a:t>proof-intro.</a:t>
             </a:r>
             <a:fld id="{E92C81C8-F27D-4AE4-B619-67321854E34B}" type="slidenum">
               <a:rPr lang="en-US" sz="1200" smtClean="0"/>
               <a:pPr/>
               <a:t>26</a:t>
             </a:fld>
-            <a:endParaRPr lang="en-US" sz="1200" smtClean="0"/>
+            <a:endParaRPr lang="en-US" sz="1200" dirty="0" smtClean="0"/>
           </a:p>
         </p:txBody>
       </p:sp>
@@ -20009,7 +19728,7 @@
             <a:graphicData uri="http://schemas.openxmlformats.org/presentationml/2006/ole">
               <mc:AlternateContent xmlns:mc="http://schemas.openxmlformats.org/markup-compatibility/2006">
                 <mc:Choice xmlns:v="urn:schemas-microsoft-com:vml" Requires="v">
-                  <p:oleObj spid="_x0000_s10312" name="Equation" r:id="rId4" imgW="774360" imgH="203040" progId="Equation.DSMT4">
+                  <p:oleObj spid="_x0000_s10326" name="Equation" r:id="rId4" imgW="774360" imgH="203040" progId="Equation.DSMT4">
                     <p:embed/>
                   </p:oleObj>
                 </mc:Choice>
@@ -20174,7 +19893,7 @@
             <a:graphicData uri="http://schemas.openxmlformats.org/presentationml/2006/ole">
               <mc:AlternateContent xmlns:mc="http://schemas.openxmlformats.org/markup-compatibility/2006">
                 <mc:Choice xmlns:v="urn:schemas-microsoft-com:vml" Requires="v">
-                  <p:oleObj spid="_x0000_s10313" name="Equation" r:id="rId6" imgW="736560" imgH="203040" progId="Equation.DSMT4">
+                  <p:oleObj spid="_x0000_s10327" name="Equation" r:id="rId6" imgW="736560" imgH="203040" progId="Equation.DSMT4">
                     <p:embed/>
                   </p:oleObj>
                 </mc:Choice>
@@ -20234,7 +19953,7 @@
   <p:clrMapOvr>
     <a:masterClrMapping/>
   </p:clrMapOvr>
-  <p:transition xmlns:p14="http://schemas.microsoft.com/office/powerpoint/2010/main">
+  <p:transition xmlns:p14="http://schemas.microsoft.com/office/powerpoint/2010/main" spd="slow">
     <p:fade/>
   </p:transition>
   <p:timing>
@@ -20258,7 +19977,7 @@
                             </p:stCondLst>
                             <p:childTnLst>
                               <p:par>
-                                <p:cTn id="5" presetID="1" presetClass="entr" presetSubtype="0" fill="hold" nodeType="clickEffect">
+                                <p:cTn id="5" presetID="10" presetClass="entr" presetSubtype="0" fill="hold" nodeType="clickEffect">
                                   <p:stCondLst>
                                     <p:cond delay="0"/>
                                   </p:stCondLst>
@@ -20281,6 +20000,14 @@
                                         <p:strVal val="visible"/>
                                       </p:to>
                                     </p:set>
+                                    <p:animEffect transition="in" filter="fade">
+                                      <p:cBhvr>
+                                        <p:cTn id="7" dur="500"/>
+                                        <p:tgtEl>
+                                          <p:spTgt spid="3"/>
+                                        </p:tgtEl>
+                                      </p:cBhvr>
+                                    </p:animEffect>
                                   </p:childTnLst>
                                 </p:cTn>
                               </p:par>
@@ -20291,26 +20018,26 @@
                     </p:cTn>
                   </p:par>
                   <p:par>
-                    <p:cTn id="7" fill="hold">
+                    <p:cTn id="8" fill="hold">
                       <p:stCondLst>
                         <p:cond delay="indefinite"/>
                       </p:stCondLst>
                       <p:childTnLst>
                         <p:par>
-                          <p:cTn id="8" fill="hold">
+                          <p:cTn id="9" fill="hold">
                             <p:stCondLst>
                               <p:cond delay="0"/>
                             </p:stCondLst>
                             <p:childTnLst>
                               <p:par>
-                                <p:cTn id="9" presetID="1" presetClass="entr" presetSubtype="0" fill="hold" nodeType="clickEffect">
+                                <p:cTn id="10" presetID="10" presetClass="entr" presetSubtype="0" fill="hold" nodeType="clickEffect">
                                   <p:stCondLst>
                                     <p:cond delay="0"/>
                                   </p:stCondLst>
                                   <p:childTnLst>
                                     <p:set>
                                       <p:cBhvr>
-                                        <p:cTn id="10" dur="1" fill="hold">
+                                        <p:cTn id="11" dur="1" fill="hold">
                                           <p:stCondLst>
                                             <p:cond delay="0"/>
                                           </p:stCondLst>
@@ -20326,6 +20053,14 @@
                                         <p:strVal val="visible"/>
                                       </p:to>
                                     </p:set>
+                                    <p:animEffect transition="in" filter="fade">
+                                      <p:cBhvr>
+                                        <p:cTn id="12" dur="500"/>
+                                        <p:tgtEl>
+                                          <p:spTgt spid="4"/>
+                                        </p:tgtEl>
+                                      </p:cBhvr>
+                                    </p:animEffect>
                                   </p:childTnLst>
                                 </p:cTn>
                               </p:par>
@@ -20336,32 +20071,36 @@
                     </p:cTn>
                   </p:par>
                   <p:par>
-                    <p:cTn id="11" fill="hold">
+                    <p:cTn id="13" fill="hold">
                       <p:stCondLst>
                         <p:cond delay="indefinite"/>
                       </p:stCondLst>
                       <p:childTnLst>
                         <p:par>
-                          <p:cTn id="12" fill="hold">
+                          <p:cTn id="14" fill="hold">
                             <p:stCondLst>
                               <p:cond delay="0"/>
                             </p:stCondLst>
                             <p:childTnLst>
                               <p:par>
-                                <p:cTn id="13" presetID="1" presetClass="entr" presetSubtype="0" fill="hold" grpId="0" nodeType="clickEffect">
+                                <p:cTn id="15" presetID="10" presetClass="entr" presetSubtype="0" fill="hold" grpId="0" nodeType="clickEffect">
                                   <p:stCondLst>
                                     <p:cond delay="0"/>
                                   </p:stCondLst>
                                   <p:childTnLst>
                                     <p:set>
                                       <p:cBhvr>
-                                        <p:cTn id="14" dur="1" fill="hold">
+                                        <p:cTn id="16" dur="1" fill="hold">
                                           <p:stCondLst>
                                             <p:cond delay="0"/>
                                           </p:stCondLst>
                                         </p:cTn>
                                         <p:tgtEl>
-                                          <p:spTgt spid="126980"/>
+                                          <p:spTgt spid="126980">
+                                            <p:txEl>
+                                              <p:pRg st="0" end="0"/>
+                                            </p:txEl>
+                                          </p:spTgt>
                                         </p:tgtEl>
                                         <p:attrNameLst>
                                           <p:attrName>style.visibility</p:attrName>
@@ -20371,6 +20110,79 @@
                                         <p:strVal val="visible"/>
                                       </p:to>
                                     </p:set>
+                                    <p:animEffect transition="in" filter="fade">
+                                      <p:cBhvr>
+                                        <p:cTn id="17" dur="1000"/>
+                                        <p:tgtEl>
+                                          <p:spTgt spid="126980">
+                                            <p:txEl>
+                                              <p:pRg st="0" end="0"/>
+                                            </p:txEl>
+                                          </p:spTgt>
+                                        </p:tgtEl>
+                                      </p:cBhvr>
+                                    </p:animEffect>
+                                  </p:childTnLst>
+                                </p:cTn>
+                              </p:par>
+                            </p:childTnLst>
+                          </p:cTn>
+                        </p:par>
+                      </p:childTnLst>
+                    </p:cTn>
+                  </p:par>
+                  <p:par>
+                    <p:cTn id="18" fill="hold">
+                      <p:stCondLst>
+                        <p:cond delay="indefinite"/>
+                      </p:stCondLst>
+                      <p:childTnLst>
+                        <p:par>
+                          <p:cTn id="19" fill="hold">
+                            <p:stCondLst>
+                              <p:cond delay="0"/>
+                            </p:stCondLst>
+                            <p:childTnLst>
+                              <p:par>
+                                <p:cTn id="20" presetID="10" presetClass="entr" presetSubtype="0" fill="hold" grpId="0" nodeType="clickEffect">
+                                  <p:stCondLst>
+                                    <p:cond delay="0"/>
+                                  </p:stCondLst>
+                                  <p:childTnLst>
+                                    <p:set>
+                                      <p:cBhvr>
+                                        <p:cTn id="21" dur="1" fill="hold">
+                                          <p:stCondLst>
+                                            <p:cond delay="0"/>
+                                          </p:stCondLst>
+                                        </p:cTn>
+                                        <p:tgtEl>
+                                          <p:spTgt spid="126980">
+                                            <p:txEl>
+                                              <p:pRg st="1" end="1"/>
+                                            </p:txEl>
+                                          </p:spTgt>
+                                        </p:tgtEl>
+                                        <p:attrNameLst>
+                                          <p:attrName>style.visibility</p:attrName>
+                                        </p:attrNameLst>
+                                      </p:cBhvr>
+                                      <p:to>
+                                        <p:strVal val="visible"/>
+                                      </p:to>
+                                    </p:set>
+                                    <p:animEffect transition="in" filter="fade">
+                                      <p:cBhvr>
+                                        <p:cTn id="22" dur="1000"/>
+                                        <p:tgtEl>
+                                          <p:spTgt spid="126980">
+                                            <p:txEl>
+                                              <p:pRg st="1" end="1"/>
+                                            </p:txEl>
+                                          </p:spTgt>
+                                        </p:tgtEl>
+                                      </p:cBhvr>
+                                    </p:animEffect>
                                   </p:childTnLst>
                                 </p:cTn>
                               </p:par>
@@ -20402,14 +20214,14 @@
       </p:par>
     </p:tnLst>
     <p:bldLst>
-      <p:bldP spid="126980" grpId="0"/>
+      <p:bldP spid="126980" grpId="0" build="p"/>
     </p:bldLst>
   </p:timing>
 </p:sld>
 </file>
 
 <file path=ppt/slides/slide27.xml><?xml version="1.0" encoding="utf-8"?>
-<p:sld xmlns:a="http://schemas.openxmlformats.org/drawingml/2006/main" xmlns:r="http://schemas.openxmlformats.org/officeDocument/2006/relationships" xmlns:p="http://schemas.openxmlformats.org/presentationml/2006/main" show="0">
+<p:sld xmlns:a="http://schemas.openxmlformats.org/drawingml/2006/main" xmlns:r="http://schemas.openxmlformats.org/officeDocument/2006/relationships" xmlns:p="http://schemas.openxmlformats.org/presentationml/2006/main">
   <p:cSld>
     <p:spTree>
       <p:nvGrpSpPr>
@@ -20437,8 +20249,8 @@
         </p:nvSpPr>
         <p:spPr>
           <a:xfrm>
-            <a:off x="7959725" y="6553200"/>
-            <a:ext cx="1184275" cy="307975"/>
+            <a:off x="7599812" y="6553200"/>
+            <a:ext cx="1544188" cy="307777"/>
           </a:xfrm>
           <a:noFill/>
         </p:spPr>
@@ -20447,19 +20259,19 @@
           <a:lstStyle/>
           <a:p>
             <a:r>
-              <a:rPr lang="en-US" smtClean="0"/>
+              <a:rPr lang="en-US" dirty="0" smtClean="0"/>
               <a:t>      </a:t>
             </a:r>
             <a:r>
-              <a:rPr lang="en-US" sz="1200" smtClean="0"/>
-              <a:t>lec 1W.</a:t>
+              <a:rPr lang="en-US" sz="1200" dirty="0" smtClean="0"/>
+              <a:t>proof-intro.</a:t>
             </a:r>
             <a:fld id="{6F847A86-0EF0-4A1A-87B4-C860551EA508}" type="slidenum">
               <a:rPr lang="en-US" sz="1200" smtClean="0"/>
               <a:pPr/>
               <a:t>27</a:t>
             </a:fld>
-            <a:endParaRPr lang="en-US" sz="1200" smtClean="0"/>
+            <a:endParaRPr lang="en-US" sz="1200" dirty="0" smtClean="0"/>
           </a:p>
         </p:txBody>
       </p:sp>
@@ -20605,10 +20417,17 @@
               <a:t>1 </a:t>
             </a:r>
             <a:r>
+              <a:rPr lang="en-US" sz="4800" b="1" dirty="0">
+                <a:latin typeface="Euclid Symbol" charset="2"/>
+                <a:cs typeface="Euclid Symbol" charset="2"/>
+              </a:rPr>
+              <a:t>=</a:t>
+            </a:r>
+            <a:r>
               <a:rPr lang="en-US" sz="4800" dirty="0">
                 <a:latin typeface="Comic Sans MS" pitchFamily="66" charset="0"/>
               </a:rPr>
-              <a:t>= r</a:t>
+              <a:t> r</a:t>
             </a:r>
             <a:r>
               <a:rPr lang="en-US" sz="4800" baseline="-25000" dirty="0">
@@ -20692,7 +20511,8 @@
                     <a:lumMod val="50000"/>
                   </a:schemeClr>
                 </a:solidFill>
-                <a:latin typeface="Comic Sans MS" pitchFamily="66" charset="0"/>
+                <a:latin typeface="Euclid Symbol" charset="2"/>
+                <a:cs typeface="Euclid Symbol" charset="2"/>
                 <a:sym typeface="Euclid Symbol"/>
               </a:rPr>
               <a:t>≠</a:t>
@@ -20899,7 +20719,7 @@
           <a:graphicData uri="http://schemas.openxmlformats.org/presentationml/2006/ole">
             <mc:AlternateContent xmlns:mc="http://schemas.openxmlformats.org/markup-compatibility/2006">
               <mc:Choice xmlns:v="urn:schemas-microsoft-com:vml" Requires="v">
-                <p:oleObj spid="_x0000_s11336" name="Equation" r:id="rId4" imgW="114120" imgH="177480" progId="Equation.DSMT4">
+                <p:oleObj spid="_x0000_s11352" name="Equation" r:id="rId4" imgW="114120" imgH="177480" progId="Equation.DSMT4">
                   <p:embed/>
                 </p:oleObj>
               </mc:Choice>
@@ -20969,7 +20789,7 @@
           <a:graphicData uri="http://schemas.openxmlformats.org/presentationml/2006/ole">
             <mc:AlternateContent xmlns:mc="http://schemas.openxmlformats.org/markup-compatibility/2006">
               <mc:Choice xmlns:v="urn:schemas-microsoft-com:vml" Requires="v">
-                <p:oleObj spid="_x0000_s11337" name="Equation" r:id="rId6" imgW="114120" imgH="177480" progId="Equation.DSMT4">
+                <p:oleObj spid="_x0000_s11353" name="Equation" r:id="rId6" imgW="114120" imgH="177480" progId="Equation.DSMT4">
                   <p:embed/>
                 </p:oleObj>
               </mc:Choice>
@@ -21028,7 +20848,7 @@
   <p:clrMapOvr>
     <a:masterClrMapping/>
   </p:clrMapOvr>
-  <p:transition xmlns:p14="http://schemas.microsoft.com/office/powerpoint/2010/main">
+  <p:transition xmlns:p14="http://schemas.microsoft.com/office/powerpoint/2010/main" spd="slow">
     <p:fade/>
   </p:transition>
   <p:timing>
@@ -21052,7 +20872,7 @@
                             </p:stCondLst>
                             <p:childTnLst>
                               <p:par>
-                                <p:cTn id="5" presetID="1" presetClass="entr" presetSubtype="0" fill="hold" nodeType="clickEffect">
+                                <p:cTn id="5" presetID="10" presetClass="entr" presetSubtype="0" fill="hold" nodeType="clickEffect">
                                   <p:stCondLst>
                                     <p:cond delay="0"/>
                                   </p:stCondLst>
@@ -21079,6 +20899,18 @@
                                         <p:strVal val="visible"/>
                                       </p:to>
                                     </p:set>
+                                    <p:animEffect transition="in" filter="fade">
+                                      <p:cBhvr>
+                                        <p:cTn id="7" dur="500"/>
+                                        <p:tgtEl>
+                                          <p:spTgt spid="102404">
+                                            <p:txEl>
+                                              <p:pRg st="0" end="0"/>
+                                            </p:txEl>
+                                          </p:spTgt>
+                                        </p:tgtEl>
+                                      </p:cBhvr>
+                                    </p:animEffect>
                                   </p:childTnLst>
                                 </p:cTn>
                               </p:par>
@@ -21089,26 +20921,26 @@
                     </p:cTn>
                   </p:par>
                   <p:par>
-                    <p:cTn id="7" fill="hold">
+                    <p:cTn id="8" fill="hold">
                       <p:stCondLst>
                         <p:cond delay="indefinite"/>
                       </p:stCondLst>
                       <p:childTnLst>
                         <p:par>
-                          <p:cTn id="8" fill="hold">
+                          <p:cTn id="9" fill="hold">
                             <p:stCondLst>
                               <p:cond delay="0"/>
                             </p:stCondLst>
                             <p:childTnLst>
                               <p:par>
-                                <p:cTn id="9" presetID="1" presetClass="entr" presetSubtype="0" fill="hold" nodeType="clickEffect">
+                                <p:cTn id="10" presetID="10" presetClass="entr" presetSubtype="0" fill="hold" nodeType="clickEffect">
                                   <p:stCondLst>
                                     <p:cond delay="0"/>
                                   </p:stCondLst>
                                   <p:childTnLst>
                                     <p:set>
                                       <p:cBhvr>
-                                        <p:cTn id="10" dur="1" fill="hold">
+                                        <p:cTn id="11" dur="1" fill="hold">
                                           <p:stCondLst>
                                             <p:cond delay="0"/>
                                           </p:stCondLst>
@@ -21128,18 +20960,48 @@
                                         <p:strVal val="visible"/>
                                       </p:to>
                                     </p:set>
+                                    <p:animEffect transition="in" filter="fade">
+                                      <p:cBhvr>
+                                        <p:cTn id="12" dur="500"/>
+                                        <p:tgtEl>
+                                          <p:spTgt spid="102404">
+                                            <p:txEl>
+                                              <p:pRg st="1" end="1"/>
+                                            </p:txEl>
+                                          </p:spTgt>
+                                        </p:tgtEl>
+                                      </p:cBhvr>
+                                    </p:animEffect>
                                   </p:childTnLst>
                                 </p:cTn>
                               </p:par>
+                            </p:childTnLst>
+                          </p:cTn>
+                        </p:par>
+                      </p:childTnLst>
+                    </p:cTn>
+                  </p:par>
+                  <p:par>
+                    <p:cTn id="13" fill="hold">
+                      <p:stCondLst>
+                        <p:cond delay="indefinite"/>
+                      </p:stCondLst>
+                      <p:childTnLst>
+                        <p:par>
+                          <p:cTn id="14" fill="hold">
+                            <p:stCondLst>
+                              <p:cond delay="0"/>
+                            </p:stCondLst>
+                            <p:childTnLst>
                               <p:par>
-                                <p:cTn id="11" presetID="1" presetClass="entr" presetSubtype="0" fill="hold" nodeType="withEffect">
+                                <p:cTn id="15" presetID="22" presetClass="entr" presetSubtype="8" fill="hold" nodeType="clickEffect">
                                   <p:stCondLst>
                                     <p:cond delay="0"/>
                                   </p:stCondLst>
                                   <p:childTnLst>
                                     <p:set>
                                       <p:cBhvr>
-                                        <p:cTn id="12" dur="1" fill="hold">
+                                        <p:cTn id="16" dur="1" fill="hold">
                                           <p:stCondLst>
                                             <p:cond delay="0"/>
                                           </p:stCondLst>
@@ -21159,6 +21021,18 @@
                                         <p:strVal val="visible"/>
                                       </p:to>
                                     </p:set>
+                                    <p:animEffect transition="in" filter="wipe(left)">
+                                      <p:cBhvr>
+                                        <p:cTn id="17" dur="1000"/>
+                                        <p:tgtEl>
+                                          <p:spTgt spid="102404">
+                                            <p:txEl>
+                                              <p:pRg st="2" end="2"/>
+                                            </p:txEl>
+                                          </p:spTgt>
+                                        </p:tgtEl>
+                                      </p:cBhvr>
+                                    </p:animEffect>
                                   </p:childTnLst>
                                 </p:cTn>
                               </p:par>
@@ -21194,7 +21068,7 @@
 </file>
 
 <file path=ppt/slides/slide28.xml><?xml version="1.0" encoding="utf-8"?>
-<p:sld xmlns:a="http://schemas.openxmlformats.org/drawingml/2006/main" xmlns:r="http://schemas.openxmlformats.org/officeDocument/2006/relationships" xmlns:p="http://schemas.openxmlformats.org/presentationml/2006/main" show="0">
+<p:sld xmlns:a="http://schemas.openxmlformats.org/drawingml/2006/main" xmlns:r="http://schemas.openxmlformats.org/officeDocument/2006/relationships" xmlns:p="http://schemas.openxmlformats.org/presentationml/2006/main">
   <p:cSld>
     <p:spTree>
       <p:nvGrpSpPr>
@@ -21222,8 +21096,8 @@
         </p:nvSpPr>
         <p:spPr>
           <a:xfrm>
-            <a:off x="7932738" y="6545263"/>
-            <a:ext cx="1211262" cy="307975"/>
+            <a:off x="7599812" y="6545263"/>
+            <a:ext cx="1544188" cy="307777"/>
           </a:xfrm>
           <a:noFill/>
         </p:spPr>
@@ -21232,19 +21106,19 @@
           <a:lstStyle/>
           <a:p>
             <a:r>
-              <a:rPr lang="en-US" smtClean="0"/>
+              <a:rPr lang="en-US" dirty="0" smtClean="0"/>
               <a:t>      </a:t>
             </a:r>
             <a:r>
-              <a:rPr lang="en-US" sz="1200" smtClean="0"/>
-              <a:t>lec 1W.</a:t>
+              <a:rPr lang="en-US" sz="1200" dirty="0" smtClean="0"/>
+              <a:t>proof-intro.</a:t>
             </a:r>
             <a:fld id="{D06E24C3-47EC-4B6B-B7C6-E5F18597FBA4}" type="slidenum">
               <a:rPr lang="en-US" sz="1200" smtClean="0"/>
               <a:pPr/>
               <a:t>28</a:t>
             </a:fld>
-            <a:endParaRPr lang="en-US" sz="1200" smtClean="0"/>
+            <a:endParaRPr lang="en-US" sz="1200" dirty="0" smtClean="0"/>
           </a:p>
         </p:txBody>
       </p:sp>
@@ -21522,7 +21396,7 @@
   <p:clrMapOvr>
     <a:masterClrMapping/>
   </p:clrMapOvr>
-  <p:transition xmlns:p14="http://schemas.microsoft.com/office/powerpoint/2010/main">
+  <p:transition xmlns:p14="http://schemas.microsoft.com/office/powerpoint/2010/main" spd="slow">
     <p:fade/>
   </p:transition>
   <p:timing>
@@ -21546,7 +21420,7 @@
                             </p:stCondLst>
                             <p:childTnLst>
                               <p:par>
-                                <p:cTn id="5" presetID="1" presetClass="entr" presetSubtype="0" fill="hold" nodeType="clickEffect">
+                                <p:cTn id="5" presetID="10" presetClass="entr" presetSubtype="0" fill="hold" nodeType="clickEffect">
                                   <p:stCondLst>
                                     <p:cond delay="0"/>
                                   </p:stCondLst>
@@ -21573,6 +21447,18 @@
                                         <p:strVal val="visible"/>
                                       </p:to>
                                     </p:set>
+                                    <p:animEffect transition="in" filter="fade">
+                                      <p:cBhvr>
+                                        <p:cTn id="7" dur="500"/>
+                                        <p:tgtEl>
+                                          <p:spTgt spid="89097">
+                                            <p:txEl>
+                                              <p:pRg st="1" end="1"/>
+                                            </p:txEl>
+                                          </p:spTgt>
+                                        </p:tgtEl>
+                                      </p:cBhvr>
+                                    </p:animEffect>
                                   </p:childTnLst>
                                 </p:cTn>
                               </p:par>
@@ -21583,26 +21469,26 @@
                     </p:cTn>
                   </p:par>
                   <p:par>
-                    <p:cTn id="7" fill="hold">
+                    <p:cTn id="8" fill="hold">
                       <p:stCondLst>
                         <p:cond delay="indefinite"/>
                       </p:stCondLst>
                       <p:childTnLst>
                         <p:par>
-                          <p:cTn id="8" fill="hold">
+                          <p:cTn id="9" fill="hold">
                             <p:stCondLst>
                               <p:cond delay="0"/>
                             </p:stCondLst>
                             <p:childTnLst>
                               <p:par>
-                                <p:cTn id="9" presetID="1" presetClass="entr" presetSubtype="0" fill="hold" nodeType="clickEffect">
+                                <p:cTn id="10" presetID="10" presetClass="entr" presetSubtype="0" fill="hold" nodeType="clickEffect">
                                   <p:stCondLst>
                                     <p:cond delay="0"/>
                                   </p:stCondLst>
                                   <p:childTnLst>
                                     <p:set>
                                       <p:cBhvr>
-                                        <p:cTn id="10" dur="1" fill="hold">
+                                        <p:cTn id="11" dur="1" fill="hold">
                                           <p:stCondLst>
                                             <p:cond delay="0"/>
                                           </p:stCondLst>
@@ -21622,6 +21508,18 @@
                                         <p:strVal val="visible"/>
                                       </p:to>
                                     </p:set>
+                                    <p:animEffect transition="in" filter="fade">
+                                      <p:cBhvr>
+                                        <p:cTn id="12" dur="1000"/>
+                                        <p:tgtEl>
+                                          <p:spTgt spid="89097">
+                                            <p:txEl>
+                                              <p:pRg st="2" end="2"/>
+                                            </p:txEl>
+                                          </p:spTgt>
+                                        </p:tgtEl>
+                                      </p:cBhvr>
+                                    </p:animEffect>
                                   </p:childTnLst>
                                 </p:cTn>
                               </p:par>
@@ -21657,7 +21555,7 @@
 </file>
 
 <file path=ppt/slides/slide29.xml><?xml version="1.0" encoding="utf-8"?>
-<p:sld xmlns:a="http://schemas.openxmlformats.org/drawingml/2006/main" xmlns:r="http://schemas.openxmlformats.org/officeDocument/2006/relationships" xmlns:p="http://schemas.openxmlformats.org/presentationml/2006/main" show="0">
+<p:sld xmlns:a="http://schemas.openxmlformats.org/drawingml/2006/main" xmlns:r="http://schemas.openxmlformats.org/officeDocument/2006/relationships" xmlns:p="http://schemas.openxmlformats.org/presentationml/2006/main">
   <p:cSld>
     <p:spTree>
       <p:nvGrpSpPr>
@@ -21685,8 +21583,8 @@
         </p:nvSpPr>
         <p:spPr>
           <a:xfrm>
-            <a:off x="7932738" y="6553200"/>
-            <a:ext cx="1211262" cy="307975"/>
+            <a:off x="7599812" y="6553200"/>
+            <a:ext cx="1544188" cy="307777"/>
           </a:xfrm>
           <a:noFill/>
         </p:spPr>
@@ -21695,47 +21593,19 @@
           <a:lstStyle/>
           <a:p>
             <a:r>
-              <a:rPr lang="en-US" smtClean="0"/>
+              <a:rPr lang="en-US" dirty="0" smtClean="0"/>
               <a:t>      </a:t>
             </a:r>
             <a:r>
-              <a:rPr lang="en-US" sz="1200" smtClean="0"/>
-              <a:t>lec 1W.</a:t>
+              <a:rPr lang="en-US" sz="1200" dirty="0" smtClean="0"/>
+              <a:t>proof-intro.</a:t>
             </a:r>
             <a:fld id="{38814692-9BDD-4F2D-A9DA-07816390A204}" type="slidenum">
               <a:rPr lang="en-US" sz="1200" smtClean="0"/>
               <a:pPr/>
               <a:t>29</a:t>
             </a:fld>
-            <a:endParaRPr lang="en-US" sz="1200" smtClean="0"/>
-          </a:p>
-        </p:txBody>
-      </p:sp>
-      <p:sp>
-        <p:nvSpPr>
-          <p:cNvPr id="12292" name="Rectangle 1026"/>
-          <p:cNvSpPr>
-            <a:spLocks noGrp="1" noChangeArrowheads="1"/>
-          </p:cNvSpPr>
-          <p:nvPr>
-            <p:ph type="title"/>
-          </p:nvPr>
-        </p:nvSpPr>
-        <p:spPr>
-          <a:xfrm>
-            <a:off x="3017838" y="168275"/>
-            <a:ext cx="3055937" cy="1155700"/>
-          </a:xfrm>
-        </p:spPr>
-        <p:txBody>
-          <a:bodyPr/>
-          <a:lstStyle/>
-          <a:p>
-            <a:pPr eaLnBrk="1" hangingPunct="1"/>
-            <a:r>
-              <a:rPr lang="en-US" smtClean="0"/>
-              <a:t>1 = -1 ?</a:t>
-            </a:r>
+            <a:endParaRPr lang="en-US" sz="1200" dirty="0" smtClean="0"/>
           </a:p>
         </p:txBody>
       </p:sp>
@@ -21787,22 +21657,28 @@
           <p:cNvGraphicFramePr>
             <a:graphicFrameLocks noChangeAspect="1"/>
           </p:cNvGraphicFramePr>
-          <p:nvPr/>
+          <p:nvPr>
+            <p:extLst>
+              <p:ext uri="{D42A27DB-BD31-4B8C-83A1-F6EECF244321}">
+                <p14:modId xmlns:p14="http://schemas.microsoft.com/office/powerpoint/2010/main" val="2124730287"/>
+              </p:ext>
+            </p:extLst>
+          </p:nvPr>
         </p:nvGraphicFramePr>
         <p:xfrm>
-          <a:off x="233363" y="2173288"/>
-          <a:ext cx="8710612" cy="1239837"/>
+          <a:off x="296863" y="2087563"/>
+          <a:ext cx="8582025" cy="1411287"/>
         </p:xfrm>
         <a:graphic>
           <a:graphicData uri="http://schemas.openxmlformats.org/presentationml/2006/ole">
             <mc:AlternateContent xmlns:mc="http://schemas.openxmlformats.org/markup-compatibility/2006">
               <mc:Choice xmlns:v="urn:schemas-microsoft-com:vml" Requires="v">
-                <p:oleObj spid="_x0000_s184363" name="Equation" r:id="rId4" imgW="2590560" imgH="368280" progId="Equation.DSMT4">
+                <p:oleObj spid="_x0000_s184371" name="Equation" r:id="rId4" imgW="2552700" imgH="419100" progId="Equation.DSMT4">
                   <p:embed/>
                 </p:oleObj>
               </mc:Choice>
               <mc:Fallback>
-                <p:oleObj name="Equation" r:id="rId4" imgW="2590560" imgH="368280" progId="Equation.DSMT4">
+                <p:oleObj name="Equation" r:id="rId4" imgW="2552700" imgH="419100" progId="Equation.DSMT4">
                   <p:embed/>
                   <p:pic>
                     <p:nvPicPr>
@@ -21813,13 +21689,7 @@
                       <p:nvPr/>
                     </p:nvPicPr>
                     <p:blipFill>
-                      <a:blip r:embed="rId5">
-                        <a:extLst>
-                          <a:ext uri="{28A0092B-C50C-407E-A947-70E740481C1C}">
-                            <a14:useLocalDpi xmlns:a14="http://schemas.microsoft.com/office/drawing/2010/main" val="0"/>
-                          </a:ext>
-                        </a:extLst>
-                      </a:blip>
+                      <a:blip r:embed="rId5"/>
                       <a:srcRect/>
                       <a:stretch>
                         <a:fillRect/>
@@ -21827,8 +21697,8 @@
                     </p:blipFill>
                     <p:spPr bwMode="auto">
                       <a:xfrm>
-                        <a:off x="233363" y="2173288"/>
-                        <a:ext cx="8710612" cy="1239837"/>
+                        <a:off x="296863" y="2087563"/>
+                        <a:ext cx="8582025" cy="1411287"/>
                       </a:xfrm>
                       <a:prstGeom prst="rect">
                         <a:avLst/>
@@ -21939,13 +21809,52 @@
           </a:p>
         </p:txBody>
       </p:sp>
+      <p:sp>
+        <p:nvSpPr>
+          <p:cNvPr id="8" name="Rectangle 1026"/>
+          <p:cNvSpPr>
+            <a:spLocks noGrp="1" noChangeArrowheads="1"/>
+          </p:cNvSpPr>
+          <p:nvPr>
+            <p:ph type="title"/>
+          </p:nvPr>
+        </p:nvSpPr>
+        <p:spPr>
+          <a:xfrm>
+            <a:off x="3017838" y="168275"/>
+            <a:ext cx="3055937" cy="1155700"/>
+          </a:xfrm>
+        </p:spPr>
+        <p:txBody>
+          <a:bodyPr/>
+          <a:lstStyle/>
+          <a:p>
+            <a:pPr eaLnBrk="1" hangingPunct="1"/>
+            <a:r>
+              <a:rPr lang="en-US" dirty="0" smtClean="0"/>
+              <a:t>1 </a:t>
+            </a:r>
+            <a:r>
+              <a:rPr lang="en-US" dirty="0" smtClean="0">
+                <a:latin typeface="Euclid Symbol" charset="2"/>
+                <a:cs typeface="Euclid Symbol" charset="2"/>
+              </a:rPr>
+              <a:t>=</a:t>
+            </a:r>
+            <a:r>
+              <a:rPr lang="en-US" dirty="0" smtClean="0"/>
+              <a:t> -1 ?</a:t>
+            </a:r>
+          </a:p>
+        </p:txBody>
+      </p:sp>
     </p:spTree>
   </p:cSld>
   <p:clrMapOvr>
     <a:masterClrMapping/>
   </p:clrMapOvr>
-  <p:transition xmlns:p14="http://schemas.microsoft.com/office/powerpoint/2010/main">
-    <p:fade/>
+  <p:transition xmlns:p14="http://schemas.microsoft.com/office/powerpoint/2010/main" spd="slow">
+    <p:fade thruBlk="1"/>
   </p:transition>
   <p:timing>
     <p:tnLst>
@@ -21968,7 +21877,7 @@
                             </p:stCondLst>
                             <p:childTnLst>
                               <p:par>
-                                <p:cTn id="5" presetID="1" presetClass="entr" presetSubtype="0" fill="hold" nodeType="clickEffect">
+                                <p:cTn id="5" presetID="22" presetClass="entr" presetSubtype="8" fill="hold" nodeType="clickEffect">
                                   <p:stCondLst>
                                     <p:cond delay="0"/>
                                   </p:stCondLst>
@@ -21991,6 +21900,14 @@
                                         <p:strVal val="visible"/>
                                       </p:to>
                                     </p:set>
+                                    <p:animEffect transition="in" filter="wipe(left)">
+                                      <p:cBhvr>
+                                        <p:cTn id="7" dur="2000"/>
+                                        <p:tgtEl>
+                                          <p:spTgt spid="181248"/>
+                                        </p:tgtEl>
+                                      </p:cBhvr>
+                                    </p:animEffect>
                                   </p:childTnLst>
                                 </p:cTn>
                               </p:par>
@@ -22001,32 +21918,36 @@
                     </p:cTn>
                   </p:par>
                   <p:par>
-                    <p:cTn id="7" fill="hold">
+                    <p:cTn id="8" fill="hold">
                       <p:stCondLst>
                         <p:cond delay="indefinite"/>
                       </p:stCondLst>
                       <p:childTnLst>
                         <p:par>
-                          <p:cTn id="8" fill="hold">
+                          <p:cTn id="9" fill="hold">
                             <p:stCondLst>
                               <p:cond delay="0"/>
                             </p:stCondLst>
                             <p:childTnLst>
                               <p:par>
-                                <p:cTn id="9" presetID="1" presetClass="entr" presetSubtype="0" fill="hold" grpId="0" nodeType="clickEffect">
+                                <p:cTn id="10" presetID="10" presetClass="entr" presetSubtype="0" fill="hold" grpId="0" nodeType="clickEffect">
                                   <p:stCondLst>
                                     <p:cond delay="0"/>
                                   </p:stCondLst>
                                   <p:childTnLst>
                                     <p:set>
                                       <p:cBhvr>
-                                        <p:cTn id="10" dur="1" fill="hold">
+                                        <p:cTn id="11" dur="1" fill="hold">
                                           <p:stCondLst>
                                             <p:cond delay="0"/>
                                           </p:stCondLst>
                                         </p:cTn>
                                         <p:tgtEl>
-                                          <p:spTgt spid="42044"/>
+                                          <p:spTgt spid="42044">
+                                            <p:txEl>
+                                              <p:pRg st="0" end="0"/>
+                                            </p:txEl>
+                                          </p:spTgt>
                                         </p:tgtEl>
                                         <p:attrNameLst>
                                           <p:attrName>style.visibility</p:attrName>
@@ -22036,6 +21957,174 @@
                                         <p:strVal val="visible"/>
                                       </p:to>
                                     </p:set>
+                                    <p:animEffect transition="in" filter="fade">
+                                      <p:cBhvr>
+                                        <p:cTn id="12" dur="500"/>
+                                        <p:tgtEl>
+                                          <p:spTgt spid="42044">
+                                            <p:txEl>
+                                              <p:pRg st="0" end="0"/>
+                                            </p:txEl>
+                                          </p:spTgt>
+                                        </p:tgtEl>
+                                      </p:cBhvr>
+                                    </p:animEffect>
+                                  </p:childTnLst>
+                                </p:cTn>
+                              </p:par>
+                            </p:childTnLst>
+                          </p:cTn>
+                        </p:par>
+                        <p:par>
+                          <p:cTn id="13" fill="hold">
+                            <p:stCondLst>
+                              <p:cond delay="500"/>
+                            </p:stCondLst>
+                            <p:childTnLst>
+                              <p:par>
+                                <p:cTn id="14" presetID="10" presetClass="entr" presetSubtype="0" fill="hold" grpId="0" nodeType="afterEffect">
+                                  <p:stCondLst>
+                                    <p:cond delay="0"/>
+                                  </p:stCondLst>
+                                  <p:childTnLst>
+                                    <p:set>
+                                      <p:cBhvr>
+                                        <p:cTn id="15" dur="1" fill="hold">
+                                          <p:stCondLst>
+                                            <p:cond delay="0"/>
+                                          </p:stCondLst>
+                                        </p:cTn>
+                                        <p:tgtEl>
+                                          <p:spTgt spid="42044">
+                                            <p:txEl>
+                                              <p:pRg st="1" end="1"/>
+                                            </p:txEl>
+                                          </p:spTgt>
+                                        </p:tgtEl>
+                                        <p:attrNameLst>
+                                          <p:attrName>style.visibility</p:attrName>
+                                        </p:attrNameLst>
+                                      </p:cBhvr>
+                                      <p:to>
+                                        <p:strVal val="visible"/>
+                                      </p:to>
+                                    </p:set>
+                                    <p:animEffect transition="in" filter="fade">
+                                      <p:cBhvr>
+                                        <p:cTn id="16" dur="500"/>
+                                        <p:tgtEl>
+                                          <p:spTgt spid="42044">
+                                            <p:txEl>
+                                              <p:pRg st="1" end="1"/>
+                                            </p:txEl>
+                                          </p:spTgt>
+                                        </p:tgtEl>
+                                      </p:cBhvr>
+                                    </p:animEffect>
+                                  </p:childTnLst>
+                                </p:cTn>
+                              </p:par>
+                            </p:childTnLst>
+                          </p:cTn>
+                        </p:par>
+                      </p:childTnLst>
+                    </p:cTn>
+                  </p:par>
+                  <p:par>
+                    <p:cTn id="17" fill="hold">
+                      <p:stCondLst>
+                        <p:cond delay="indefinite"/>
+                      </p:stCondLst>
+                      <p:childTnLst>
+                        <p:par>
+                          <p:cTn id="18" fill="hold">
+                            <p:stCondLst>
+                              <p:cond delay="0"/>
+                            </p:stCondLst>
+                            <p:childTnLst>
+                              <p:par>
+                                <p:cTn id="19" presetID="10" presetClass="entr" presetSubtype="0" fill="hold" grpId="0" nodeType="clickEffect">
+                                  <p:stCondLst>
+                                    <p:cond delay="0"/>
+                                  </p:stCondLst>
+                                  <p:childTnLst>
+                                    <p:set>
+                                      <p:cBhvr>
+                                        <p:cTn id="20" dur="1" fill="hold">
+                                          <p:stCondLst>
+                                            <p:cond delay="0"/>
+                                          </p:stCondLst>
+                                        </p:cTn>
+                                        <p:tgtEl>
+                                          <p:spTgt spid="42044">
+                                            <p:txEl>
+                                              <p:pRg st="2" end="2"/>
+                                            </p:txEl>
+                                          </p:spTgt>
+                                        </p:tgtEl>
+                                        <p:attrNameLst>
+                                          <p:attrName>style.visibility</p:attrName>
+                                        </p:attrNameLst>
+                                      </p:cBhvr>
+                                      <p:to>
+                                        <p:strVal val="visible"/>
+                                      </p:to>
+                                    </p:set>
+                                    <p:animEffect transition="in" filter="fade">
+                                      <p:cBhvr>
+                                        <p:cTn id="21" dur="500"/>
+                                        <p:tgtEl>
+                                          <p:spTgt spid="42044">
+                                            <p:txEl>
+                                              <p:pRg st="2" end="2"/>
+                                            </p:txEl>
+                                          </p:spTgt>
+                                        </p:tgtEl>
+                                      </p:cBhvr>
+                                    </p:animEffect>
+                                  </p:childTnLst>
+                                </p:cTn>
+                              </p:par>
+                              <p:par>
+                                <p:cTn id="22" presetID="10" presetClass="entr" presetSubtype="0" fill="hold" grpId="0" nodeType="withEffect">
+                                  <p:stCondLst>
+                                    <p:cond delay="0"/>
+                                  </p:stCondLst>
+                                  <p:childTnLst>
+                                    <p:set>
+                                      <p:cBhvr>
+                                        <p:cTn id="23" dur="1" fill="hold">
+                                          <p:stCondLst>
+                                            <p:cond delay="0"/>
+                                          </p:stCondLst>
+                                        </p:cTn>
+                                        <p:tgtEl>
+                                          <p:spTgt spid="42044">
+                                            <p:txEl>
+                                              <p:pRg st="3" end="3"/>
+                                            </p:txEl>
+                                          </p:spTgt>
+                                        </p:tgtEl>
+                                        <p:attrNameLst>
+                                          <p:attrName>style.visibility</p:attrName>
+                                        </p:attrNameLst>
+                                      </p:cBhvr>
+                                      <p:to>
+                                        <p:strVal val="visible"/>
+                                      </p:to>
+                                    </p:set>
+                                    <p:animEffect transition="in" filter="fade">
+                                      <p:cBhvr>
+                                        <p:cTn id="24" dur="500"/>
+                                        <p:tgtEl>
+                                          <p:spTgt spid="42044">
+                                            <p:txEl>
+                                              <p:pRg st="3" end="3"/>
+                                            </p:txEl>
+                                          </p:spTgt>
+                                        </p:tgtEl>
+                                      </p:cBhvr>
+                                    </p:animEffect>
                                   </p:childTnLst>
                                 </p:cTn>
                               </p:par>
@@ -22067,7 +22156,7 @@
       </p:par>
     </p:tnLst>
     <p:bldLst>
-      <p:bldP spid="42044" grpId="0"/>
+      <p:bldP spid="42044" grpId="0" build="p"/>
     </p:bldLst>
   </p:timing>
 </p:sld>
@@ -22101,6 +22190,10 @@
           </p:nvPr>
         </p:nvSpPr>
         <p:spPr>
+          <a:xfrm>
+            <a:off x="7693739" y="6553200"/>
+            <a:ext cx="1450262" cy="307777"/>
+          </a:xfrm>
           <a:noFill/>
         </p:spPr>
         <p:txBody>
@@ -22108,19 +22201,19 @@
           <a:lstStyle/>
           <a:p>
             <a:r>
-              <a:rPr lang="en-US" smtClean="0"/>
+              <a:rPr lang="en-US" dirty="0" smtClean="0"/>
               <a:t>      </a:t>
             </a:r>
             <a:r>
-              <a:rPr lang="en-US" sz="1200" smtClean="0"/>
-              <a:t>lec 1W.</a:t>
+              <a:rPr lang="en-US" sz="1200" dirty="0" smtClean="0"/>
+              <a:t>proof-intro.</a:t>
             </a:r>
             <a:fld id="{75023C36-FE4D-4530-8B57-5C3563E819D6}" type="slidenum">
               <a:rPr lang="en-US" sz="1200" smtClean="0"/>
               <a:pPr/>
               <a:t>3</a:t>
             </a:fld>
-            <a:endParaRPr lang="en-US" sz="1200" smtClean="0"/>
+            <a:endParaRPr lang="en-US" sz="1200" dirty="0" smtClean="0"/>
           </a:p>
         </p:txBody>
       </p:sp>
@@ -22140,7 +22233,7 @@
           <a:graphicData uri="http://schemas.openxmlformats.org/presentationml/2006/ole">
             <mc:AlternateContent xmlns:mc="http://schemas.openxmlformats.org/markup-compatibility/2006">
               <mc:Choice xmlns:v="urn:schemas-microsoft-com:vml" Requires="v">
-                <p:oleObj spid="_x0000_s140364" name="Equation" r:id="rId4" imgW="914400" imgH="215640" progId="Equation.3">
+                <p:oleObj spid="_x0000_s140376" name="Equation" r:id="rId4" imgW="914400" imgH="215640" progId="Equation.3">
                   <p:embed/>
                 </p:oleObj>
               </mc:Choice>
@@ -22210,7 +22303,7 @@
           <a:graphicData uri="http://schemas.openxmlformats.org/presentationml/2006/ole">
             <mc:AlternateContent xmlns:mc="http://schemas.openxmlformats.org/markup-compatibility/2006">
               <mc:Choice xmlns:v="urn:schemas-microsoft-com:vml" Requires="v">
-                <p:oleObj spid="_x0000_s140365" name="Equation" r:id="rId6" imgW="914400" imgH="215640" progId="Equation.3">
+                <p:oleObj spid="_x0000_s140377" name="Equation" r:id="rId6" imgW="914400" imgH="215640" progId="Equation.3">
                   <p:embed/>
                 </p:oleObj>
               </mc:Choice>
@@ -22494,7 +22587,7 @@
   <p:clrMapOvr>
     <a:masterClrMapping/>
   </p:clrMapOvr>
-  <p:transition xmlns:p14="http://schemas.microsoft.com/office/powerpoint/2010/main">
+  <p:transition xmlns:p14="http://schemas.microsoft.com/office/powerpoint/2010/main" spd="slow">
     <p:fade/>
   </p:transition>
   <p:timing>
@@ -22758,8 +22851,8 @@
         </p:nvSpPr>
         <p:spPr>
           <a:xfrm>
-            <a:off x="7932738" y="6553200"/>
-            <a:ext cx="1211262" cy="307975"/>
+            <a:off x="7599812" y="6553200"/>
+            <a:ext cx="1544188" cy="307777"/>
           </a:xfrm>
           <a:noFill/>
         </p:spPr>
@@ -22768,47 +22861,19 @@
           <a:lstStyle/>
           <a:p>
             <a:r>
-              <a:rPr lang="en-US" smtClean="0"/>
+              <a:rPr lang="en-US" dirty="0" smtClean="0"/>
               <a:t>      </a:t>
             </a:r>
             <a:r>
-              <a:rPr lang="en-US" sz="1200" smtClean="0"/>
-              <a:t>lec 1W.</a:t>
+              <a:rPr lang="en-US" sz="1200" dirty="0" smtClean="0"/>
+              <a:t>proof-intro.</a:t>
             </a:r>
             <a:fld id="{38814692-9BDD-4F2D-A9DA-07816390A204}" type="slidenum">
               <a:rPr lang="en-US" sz="1200" smtClean="0"/>
               <a:pPr/>
               <a:t>30</a:t>
             </a:fld>
-            <a:endParaRPr lang="en-US" sz="1200" smtClean="0"/>
-          </a:p>
-        </p:txBody>
-      </p:sp>
-      <p:sp>
-        <p:nvSpPr>
-          <p:cNvPr id="12292" name="Rectangle 1026"/>
-          <p:cNvSpPr>
-            <a:spLocks noGrp="1" noChangeArrowheads="1"/>
-          </p:cNvSpPr>
-          <p:nvPr>
-            <p:ph type="title"/>
-          </p:nvPr>
-        </p:nvSpPr>
-        <p:spPr>
-          <a:xfrm>
-            <a:off x="3017838" y="168275"/>
-            <a:ext cx="3055937" cy="1155700"/>
-          </a:xfrm>
-        </p:spPr>
-        <p:txBody>
-          <a:bodyPr/>
-          <a:lstStyle/>
-          <a:p>
-            <a:pPr eaLnBrk="1" hangingPunct="1"/>
-            <a:r>
-              <a:rPr lang="en-US" dirty="0" smtClean="0"/>
-              <a:t>1 = -1 ?</a:t>
-            </a:r>
+            <a:endParaRPr lang="en-US" sz="1200" dirty="0" smtClean="0"/>
           </a:p>
         </p:txBody>
       </p:sp>
@@ -22895,7 +22960,7 @@
           <a:graphicData uri="http://schemas.openxmlformats.org/presentationml/2006/ole">
             <mc:AlternateContent xmlns:mc="http://schemas.openxmlformats.org/markup-compatibility/2006">
               <mc:Choice xmlns:v="urn:schemas-microsoft-com:vml" Requires="v">
-                <p:oleObj spid="_x0000_s12332" name="Equation" r:id="rId4" imgW="2590560" imgH="368280" progId="Equation.DSMT4">
+                <p:oleObj spid="_x0000_s12340" name="Equation" r:id="rId4" imgW="2590560" imgH="368280" progId="Equation.DSMT4">
                   <p:embed/>
                 </p:oleObj>
               </mc:Choice>
@@ -23055,13 +23120,52 @@
           </a:p>
         </p:txBody>
       </p:sp>
+      <p:sp>
+        <p:nvSpPr>
+          <p:cNvPr id="8" name="Rectangle 1026"/>
+          <p:cNvSpPr>
+            <a:spLocks noGrp="1" noChangeArrowheads="1"/>
+          </p:cNvSpPr>
+          <p:nvPr>
+            <p:ph type="title"/>
+          </p:nvPr>
+        </p:nvSpPr>
+        <p:spPr>
+          <a:xfrm>
+            <a:off x="3017838" y="168275"/>
+            <a:ext cx="3055937" cy="1155700"/>
+          </a:xfrm>
+        </p:spPr>
+        <p:txBody>
+          <a:bodyPr/>
+          <a:lstStyle/>
+          <a:p>
+            <a:pPr eaLnBrk="1" hangingPunct="1"/>
+            <a:r>
+              <a:rPr lang="en-US" dirty="0" smtClean="0"/>
+              <a:t>1 </a:t>
+            </a:r>
+            <a:r>
+              <a:rPr lang="en-US" dirty="0" smtClean="0">
+                <a:latin typeface="Euclid Symbol" charset="2"/>
+                <a:cs typeface="Euclid Symbol" charset="2"/>
+              </a:rPr>
+              <a:t>=</a:t>
+            </a:r>
+            <a:r>
+              <a:rPr lang="en-US" dirty="0" smtClean="0"/>
+              <a:t> -1 ?</a:t>
+            </a:r>
+          </a:p>
+        </p:txBody>
+      </p:sp>
     </p:spTree>
   </p:cSld>
   <p:clrMapOvr>
     <a:masterClrMapping/>
   </p:clrMapOvr>
   <p:transition xmlns:p14="http://schemas.microsoft.com/office/powerpoint/2010/main" spd="slow">
-    <p:fade thruBlk="1"/>
+    <p:fade/>
   </p:transition>
   <p:timing>
     <p:tnLst>
@@ -23084,7 +23188,7 @@
                             </p:stCondLst>
                             <p:childTnLst>
                               <p:par>
-                                <p:cTn id="5" presetID="1" presetClass="entr" presetSubtype="0" fill="hold" grpId="0" nodeType="clickEffect">
+                                <p:cTn id="5" presetID="22" presetClass="entr" presetSubtype="8" fill="hold" nodeType="clickEffect">
                                   <p:stCondLst>
                                     <p:cond delay="0"/>
                                   </p:stCondLst>
@@ -23092,51 +23196,6 @@
                                     <p:set>
                                       <p:cBhvr>
                                         <p:cTn id="6" dur="1" fill="hold">
-                                          <p:stCondLst>
-                                            <p:cond delay="0"/>
-                                          </p:stCondLst>
-                                        </p:cTn>
-                                        <p:tgtEl>
-                                          <p:spTgt spid="12292"/>
-                                        </p:tgtEl>
-                                        <p:attrNameLst>
-                                          <p:attrName>style.visibility</p:attrName>
-                                        </p:attrNameLst>
-                                      </p:cBhvr>
-                                      <p:to>
-                                        <p:strVal val="visible"/>
-                                      </p:to>
-                                    </p:set>
-                                  </p:childTnLst>
-                                </p:cTn>
-                              </p:par>
-                            </p:childTnLst>
-                          </p:cTn>
-                        </p:par>
-                      </p:childTnLst>
-                    </p:cTn>
-                  </p:par>
-                  <p:par>
-                    <p:cTn id="7" fill="hold">
-                      <p:stCondLst>
-                        <p:cond delay="indefinite"/>
-                      </p:stCondLst>
-                      <p:childTnLst>
-                        <p:par>
-                          <p:cTn id="8" fill="hold">
-                            <p:stCondLst>
-                              <p:cond delay="0"/>
-                            </p:stCondLst>
-                            <p:childTnLst>
-                              <p:par>
-                                <p:cTn id="9" presetID="22" presetClass="entr" presetSubtype="8" fill="hold" nodeType="clickEffect">
-                                  <p:stCondLst>
-                                    <p:cond delay="0"/>
-                                  </p:stCondLst>
-                                  <p:childTnLst>
-                                    <p:set>
-                                      <p:cBhvr>
-                                        <p:cTn id="10" dur="1" fill="hold">
                                           <p:stCondLst>
                                             <p:cond delay="0"/>
                                           </p:stCondLst>
@@ -23154,7 +23213,7 @@
                                     </p:set>
                                     <p:animEffect transition="in" filter="wipe(left)">
                                       <p:cBhvr>
-                                        <p:cTn id="11" dur="1000"/>
+                                        <p:cTn id="7" dur="1000"/>
                                         <p:tgtEl>
                                           <p:spTgt spid="181248"/>
                                         </p:tgtEl>
@@ -23170,26 +23229,26 @@
                     </p:cTn>
                   </p:par>
                   <p:par>
-                    <p:cTn id="12" fill="hold">
+                    <p:cTn id="8" fill="hold">
                       <p:stCondLst>
                         <p:cond delay="indefinite"/>
                       </p:stCondLst>
                       <p:childTnLst>
                         <p:par>
-                          <p:cTn id="13" fill="hold">
+                          <p:cTn id="9" fill="hold">
                             <p:stCondLst>
                               <p:cond delay="0"/>
                             </p:stCondLst>
                             <p:childTnLst>
                               <p:par>
-                                <p:cTn id="14" presetID="9" presetClass="entr" presetSubtype="0" fill="hold" grpId="0" nodeType="clickEffect">
+                                <p:cTn id="10" presetID="9" presetClass="entr" presetSubtype="0" fill="hold" grpId="0" nodeType="clickEffect">
                                   <p:stCondLst>
                                     <p:cond delay="0"/>
                                   </p:stCondLst>
                                   <p:childTnLst>
                                     <p:set>
                                       <p:cBhvr>
-                                        <p:cTn id="15" dur="1" fill="hold">
+                                        <p:cTn id="11" dur="1" fill="hold">
                                           <p:stCondLst>
                                             <p:cond delay="0"/>
                                           </p:stCondLst>
@@ -23211,7 +23270,7 @@
                                     </p:set>
                                     <p:animEffect transition="in" filter="dissolve">
                                       <p:cBhvr>
-                                        <p:cTn id="16" dur="500"/>
+                                        <p:cTn id="12" dur="500"/>
                                         <p:tgtEl>
                                           <p:spTgt spid="42044">
                                             <p:txEl>
@@ -23228,20 +23287,20 @@
                           </p:cTn>
                         </p:par>
                         <p:par>
-                          <p:cTn id="17" fill="hold">
+                          <p:cTn id="13" fill="hold">
                             <p:stCondLst>
                               <p:cond delay="500"/>
                             </p:stCondLst>
                             <p:childTnLst>
                               <p:par>
-                                <p:cTn id="18" presetID="9" presetClass="entr" presetSubtype="0" fill="hold" grpId="0" nodeType="afterEffect">
+                                <p:cTn id="14" presetID="9" presetClass="entr" presetSubtype="0" fill="hold" grpId="0" nodeType="afterEffect">
                                   <p:stCondLst>
                                     <p:cond delay="0"/>
                                   </p:stCondLst>
                                   <p:childTnLst>
                                     <p:set>
                                       <p:cBhvr>
-                                        <p:cTn id="19" dur="1" fill="hold">
+                                        <p:cTn id="15" dur="1" fill="hold">
                                           <p:stCondLst>
                                             <p:cond delay="0"/>
                                           </p:stCondLst>
@@ -23263,7 +23322,7 @@
                                     </p:set>
                                     <p:animEffect transition="in" filter="dissolve">
                                       <p:cBhvr>
-                                        <p:cTn id="20" dur="500"/>
+                                        <p:cTn id="16" dur="500"/>
                                         <p:tgtEl>
                                           <p:spTgt spid="42044">
                                             <p:txEl>
@@ -23283,26 +23342,26 @@
                     </p:cTn>
                   </p:par>
                   <p:par>
-                    <p:cTn id="21" fill="hold">
+                    <p:cTn id="17" fill="hold">
                       <p:stCondLst>
                         <p:cond delay="indefinite"/>
                       </p:stCondLst>
                       <p:childTnLst>
                         <p:par>
-                          <p:cTn id="22" fill="hold">
+                          <p:cTn id="18" fill="hold">
                             <p:stCondLst>
                               <p:cond delay="0"/>
                             </p:stCondLst>
                             <p:childTnLst>
                               <p:par>
-                                <p:cTn id="23" presetID="9" presetClass="entr" presetSubtype="0" fill="hold" grpId="0" nodeType="clickEffect">
+                                <p:cTn id="19" presetID="9" presetClass="entr" presetSubtype="0" fill="hold" grpId="0" nodeType="clickEffect">
                                   <p:stCondLst>
                                     <p:cond delay="0"/>
                                   </p:stCondLst>
                                   <p:childTnLst>
                                     <p:set>
                                       <p:cBhvr>
-                                        <p:cTn id="24" dur="1" fill="hold">
+                                        <p:cTn id="20" dur="1" fill="hold">
                                           <p:stCondLst>
                                             <p:cond delay="0"/>
                                           </p:stCondLst>
@@ -23324,7 +23383,7 @@
                                     </p:set>
                                     <p:animEffect transition="in" filter="dissolve">
                                       <p:cBhvr>
-                                        <p:cTn id="25" dur="1000"/>
+                                        <p:cTn id="21" dur="1000"/>
                                         <p:tgtEl>
                                           <p:spTgt spid="42044">
                                             <p:txEl>
@@ -23365,7 +23424,6 @@
       </p:par>
     </p:tnLst>
     <p:bldLst>
-      <p:bldP spid="12292" grpId="0"/>
       <p:bldP spid="42044" grpId="0" build="p"/>
     </p:bldLst>
   </p:timing>
@@ -23373,7 +23431,7 @@
 </file>
 
 <file path=ppt/slides/slide31.xml><?xml version="1.0" encoding="utf-8"?>
-<p:sld xmlns:a="http://schemas.openxmlformats.org/drawingml/2006/main" xmlns:r="http://schemas.openxmlformats.org/officeDocument/2006/relationships" xmlns:p="http://schemas.openxmlformats.org/presentationml/2006/main" show="0">
+<p:sld xmlns:a="http://schemas.openxmlformats.org/drawingml/2006/main" xmlns:r="http://schemas.openxmlformats.org/officeDocument/2006/relationships" xmlns:p="http://schemas.openxmlformats.org/presentationml/2006/main">
   <p:cSld>
     <p:spTree>
       <p:nvGrpSpPr>
@@ -23407,19 +23465,19 @@
           <a:lstStyle/>
           <a:p>
             <a:r>
-              <a:rPr lang="en-US" smtClean="0"/>
+              <a:rPr lang="en-US" dirty="0" smtClean="0"/>
               <a:t>      </a:t>
             </a:r>
             <a:r>
-              <a:rPr lang="en-US" sz="1200" smtClean="0"/>
-              <a:t>lec 1W.</a:t>
+              <a:rPr lang="en-US" sz="1200" dirty="0" smtClean="0"/>
+              <a:t>proof-intro.</a:t>
             </a:r>
             <a:fld id="{149CEC67-A6D5-4032-8245-198398361EE0}" type="slidenum">
               <a:rPr lang="en-US" sz="1200" smtClean="0"/>
               <a:pPr/>
               <a:t>31</a:t>
             </a:fld>
-            <a:endParaRPr lang="en-US" sz="1200" smtClean="0"/>
+            <a:endParaRPr lang="en-US" sz="1200" dirty="0" smtClean="0"/>
           </a:p>
         </p:txBody>
       </p:sp>
@@ -23459,7 +23517,14 @@
                 <a:latin typeface="Comic Sans MS" pitchFamily="66" charset="0"/>
                 <a:cs typeface="Times New Roman" pitchFamily="18" charset="0"/>
               </a:rPr>
-              <a:t>½ =</a:t>
+              <a:t>½ </a:t>
+            </a:r>
+            <a:r>
+              <a:rPr lang="en-US" sz="4800" b="1" dirty="0">
+                <a:latin typeface="Euclid Symbol" charset="2"/>
+                <a:cs typeface="Euclid Symbol" charset="2"/>
+              </a:rPr>
+              <a:t>=</a:t>
             </a:r>
             <a:r>
               <a:rPr lang="en-US" sz="4800" dirty="0" smtClean="0">
@@ -23519,7 +23584,38 @@
               <a:rPr lang="en-US" sz="4000" dirty="0">
                 <a:latin typeface="Comic Sans MS" pitchFamily="66" charset="0"/>
               </a:rPr>
-              <a:t> 2 = 1          (add     )</a:t>
+              <a:t> 2 </a:t>
+            </a:r>
+            <a:r>
+              <a:rPr lang="en-US" sz="4000" b="1" dirty="0">
+                <a:latin typeface="Euclid Symbol" charset="2"/>
+                <a:cs typeface="Euclid Symbol" charset="2"/>
+              </a:rPr>
+              <a:t>=</a:t>
+            </a:r>
+            <a:r>
+              <a:rPr lang="en-US" sz="4000" dirty="0">
+                <a:latin typeface="Comic Sans MS" pitchFamily="66" charset="0"/>
+              </a:rPr>
+              <a:t> 1        </a:t>
+            </a:r>
+            <a:r>
+              <a:rPr lang="en-US" sz="4000" dirty="0" smtClean="0">
+                <a:latin typeface="Comic Sans MS" pitchFamily="66" charset="0"/>
+              </a:rPr>
+              <a:t>(</a:t>
+            </a:r>
+            <a:r>
+              <a:rPr lang="en-US" sz="4000" dirty="0">
+                <a:latin typeface="Comic Sans MS" pitchFamily="66" charset="0"/>
+              </a:rPr>
+              <a:t>add   </a:t>
+            </a:r>
+            <a:r>
+              <a:rPr lang="en-US" sz="4000" dirty="0" smtClean="0">
+                <a:latin typeface="Comic Sans MS" pitchFamily="66" charset="0"/>
+              </a:rPr>
+              <a:t>)</a:t>
             </a:r>
             <a:endParaRPr lang="en-US" sz="3600" dirty="0">
               <a:latin typeface="Comic Sans MS" pitchFamily="66" charset="0"/>
@@ -23545,7 +23641,22 @@
             <a:pPr eaLnBrk="1" hangingPunct="1"/>
             <a:r>
               <a:rPr lang="en-US" dirty="0" smtClean="0"/>
-              <a:t>Consequences of  1= </a:t>
+              <a:t>Consequences of  </a:t>
+            </a:r>
+            <a:r>
+              <a:rPr lang="en-US" dirty="0" smtClean="0"/>
+              <a:t>1 </a:t>
+            </a:r>
+            <a:r>
+              <a:rPr lang="en-US" dirty="0" smtClean="0">
+                <a:latin typeface="Euclid Symbol" charset="2"/>
+                <a:cs typeface="Euclid Symbol" charset="2"/>
+              </a:rPr>
+              <a:t>=</a:t>
+            </a:r>
+            <a:r>
+              <a:rPr lang="en-US" dirty="0" smtClean="0"/>
+              <a:t> </a:t>
             </a:r>
             <a:r>
               <a:rPr lang="en-US" dirty="0" smtClean="0">
@@ -23728,17 +23839,23 @@
           <p:cNvGraphicFramePr>
             <a:graphicFrameLocks noChangeAspect="1"/>
           </p:cNvGraphicFramePr>
-          <p:nvPr/>
+          <p:nvPr>
+            <p:extLst>
+              <p:ext uri="{D42A27DB-BD31-4B8C-83A1-F6EECF244321}">
+                <p14:modId xmlns:p14="http://schemas.microsoft.com/office/powerpoint/2010/main" val="2372896849"/>
+              </p:ext>
+            </p:extLst>
+          </p:nvPr>
         </p:nvGraphicFramePr>
         <p:xfrm>
-          <a:off x="5961063" y="2068513"/>
+          <a:off x="5690119" y="2068513"/>
           <a:ext cx="401637" cy="1035050"/>
         </p:xfrm>
         <a:graphic>
           <a:graphicData uri="http://schemas.openxmlformats.org/presentationml/2006/ole">
             <mc:AlternateContent xmlns:mc="http://schemas.openxmlformats.org/markup-compatibility/2006">
               <mc:Choice xmlns:v="urn:schemas-microsoft-com:vml" Requires="v">
-                <p:oleObj spid="_x0000_s13356" name="Equation" r:id="rId4" imgW="152280" imgH="393480" progId="Equation.DSMT4">
+                <p:oleObj spid="_x0000_s13364" name="Equation" r:id="rId4" imgW="152280" imgH="393480" progId="Equation.DSMT4">
                   <p:embed/>
                 </p:oleObj>
               </mc:Choice>
@@ -23768,7 +23885,7 @@
                     </p:blipFill>
                     <p:spPr bwMode="auto">
                       <a:xfrm>
-                        <a:off x="5961063" y="2068513"/>
+                        <a:off x="5690119" y="2068513"/>
                         <a:ext cx="401637" cy="1035050"/>
                       </a:xfrm>
                       <a:prstGeom prst="rect">
@@ -23799,13 +23916,13 @@
   </p:clrMapOvr>
   <mc:AlternateContent xmlns:mc="http://schemas.openxmlformats.org/markup-compatibility/2006">
     <mc:Choice xmlns:p14="http://schemas.microsoft.com/office/powerpoint/2010/main" Requires="p14">
-      <p:transition spd="slow" p14:dur="900">
-        <p:fade/>
+      <p:transition spd="med" p14:dur="600">
+        <p:fade thruBlk="1"/>
       </p:transition>
     </mc:Choice>
     <mc:Fallback>
-      <p:transition xmlns:p14="http://schemas.microsoft.com/office/powerpoint/2010/main" spd="slow">
-        <p:fade/>
+      <p:transition xmlns:p14="http://schemas.microsoft.com/office/powerpoint/2010/main" spd="med">
+        <p:fade thruBlk="1"/>
       </p:transition>
     </mc:Fallback>
   </mc:AlternateContent>
@@ -24057,7 +24174,7 @@
 </file>
 
 <file path=ppt/slides/slide32.xml><?xml version="1.0" encoding="utf-8"?>
-<p:sld xmlns:a="http://schemas.openxmlformats.org/drawingml/2006/main" xmlns:r="http://schemas.openxmlformats.org/officeDocument/2006/relationships" xmlns:p="http://schemas.openxmlformats.org/presentationml/2006/main" show="0">
+<p:sld xmlns:a="http://schemas.openxmlformats.org/drawingml/2006/main" xmlns:r="http://schemas.openxmlformats.org/officeDocument/2006/relationships" xmlns:p="http://schemas.openxmlformats.org/presentationml/2006/main">
   <p:cSld>
     <p:spTree>
       <p:nvGrpSpPr>
@@ -24091,52 +24208,19 @@
           <a:lstStyle/>
           <a:p>
             <a:r>
-              <a:rPr lang="en-US" smtClean="0"/>
+              <a:rPr lang="en-US" dirty="0" smtClean="0"/>
               <a:t>      </a:t>
             </a:r>
             <a:r>
-              <a:rPr lang="en-US" sz="1200" smtClean="0"/>
-              <a:t>lec 1W.</a:t>
+              <a:rPr lang="en-US" sz="1200" dirty="0" smtClean="0"/>
+              <a:t>proof-intro.</a:t>
             </a:r>
             <a:fld id="{17F4D99F-8DB9-47AB-B21C-80A9F5EE51B9}" type="slidenum">
               <a:rPr lang="en-US" sz="1200" smtClean="0"/>
               <a:pPr/>
               <a:t>32</a:t>
             </a:fld>
-            <a:endParaRPr lang="en-US" sz="1200" smtClean="0"/>
-          </a:p>
-        </p:txBody>
-      </p:sp>
-      <p:sp>
-        <p:nvSpPr>
-          <p:cNvPr id="33795" name="Rectangle 2"/>
-          <p:cNvSpPr>
-            <a:spLocks noGrp="1" noChangeArrowheads="1"/>
-          </p:cNvSpPr>
-          <p:nvPr>
-            <p:ph type="title"/>
-          </p:nvPr>
-        </p:nvSpPr>
-        <p:spPr/>
-        <p:txBody>
-          <a:bodyPr/>
-          <a:lstStyle/>
-          <a:p>
-            <a:pPr eaLnBrk="1" hangingPunct="1"/>
-            <a:r>
-              <a:rPr lang="en-US" dirty="0" smtClean="0"/>
-              <a:t>Consequences of  1= </a:t>
-            </a:r>
-            <a:r>
-              <a:rPr lang="en-US" dirty="0" smtClean="0">
-                <a:sym typeface="Symbol" pitchFamily="18" charset="2"/>
-              </a:rPr>
-              <a:t>-</a:t>
-            </a:r>
-            <a:r>
-              <a:rPr lang="en-US" dirty="0" smtClean="0"/>
-              <a:t>1</a:t>
-            </a:r>
+            <a:endParaRPr lang="en-US" sz="1200" dirty="0" smtClean="0"/>
           </a:p>
         </p:txBody>
       </p:sp>
@@ -24274,12 +24358,65 @@
           </a:p>
         </p:txBody>
       </p:sp>
+      <p:sp>
+        <p:nvSpPr>
+          <p:cNvPr id="8" name="Rectangle 1026"/>
+          <p:cNvSpPr>
+            <a:spLocks noGrp="1" noChangeArrowheads="1"/>
+          </p:cNvSpPr>
+          <p:nvPr>
+            <p:ph type="title"/>
+          </p:nvPr>
+        </p:nvSpPr>
+        <p:spPr>
+          <a:xfrm>
+            <a:off x="1447800" y="304800"/>
+            <a:ext cx="7543800" cy="1143000"/>
+          </a:xfrm>
+        </p:spPr>
+        <p:txBody>
+          <a:bodyPr/>
+          <a:lstStyle/>
+          <a:p>
+            <a:pPr eaLnBrk="1" hangingPunct="1"/>
+            <a:r>
+              <a:rPr lang="en-US" dirty="0" smtClean="0"/>
+              <a:t>Consequences of  </a:t>
+            </a:r>
+            <a:r>
+              <a:rPr lang="en-US" dirty="0" smtClean="0"/>
+              <a:t>1 </a:t>
+            </a:r>
+            <a:r>
+              <a:rPr lang="en-US" dirty="0" smtClean="0">
+                <a:latin typeface="Euclid Symbol" charset="2"/>
+                <a:cs typeface="Euclid Symbol" charset="2"/>
+              </a:rPr>
+              <a:t>=</a:t>
+            </a:r>
+            <a:r>
+              <a:rPr lang="en-US" dirty="0" smtClean="0"/>
+              <a:t> </a:t>
+            </a:r>
+            <a:r>
+              <a:rPr lang="en-US" dirty="0" smtClean="0">
+                <a:sym typeface="Symbol" pitchFamily="18" charset="2"/>
+              </a:rPr>
+              <a:t>-</a:t>
+            </a:r>
+            <a:r>
+              <a:rPr lang="en-US" dirty="0" smtClean="0"/>
+              <a:t>1</a:t>
+            </a:r>
+          </a:p>
+        </p:txBody>
+      </p:sp>
     </p:spTree>
   </p:cSld>
   <p:clrMapOvr>
     <a:masterClrMapping/>
   </p:clrMapOvr>
-  <p:transition xmlns:p14="http://schemas.microsoft.com/office/powerpoint/2010/main">
+  <p:transition xmlns:p14="http://schemas.microsoft.com/office/powerpoint/2010/main" spd="slow">
     <p:fade/>
   </p:transition>
   <p:timing>
@@ -24321,8 +24458,8 @@
         </p:nvSpPr>
         <p:spPr>
           <a:xfrm>
-            <a:off x="8250238" y="6567488"/>
-            <a:ext cx="893762" cy="276225"/>
+            <a:off x="7921715" y="6567488"/>
+            <a:ext cx="1222285" cy="276999"/>
           </a:xfrm>
           <a:noFill/>
         </p:spPr>
@@ -24331,15 +24468,15 @@
           <a:lstStyle/>
           <a:p>
             <a:r>
-              <a:rPr lang="en-US" sz="1200" smtClean="0"/>
-              <a:t>lec 1W.</a:t>
+              <a:rPr lang="en-US" sz="1200" dirty="0" smtClean="0"/>
+              <a:t>proof-intro.</a:t>
             </a:r>
             <a:fld id="{EB421C7E-0655-4947-B06C-8554469D79B2}" type="slidenum">
               <a:rPr lang="en-US" sz="1200" smtClean="0"/>
               <a:pPr/>
               <a:t>33</a:t>
             </a:fld>
-            <a:endParaRPr lang="en-US" sz="1200" smtClean="0"/>
+            <a:endParaRPr lang="en-US" sz="1200" dirty="0" smtClean="0"/>
           </a:p>
         </p:txBody>
       </p:sp>
@@ -24422,7 +24559,7 @@
   <p:clrMapOvr>
     <a:masterClrMapping/>
   </p:clrMapOvr>
-  <p:transition xmlns:p14="http://schemas.microsoft.com/office/powerpoint/2010/main">
+  <p:transition xmlns:p14="http://schemas.microsoft.com/office/powerpoint/2010/main" spd="slow">
     <p:fade/>
   </p:transition>
   <p:timing>
@@ -24463,6 +24600,10 @@
           </p:nvPr>
         </p:nvSpPr>
         <p:spPr>
+          <a:xfrm>
+            <a:off x="7693739" y="6553200"/>
+            <a:ext cx="1450262" cy="307777"/>
+          </a:xfrm>
           <a:noFill/>
         </p:spPr>
         <p:txBody>
@@ -24470,19 +24611,19 @@
           <a:lstStyle/>
           <a:p>
             <a:r>
-              <a:rPr lang="en-US" smtClean="0"/>
+              <a:rPr lang="en-US" dirty="0" smtClean="0"/>
               <a:t>      </a:t>
             </a:r>
             <a:r>
-              <a:rPr lang="en-US" sz="1200" smtClean="0"/>
-              <a:t>lec 1W.</a:t>
+              <a:rPr lang="en-US" sz="1200" dirty="0" smtClean="0"/>
+              <a:t>proof-intro.</a:t>
             </a:r>
             <a:fld id="{453FE1C2-9E91-4C24-BD74-47BCF0F2913B}" type="slidenum">
               <a:rPr lang="en-US" sz="1200" smtClean="0"/>
               <a:pPr/>
               <a:t>4</a:t>
             </a:fld>
-            <a:endParaRPr lang="en-US" sz="1200" smtClean="0"/>
+            <a:endParaRPr lang="en-US" sz="1200" dirty="0" smtClean="0"/>
           </a:p>
         </p:txBody>
       </p:sp>
@@ -24555,7 +24696,7 @@
           <a:graphicData uri="http://schemas.openxmlformats.org/presentationml/2006/ole">
             <mc:AlternateContent xmlns:mc="http://schemas.openxmlformats.org/markup-compatibility/2006">
               <mc:Choice xmlns:v="urn:schemas-microsoft-com:vml" Requires="v">
-                <p:oleObj spid="_x0000_s2129" name="Equation" r:id="rId4" imgW="914400" imgH="215640" progId="Equation.3">
+                <p:oleObj spid="_x0000_s2141" name="Equation" r:id="rId4" imgW="914400" imgH="215640" progId="Equation.3">
                   <p:embed/>
                 </p:oleObj>
               </mc:Choice>
@@ -24625,7 +24766,7 @@
           <a:graphicData uri="http://schemas.openxmlformats.org/presentationml/2006/ole">
             <mc:AlternateContent xmlns:mc="http://schemas.openxmlformats.org/markup-compatibility/2006">
               <mc:Choice xmlns:v="urn:schemas-microsoft-com:vml" Requires="v">
-                <p:oleObj spid="_x0000_s2130" name="Equation" r:id="rId6" imgW="914400" imgH="215640" progId="Equation.3">
+                <p:oleObj spid="_x0000_s2142" name="Equation" r:id="rId6" imgW="914400" imgH="215640" progId="Equation.3">
                   <p:embed/>
                 </p:oleObj>
               </mc:Choice>
@@ -24803,7 +24944,7 @@
   <p:clrMapOvr>
     <a:masterClrMapping/>
   </p:clrMapOvr>
-  <p:transition xmlns:p14="http://schemas.microsoft.com/office/powerpoint/2010/main">
+  <p:transition xmlns:p14="http://schemas.microsoft.com/office/powerpoint/2010/main" spd="slow">
     <p:fade/>
   </p:transition>
   <p:timing>
@@ -25048,7 +25189,12 @@
             <p:ph type="sldNum" sz="quarter" idx="10"/>
           </p:nvPr>
         </p:nvSpPr>
-        <p:spPr/>
+        <p:spPr>
+          <a:xfrm>
+            <a:off x="7693739" y="6553200"/>
+            <a:ext cx="1450262" cy="307777"/>
+          </a:xfrm>
+        </p:spPr>
         <p:txBody>
           <a:bodyPr/>
           <a:lstStyle/>
@@ -25057,12 +25203,12 @@
               <a:defRPr/>
             </a:pPr>
             <a:r>
-              <a:rPr lang="en-US" smtClean="0"/>
+              <a:rPr lang="en-US" dirty="0" smtClean="0"/>
               <a:t>      </a:t>
             </a:r>
             <a:r>
-              <a:rPr lang="en-US" sz="1200" smtClean="0"/>
-              <a:t>lec 1W.</a:t>
+              <a:rPr lang="en-US" sz="1200" dirty="0" smtClean="0"/>
+              <a:t>proof-intro.</a:t>
             </a:r>
             <a:fld id="{9A106780-21EA-4C13-B4C5-F962BEA7B00B}" type="slidenum">
               <a:rPr lang="en-US" sz="1200" smtClean="0"/>
@@ -25071,7 +25217,7 @@
               </a:pPr>
               <a:t>5</a:t>
             </a:fld>
-            <a:endParaRPr lang="en-US" sz="1200"/>
+            <a:endParaRPr lang="en-US" sz="1200" dirty="0"/>
           </a:p>
         </p:txBody>
       </p:sp>
@@ -25085,7 +25231,7 @@
   <p:clrMapOvr>
     <a:masterClrMapping/>
   </p:clrMapOvr>
-  <p:transition xmlns:p14="http://schemas.microsoft.com/office/powerpoint/2010/main">
+  <p:transition xmlns:p14="http://schemas.microsoft.com/office/powerpoint/2010/main" spd="slow">
     <p:fade/>
   </p:transition>
   <p:timing>
@@ -25126,6 +25272,10 @@
           </p:nvPr>
         </p:nvSpPr>
         <p:spPr>
+          <a:xfrm>
+            <a:off x="7693738" y="6553200"/>
+            <a:ext cx="1450262" cy="307777"/>
+          </a:xfrm>
           <a:noFill/>
         </p:spPr>
         <p:txBody>
@@ -25133,19 +25283,19 @@
           <a:lstStyle/>
           <a:p>
             <a:r>
-              <a:rPr lang="en-US" smtClean="0"/>
+              <a:rPr lang="en-US" dirty="0" smtClean="0"/>
               <a:t>      </a:t>
             </a:r>
             <a:r>
-              <a:rPr lang="en-US" sz="1200" smtClean="0"/>
-              <a:t>lec 1W.</a:t>
+              <a:rPr lang="en-US" sz="1200" dirty="0" smtClean="0"/>
+              <a:t>proof-intro.</a:t>
             </a:r>
             <a:fld id="{94B0267F-552B-40F8-B536-DB917AF50A68}" type="slidenum">
               <a:rPr lang="en-US" sz="1200" smtClean="0"/>
               <a:pPr/>
               <a:t>6</a:t>
             </a:fld>
-            <a:endParaRPr lang="en-US" sz="1200" smtClean="0"/>
+            <a:endParaRPr lang="en-US" sz="1200" dirty="0" smtClean="0"/>
           </a:p>
         </p:txBody>
       </p:sp>
@@ -25364,8 +25514,8 @@
   <p:clrMapOvr>
     <a:masterClrMapping/>
   </p:clrMapOvr>
-  <p:transition xmlns:p14="http://schemas.microsoft.com/office/powerpoint/2010/main">
-    <p:fade/>
+  <p:transition xmlns:p14="http://schemas.microsoft.com/office/powerpoint/2010/main" spd="slow">
+    <p:fade thruBlk="1"/>
   </p:transition>
   <p:timing>
     <p:tnLst>
@@ -25526,6 +25676,10 @@
           </p:nvPr>
         </p:nvSpPr>
         <p:spPr>
+          <a:xfrm>
+            <a:off x="7693739" y="6553200"/>
+            <a:ext cx="1450262" cy="307777"/>
+          </a:xfrm>
           <a:noFill/>
         </p:spPr>
         <p:txBody>
@@ -25533,19 +25687,19 @@
           <a:lstStyle/>
           <a:p>
             <a:r>
-              <a:rPr lang="en-US" smtClean="0"/>
+              <a:rPr lang="en-US" dirty="0" smtClean="0"/>
               <a:t>      </a:t>
             </a:r>
             <a:r>
-              <a:rPr lang="en-US" sz="1200" smtClean="0"/>
-              <a:t>lec 1W.</a:t>
+              <a:rPr lang="en-US" sz="1200" dirty="0" smtClean="0"/>
+              <a:t>proof-intro.</a:t>
             </a:r>
             <a:fld id="{CBD4ADD5-DF96-4ED8-A1CB-551C52AF6B69}" type="slidenum">
               <a:rPr lang="en-US" sz="1200" smtClean="0"/>
               <a:pPr/>
               <a:t>7</a:t>
             </a:fld>
-            <a:endParaRPr lang="en-US" sz="1200" smtClean="0"/>
+            <a:endParaRPr lang="en-US" sz="1200" dirty="0" smtClean="0"/>
           </a:p>
         </p:txBody>
       </p:sp>
@@ -25665,7 +25819,7 @@
   <p:clrMapOvr>
     <a:masterClrMapping/>
   </p:clrMapOvr>
-  <p:transition xmlns:p14="http://schemas.microsoft.com/office/powerpoint/2010/main">
+  <p:transition xmlns:p14="http://schemas.microsoft.com/office/powerpoint/2010/main" spd="slow">
     <p:fade/>
   </p:transition>
   <p:timing>
@@ -25777,8 +25931,8 @@
         </p:nvSpPr>
         <p:spPr bwMode="auto">
           <a:xfrm>
-            <a:off x="188276" y="1919042"/>
-            <a:ext cx="8745224" cy="3046988"/>
+            <a:off x="84668" y="1532451"/>
+            <a:ext cx="8983133" cy="3785652"/>
           </a:xfrm>
           <a:prstGeom prst="rect">
             <a:avLst/>
@@ -25856,10 +26010,105 @@
               <a:rPr lang="en-US" sz="4800" dirty="0" smtClean="0">
                 <a:latin typeface="Comic Sans MS" pitchFamily="66" charset="0"/>
               </a:rPr>
-              <a:t> Text Chapters 1 &amp; 2 </a:t>
-            </a:r>
-            <a:r>
-              <a:rPr lang="en-US" sz="4800" dirty="0" err="1" smtClean="0">
+              <a:t> Text </a:t>
+            </a:r>
+            <a:r>
+              <a:rPr lang="en-US" sz="4800" dirty="0" smtClean="0">
+                <a:latin typeface="Comic Sans MS" pitchFamily="66" charset="0"/>
+              </a:rPr>
+              <a:t>Chapter </a:t>
+            </a:r>
+            <a:r>
+              <a:rPr lang="en-US" sz="4800" dirty="0" smtClean="0">
+                <a:latin typeface="Comic Sans MS" pitchFamily="66" charset="0"/>
+              </a:rPr>
+              <a:t>1 </a:t>
+            </a:r>
+            <a:r>
+              <a:rPr lang="en-US" sz="4800" dirty="0" smtClean="0">
+                <a:latin typeface="Comic Sans MS" pitchFamily="66" charset="0"/>
+              </a:rPr>
+              <a:t>for </a:t>
+            </a:r>
+            <a:r>
+              <a:rPr lang="en-US" sz="4800" dirty="0" smtClean="0">
+                <a:solidFill>
+                  <a:srgbClr val="0000FF"/>
+                </a:solidFill>
+                <a:latin typeface="Comic Sans MS" pitchFamily="66" charset="0"/>
+              </a:rPr>
+              <a:t>Friday</a:t>
+            </a:r>
+          </a:p>
+          <a:p>
+            <a:pPr algn="l">
+              <a:buFont typeface="Arial" pitchFamily="34" charset="0"/>
+              <a:buChar char="•"/>
+              <a:defRPr/>
+            </a:pPr>
+            <a:r>
+              <a:rPr lang="en-US" sz="4800" dirty="0" smtClean="0">
+                <a:latin typeface="Comic Sans MS" pitchFamily="66" charset="0"/>
+              </a:rPr>
+              <a:t> </a:t>
+            </a:r>
+            <a:r>
+              <a:rPr lang="en-US" sz="4800" dirty="0" smtClean="0">
+                <a:latin typeface="Comic Sans MS" pitchFamily="66" charset="0"/>
+              </a:rPr>
+              <a:t> </a:t>
+            </a:r>
+            <a:r>
+              <a:rPr lang="en-US" sz="4800" dirty="0" smtClean="0">
+                <a:latin typeface="Comic Sans MS" pitchFamily="66" charset="0"/>
+              </a:rPr>
+              <a:t>slide </a:t>
+            </a:r>
+            <a:r>
+              <a:rPr lang="en-US" sz="4800" dirty="0">
+                <a:latin typeface="Comic Sans MS" pitchFamily="66" charset="0"/>
+              </a:rPr>
+              <a:t>video </a:t>
+            </a:r>
+            <a:r>
+              <a:rPr lang="en-US" sz="4800" dirty="0">
+                <a:solidFill>
+                  <a:srgbClr val="0000FF"/>
+                </a:solidFill>
+                <a:latin typeface="Comic Sans MS" pitchFamily="66" charset="0"/>
+              </a:rPr>
+              <a:t>for </a:t>
+            </a:r>
+            <a:r>
+              <a:rPr lang="en-US" sz="4800" dirty="0" smtClean="0">
+                <a:solidFill>
+                  <a:srgbClr val="0000FF"/>
+                </a:solidFill>
+                <a:latin typeface="Comic Sans MS" pitchFamily="66" charset="0"/>
+              </a:rPr>
+              <a:t>Friday</a:t>
+            </a:r>
+          </a:p>
+          <a:p>
+            <a:pPr algn="l">
+              <a:buFont typeface="Arial" pitchFamily="34" charset="0"/>
+              <a:buChar char="•"/>
+              <a:defRPr/>
+            </a:pPr>
+            <a:r>
+              <a:rPr lang="en-US" sz="4800" dirty="0" smtClean="0">
+                <a:latin typeface="Comic Sans MS" pitchFamily="66" charset="0"/>
+              </a:rPr>
+              <a:t> Ch. </a:t>
+            </a:r>
+            <a:r>
+              <a:rPr lang="en-US" sz="4800" dirty="0">
+                <a:latin typeface="Comic Sans MS" pitchFamily="66" charset="0"/>
+              </a:rPr>
+              <a:t>2 for</a:t>
+            </a:r>
+            <a:r>
+              <a:rPr lang="en-US" sz="4800" dirty="0">
                 <a:solidFill>
                   <a:schemeClr val="accent1">
                     <a:lumMod val="50000"/>
@@ -25867,16 +26116,8 @@
                 </a:solidFill>
                 <a:latin typeface="Comic Sans MS" pitchFamily="66" charset="0"/>
               </a:rPr>
-              <a:t>asap</a:t>
-            </a:r>
-            <a:endParaRPr lang="en-US" sz="4800" dirty="0" smtClean="0">
-              <a:solidFill>
-                <a:schemeClr val="accent1">
-                  <a:lumMod val="50000"/>
-                </a:schemeClr>
-              </a:solidFill>
-              <a:latin typeface="Comic Sans MS" pitchFamily="66" charset="0"/>
-            </a:endParaRPr>
+              <a:t> Monday</a:t>
+            </a:r>
           </a:p>
           <a:p>
             <a:pPr algn="l">
@@ -25885,22 +26126,10 @@
               <a:defRPr/>
             </a:pPr>
             <a:r>
-              <a:rPr lang="en-US" sz="4800" dirty="0" smtClean="0">
-                <a:latin typeface="Comic Sans MS" pitchFamily="66" charset="0"/>
-              </a:rPr>
-              <a:t> Ch. 3</a:t>
-            </a:r>
-            <a:r>
               <a:rPr lang="en-US" sz="4800" dirty="0">
                 <a:latin typeface="Comic Sans MS" pitchFamily="66" charset="0"/>
               </a:rPr>
-              <a:t> </a:t>
-            </a:r>
-            <a:r>
-              <a:rPr lang="en-US" sz="4800" dirty="0" smtClean="0">
-                <a:latin typeface="Comic Sans MS" pitchFamily="66" charset="0"/>
-              </a:rPr>
-              <a:t>for </a:t>
+              <a:t> Ch. 3 for </a:t>
             </a:r>
             <a:r>
               <a:rPr lang="en-US" sz="4800" dirty="0" smtClean="0">
@@ -25911,55 +26140,12 @@
                 </a:solidFill>
                 <a:latin typeface="Comic Sans MS" pitchFamily="66" charset="0"/>
               </a:rPr>
-              <a:t>next week</a:t>
+              <a:t>Wed, Fri next week</a:t>
             </a:r>
             <a:endParaRPr lang="en-US" sz="4800" dirty="0">
               <a:latin typeface="Comic Sans MS" pitchFamily="66" charset="0"/>
             </a:endParaRPr>
           </a:p>
-          <a:p>
-            <a:pPr algn="l">
-              <a:buFont typeface="Arial"/>
-              <a:buChar char="•"/>
-              <a:defRPr/>
-            </a:pPr>
-            <a:r>
-              <a:rPr lang="en-US" sz="4800" dirty="0" smtClean="0">
-                <a:latin typeface="Comic Sans MS" pitchFamily="66" charset="0"/>
-              </a:rPr>
-              <a:t> slide </a:t>
-            </a:r>
-            <a:r>
-              <a:rPr lang="en-US" sz="4800" dirty="0">
-                <a:latin typeface="Comic Sans MS" pitchFamily="66" charset="0"/>
-              </a:rPr>
-              <a:t>video </a:t>
-            </a:r>
-            <a:r>
-              <a:rPr lang="en-US" sz="4800" dirty="0">
-                <a:solidFill>
-                  <a:srgbClr val="0000FF"/>
-                </a:solidFill>
-                <a:latin typeface="Comic Sans MS" pitchFamily="66" charset="0"/>
-              </a:rPr>
-              <a:t>for </a:t>
-            </a:r>
-            <a:r>
-              <a:rPr lang="en-US" sz="4800" dirty="0" smtClean="0">
-                <a:solidFill>
-                  <a:srgbClr val="0000FF"/>
-                </a:solidFill>
-                <a:latin typeface="Comic Sans MS" pitchFamily="66" charset="0"/>
-              </a:rPr>
-              <a:t>Friday</a:t>
-            </a:r>
-            <a:endParaRPr lang="en-US" sz="4800" dirty="0">
-              <a:solidFill>
-                <a:srgbClr val="0000FF"/>
-              </a:solidFill>
-              <a:latin typeface="Comic Sans MS" pitchFamily="66" charset="0"/>
-            </a:endParaRPr>
-          </a:p>
         </p:txBody>
       </p:sp>
       <p:sp>
@@ -25973,6 +26159,10 @@
           </p:nvPr>
         </p:nvSpPr>
         <p:spPr>
+          <a:xfrm>
+            <a:off x="7693739" y="6553200"/>
+            <a:ext cx="1450262" cy="307777"/>
+          </a:xfrm>
           <a:noFill/>
         </p:spPr>
         <p:txBody>
@@ -25980,19 +26170,19 @@
           <a:lstStyle/>
           <a:p>
             <a:r>
-              <a:rPr lang="en-US" smtClean="0"/>
+              <a:rPr lang="en-US" dirty="0" smtClean="0"/>
               <a:t>      </a:t>
             </a:r>
             <a:r>
-              <a:rPr lang="en-US" sz="1200" smtClean="0"/>
-              <a:t>lec 1W.</a:t>
+              <a:rPr lang="en-US" sz="1200" dirty="0" smtClean="0"/>
+              <a:t>proof-intro.</a:t>
             </a:r>
             <a:fld id="{4D204BE9-2F10-477E-9517-5A472BD6B7C3}" type="slidenum">
               <a:rPr lang="en-US" sz="1200" smtClean="0"/>
               <a:pPr/>
               <a:t>8</a:t>
             </a:fld>
-            <a:endParaRPr lang="en-US" sz="1200" smtClean="0"/>
+            <a:endParaRPr lang="en-US" sz="1200" dirty="0" smtClean="0"/>
           </a:p>
         </p:txBody>
       </p:sp>
@@ -26046,7 +26236,7 @@
           <a:graphicData uri="http://schemas.openxmlformats.org/presentationml/2006/ole">
             <mc:AlternateContent xmlns:mc="http://schemas.openxmlformats.org/markup-compatibility/2006">
               <mc:Choice xmlns:v="urn:schemas-microsoft-com:vml" Requires="v">
-                <p:oleObj spid="_x0000_s3152" name="Equation" r:id="rId4" imgW="914400" imgH="215640" progId="Equation.3">
+                <p:oleObj spid="_x0000_s3164" name="Equation" r:id="rId4" imgW="914400" imgH="215640" progId="Equation.3">
                   <p:embed/>
                 </p:oleObj>
               </mc:Choice>
@@ -26116,7 +26306,7 @@
           <a:graphicData uri="http://schemas.openxmlformats.org/presentationml/2006/ole">
             <mc:AlternateContent xmlns:mc="http://schemas.openxmlformats.org/markup-compatibility/2006">
               <mc:Choice xmlns:v="urn:schemas-microsoft-com:vml" Requires="v">
-                <p:oleObj spid="_x0000_s3153" name="Equation" r:id="rId6" imgW="914400" imgH="215640" progId="Equation.3">
+                <p:oleObj spid="_x0000_s3165" name="Equation" r:id="rId6" imgW="914400" imgH="215640" progId="Equation.3">
                   <p:embed/>
                 </p:oleObj>
               </mc:Choice>
@@ -26209,8 +26399,8 @@
   <p:clrMapOvr>
     <a:masterClrMapping/>
   </p:clrMapOvr>
-  <p:transition xmlns:p14="http://schemas.microsoft.com/office/powerpoint/2010/main">
-    <p:fade/>
+  <p:transition xmlns:p14="http://schemas.microsoft.com/office/powerpoint/2010/main" spd="slow">
+    <p:fade thruBlk="1"/>
   </p:transition>
   <p:timing>
     <p:tnLst>
@@ -26403,6 +26593,67 @@
                       </p:childTnLst>
                     </p:cTn>
                   </p:par>
+                  <p:par>
+                    <p:cTn id="18" fill="hold">
+                      <p:stCondLst>
+                        <p:cond delay="indefinite"/>
+                      </p:stCondLst>
+                      <p:childTnLst>
+                        <p:par>
+                          <p:cTn id="19" fill="hold">
+                            <p:stCondLst>
+                              <p:cond delay="0"/>
+                            </p:stCondLst>
+                            <p:childTnLst>
+                              <p:par>
+                                <p:cTn id="20" presetID="9" presetClass="entr" presetSubtype="0" fill="hold" nodeType="clickEffect">
+                                  <p:stCondLst>
+                                    <p:cond delay="0"/>
+                                  </p:stCondLst>
+                                  <p:childTnLst>
+                                    <p:set>
+                                      <p:cBhvr>
+                                        <p:cTn id="21" dur="1" fill="hold">
+                                          <p:stCondLst>
+                                            <p:cond delay="0"/>
+                                          </p:stCondLst>
+                                        </p:cTn>
+                                        <p:tgtEl>
+                                          <p:spTgt spid="3080">
+                                            <p:txEl>
+                                              <p:pRg st="4" end="4"/>
+                                            </p:txEl>
+                                          </p:spTgt>
+                                        </p:tgtEl>
+                                        <p:attrNameLst>
+                                          <p:attrName>style.visibility</p:attrName>
+                                        </p:attrNameLst>
+                                      </p:cBhvr>
+                                      <p:to>
+                                        <p:strVal val="visible"/>
+                                      </p:to>
+                                    </p:set>
+                                    <p:animEffect transition="in" filter="dissolve">
+                                      <p:cBhvr>
+                                        <p:cTn id="22" dur="500"/>
+                                        <p:tgtEl>
+                                          <p:spTgt spid="3080">
+                                            <p:txEl>
+                                              <p:pRg st="4" end="4"/>
+                                            </p:txEl>
+                                          </p:spTgt>
+                                        </p:tgtEl>
+                                      </p:cBhvr>
+                                    </p:animEffect>
+                                  </p:childTnLst>
+                                </p:cTn>
+                              </p:par>
+                            </p:childTnLst>
+                          </p:cTn>
+                        </p:par>
+                      </p:childTnLst>
+                    </p:cTn>
+                  </p:par>
                 </p:childTnLst>
               </p:cTn>
               <p:prevCondLst>
@@ -26447,7 +26698,218 @@
       </p:grpSpPr>
       <p:sp>
         <p:nvSpPr>
-          <p:cNvPr id="24578" name="Slide Number Placeholder 3"/>
+          <p:cNvPr id="2" name="Title 1"/>
+          <p:cNvSpPr>
+            <a:spLocks noGrp="1"/>
+          </p:cNvSpPr>
+          <p:nvPr>
+            <p:ph type="title"/>
+          </p:nvPr>
+        </p:nvSpPr>
+        <p:spPr/>
+        <p:txBody>
+          <a:bodyPr/>
+          <a:lstStyle/>
+          <a:p>
+            <a:r>
+              <a:rPr lang="en-US" dirty="0" smtClean="0"/>
+              <a:t>How the Class Works</a:t>
+            </a:r>
+            <a:endParaRPr lang="en-US" dirty="0"/>
+          </a:p>
+        </p:txBody>
+      </p:sp>
+      <p:sp>
+        <p:nvSpPr>
+          <p:cNvPr id="3" name="Content Placeholder 2"/>
+          <p:cNvSpPr>
+            <a:spLocks noGrp="1"/>
+          </p:cNvSpPr>
+          <p:nvPr>
+            <p:ph idx="1"/>
+          </p:nvPr>
+        </p:nvSpPr>
+        <p:spPr>
+          <a:xfrm>
+            <a:off x="93137" y="1303864"/>
+            <a:ext cx="9050863" cy="5122335"/>
+          </a:xfrm>
+        </p:spPr>
+        <p:txBody>
+          <a:bodyPr/>
+          <a:lstStyle/>
+          <a:p>
+            <a:r>
+              <a:rPr lang="en-US" sz="4000" dirty="0" smtClean="0">
+                <a:solidFill>
+                  <a:srgbClr val="FF6600"/>
+                </a:solidFill>
+              </a:rPr>
+              <a:t>required attendance</a:t>
+            </a:r>
+            <a:endParaRPr lang="en-US" sz="4000" dirty="0" smtClean="0"/>
+          </a:p>
+          <a:p>
+            <a:r>
+              <a:rPr lang="en-US" sz="4000" dirty="0" err="1" smtClean="0">
+                <a:solidFill>
+                  <a:srgbClr val="0000FF"/>
+                </a:solidFill>
+              </a:rPr>
+              <a:t>miniquizzes</a:t>
+            </a:r>
+            <a:r>
+              <a:rPr lang="en-US" sz="4000" dirty="0" smtClean="0"/>
+              <a:t> most Mondays 15 min</a:t>
+            </a:r>
+            <a:r>
+              <a:rPr lang="en-US" sz="4000" dirty="0" smtClean="0"/>
+              <a:t>.</a:t>
+            </a:r>
+          </a:p>
+          <a:p>
+            <a:r>
+              <a:rPr lang="en-US" sz="4000" dirty="0" err="1" smtClean="0">
+                <a:solidFill>
+                  <a:srgbClr val="0000FF"/>
+                </a:solidFill>
+              </a:rPr>
+              <a:t>microquizzes</a:t>
+            </a:r>
+            <a:r>
+              <a:rPr lang="en-US" sz="4000" dirty="0" smtClean="0"/>
+              <a:t> </a:t>
+            </a:r>
+            <a:r>
+              <a:rPr lang="en-US" sz="4000" dirty="0"/>
+              <a:t>most </a:t>
+            </a:r>
+            <a:r>
+              <a:rPr lang="en-US" sz="4000" dirty="0" smtClean="0"/>
+              <a:t>Wed &amp; Fri 5 </a:t>
+            </a:r>
+            <a:r>
+              <a:rPr lang="en-US" sz="4000" dirty="0"/>
+              <a:t>min</a:t>
+            </a:r>
+            <a:r>
+              <a:rPr lang="en-US" sz="4000" dirty="0" smtClean="0"/>
+              <a:t>.</a:t>
+            </a:r>
+            <a:endParaRPr lang="en-US" sz="4000" dirty="0" smtClean="0"/>
+          </a:p>
+          <a:p>
+            <a:r>
+              <a:rPr lang="en-US" sz="4000" dirty="0" err="1" smtClean="0">
+                <a:solidFill>
+                  <a:srgbClr val="0000FF"/>
+                </a:solidFill>
+              </a:rPr>
+              <a:t>psets</a:t>
+            </a:r>
+            <a:r>
+              <a:rPr lang="en-US" sz="4000" dirty="0" smtClean="0">
+                <a:solidFill>
+                  <a:srgbClr val="5959FF"/>
+                </a:solidFill>
+              </a:rPr>
+              <a:t> </a:t>
+            </a:r>
+            <a:r>
+              <a:rPr lang="en-US" sz="4000" dirty="0" smtClean="0"/>
+              <a:t>due most Fridays</a:t>
+            </a:r>
+          </a:p>
+          <a:p>
+            <a:r>
+              <a:rPr lang="en-US" sz="4000" dirty="0" smtClean="0">
+                <a:solidFill>
+                  <a:srgbClr val="0000FF"/>
+                </a:solidFill>
+              </a:rPr>
+              <a:t>online</a:t>
+            </a:r>
+            <a:r>
+              <a:rPr lang="en-US" sz="4000" dirty="0" smtClean="0"/>
+              <a:t> </a:t>
+            </a:r>
+            <a:r>
+              <a:rPr lang="en-US" sz="4000" dirty="0" smtClean="0">
+                <a:solidFill>
+                  <a:schemeClr val="accent1">
+                    <a:lumMod val="50000"/>
+                  </a:schemeClr>
+                </a:solidFill>
+              </a:rPr>
+              <a:t>problems</a:t>
+            </a:r>
+            <a:r>
+              <a:rPr lang="en-US" sz="4000" dirty="0" smtClean="0"/>
+              <a:t> </a:t>
+            </a:r>
+            <a:r>
+              <a:rPr lang="en-US" sz="4000" dirty="0" smtClean="0"/>
+              <a:t>due most days</a:t>
+            </a:r>
+          </a:p>
+          <a:p>
+            <a:r>
+              <a:rPr lang="en-US" sz="4000" dirty="0" smtClean="0">
+                <a:solidFill>
+                  <a:srgbClr val="0000FF"/>
+                </a:solidFill>
+              </a:rPr>
+              <a:t>2 midterms</a:t>
+            </a:r>
+            <a:r>
+              <a:rPr lang="en-US" sz="4000" dirty="0" smtClean="0"/>
+              <a:t>, </a:t>
+            </a:r>
+            <a:r>
+              <a:rPr lang="en-US" sz="4000" dirty="0" smtClean="0"/>
+              <a:t>1 </a:t>
+            </a:r>
+            <a:r>
+              <a:rPr lang="en-US" sz="4000" dirty="0"/>
+              <a:t>hour </a:t>
+            </a:r>
+            <a:r>
+              <a:rPr lang="en-US" sz="4000" dirty="0" smtClean="0"/>
+              <a:t>each</a:t>
+            </a:r>
+          </a:p>
+          <a:p>
+            <a:r>
+              <a:rPr lang="en-US" sz="4000" dirty="0">
+                <a:solidFill>
+                  <a:srgbClr val="0000FF"/>
+                </a:solidFill>
+              </a:rPr>
+              <a:t>comments</a:t>
+            </a:r>
+            <a:r>
+              <a:rPr lang="en-US" sz="4000" dirty="0"/>
+              <a:t> in Piazza </a:t>
+            </a:r>
+            <a:r>
+              <a:rPr lang="en-US" sz="4000" dirty="0" smtClean="0">
+                <a:solidFill>
+                  <a:srgbClr val="077F15"/>
+                </a:solidFill>
+              </a:rPr>
+              <a:t>optional</a:t>
+            </a:r>
+            <a:endParaRPr lang="en-US" sz="4000" dirty="0">
+              <a:solidFill>
+                <a:srgbClr val="077F15"/>
+              </a:solidFill>
+            </a:endParaRPr>
+          </a:p>
+        </p:txBody>
+      </p:sp>
+      <p:sp>
+        <p:nvSpPr>
+          <p:cNvPr id="4" name="Slide Number Placeholder 3"/>
           <p:cNvSpPr>
             <a:spLocks noGrp="1"/>
           </p:cNvSpPr>
@@ -26456,172 +26918,509 @@
           </p:nvPr>
         </p:nvSpPr>
         <p:spPr>
-          <a:noFill/>
+          <a:xfrm>
+            <a:off x="7693739" y="6553200"/>
+            <a:ext cx="1450262" cy="307777"/>
+          </a:xfrm>
         </p:spPr>
         <p:txBody>
           <a:bodyPr/>
           <a:lstStyle/>
           <a:p>
-            <a:r>
-              <a:rPr lang="en-US" smtClean="0"/>
+            <a:pPr>
+              <a:defRPr/>
+            </a:pPr>
+            <a:r>
+              <a:rPr lang="en-US" dirty="0" smtClean="0"/>
               <a:t>      </a:t>
             </a:r>
             <a:r>
+              <a:rPr lang="en-US" sz="1200" dirty="0" smtClean="0"/>
+              <a:t>proof-intro.</a:t>
+            </a:r>
+            <a:fld id="{9A106780-21EA-4C13-B4C5-F962BEA7B00B}" type="slidenum">
               <a:rPr lang="en-US" sz="1200" smtClean="0"/>
-              <a:t>lec 1W.</a:t>
-            </a:r>
-            <a:fld id="{3930B7C9-902D-4F92-8BB5-73317A21B3E6}" type="slidenum">
-              <a:rPr lang="en-US" sz="1200" smtClean="0"/>
-              <a:pPr/>
+              <a:pPr>
+                <a:defRPr/>
+              </a:pPr>
               <a:t>9</a:t>
             </a:fld>
-            <a:endParaRPr lang="en-US" sz="1200" smtClean="0"/>
-          </a:p>
-        </p:txBody>
-      </p:sp>
-      <p:sp>
-        <p:nvSpPr>
-          <p:cNvPr id="24579" name="Rectangle 2"/>
-          <p:cNvSpPr>
-            <a:spLocks noGrp="1" noChangeArrowheads="1"/>
-          </p:cNvSpPr>
-          <p:nvPr>
-            <p:ph type="ctrTitle"/>
-          </p:nvPr>
-        </p:nvSpPr>
-        <p:spPr>
-          <a:xfrm>
-            <a:off x="1552575" y="290514"/>
-            <a:ext cx="7441334" cy="1129578"/>
-          </a:xfrm>
-        </p:spPr>
-        <p:txBody>
-          <a:bodyPr/>
-          <a:lstStyle/>
-          <a:p>
-            <a:pPr eaLnBrk="1" hangingPunct="1"/>
-            <a:r>
-              <a:rPr lang="en-US" dirty="0" smtClean="0">
-                <a:solidFill>
-                  <a:schemeClr val="tx1"/>
-                </a:solidFill>
-              </a:rPr>
-              <a:t>Active learning in Teams</a:t>
-            </a:r>
-          </a:p>
-        </p:txBody>
-      </p:sp>
-      <p:sp>
-        <p:nvSpPr>
-          <p:cNvPr id="24580" name="Text Box 8"/>
-          <p:cNvSpPr txBox="1">
-            <a:spLocks noChangeArrowheads="1"/>
-          </p:cNvSpPr>
-          <p:nvPr/>
-        </p:nvSpPr>
-        <p:spPr bwMode="auto">
-          <a:xfrm>
-            <a:off x="645855" y="2137926"/>
-            <a:ext cx="7830066" cy="2585323"/>
-          </a:xfrm>
-          <a:prstGeom prst="rect">
-            <a:avLst/>
-          </a:prstGeom>
-          <a:noFill/>
-          <a:ln w="9525">
-            <a:noFill/>
-            <a:miter lim="800000"/>
-            <a:headEnd/>
-            <a:tailEnd type="none" w="lg" len="lg"/>
-          </a:ln>
-        </p:spPr>
-        <p:txBody>
-          <a:bodyPr wrap="square">
-            <a:spAutoFit/>
-          </a:bodyPr>
-          <a:lstStyle/>
-          <a:p>
-            <a:pPr algn="l"/>
-            <a:r>
-              <a:rPr lang="en-US" sz="5400" dirty="0" smtClean="0">
-                <a:latin typeface="Comic Sans MS" pitchFamily="66" charset="0"/>
-              </a:rPr>
-              <a:t>MWF </a:t>
-            </a:r>
-            <a:r>
-              <a:rPr lang="en-US" sz="5400" dirty="0">
-                <a:latin typeface="Comic Sans MS" pitchFamily="66" charset="0"/>
-              </a:rPr>
-              <a:t>1.5 hour </a:t>
-            </a:r>
-            <a:r>
-              <a:rPr lang="en-US" sz="5400" dirty="0" smtClean="0">
-                <a:latin typeface="Comic Sans MS" pitchFamily="66" charset="0"/>
-              </a:rPr>
-              <a:t>sessions:</a:t>
-            </a:r>
-            <a:endParaRPr lang="en-US" sz="5400" dirty="0">
-              <a:latin typeface="Comic Sans MS" pitchFamily="66" charset="0"/>
-            </a:endParaRPr>
-          </a:p>
-          <a:p>
-            <a:pPr marL="685800" lvl="1" indent="-685800" algn="l">
-              <a:buFont typeface="Arial"/>
-              <a:buChar char="•"/>
-            </a:pPr>
-            <a:r>
-              <a:rPr lang="en-US" sz="5400" dirty="0">
-                <a:latin typeface="Comic Sans MS" pitchFamily="66" charset="0"/>
-              </a:rPr>
-              <a:t>initial 5 min </a:t>
-            </a:r>
-            <a:r>
-              <a:rPr lang="en-US" sz="5400" dirty="0" smtClean="0">
-                <a:latin typeface="Comic Sans MS" pitchFamily="66" charset="0"/>
-              </a:rPr>
-              <a:t>overview</a:t>
-            </a:r>
-          </a:p>
-          <a:p>
-            <a:pPr marL="685800" indent="-685800" algn="l">
-              <a:buFont typeface="Arial"/>
-              <a:buChar char="•"/>
-            </a:pPr>
-            <a:r>
-              <a:rPr lang="en-US" sz="5400" dirty="0" smtClean="0">
-                <a:latin typeface="Comic Sans MS" pitchFamily="66" charset="0"/>
-              </a:rPr>
-              <a:t>team </a:t>
-            </a:r>
-            <a:r>
-              <a:rPr lang="en-US" sz="5400" dirty="0">
-                <a:latin typeface="Comic Sans MS" pitchFamily="66" charset="0"/>
-              </a:rPr>
-              <a:t>problem-</a:t>
-            </a:r>
-            <a:r>
-              <a:rPr lang="en-US" sz="5400" dirty="0" smtClean="0">
-                <a:latin typeface="Comic Sans MS" pitchFamily="66" charset="0"/>
-              </a:rPr>
-              <a:t>solving</a:t>
-            </a:r>
+            <a:endParaRPr lang="en-US" sz="1200" dirty="0"/>
           </a:p>
         </p:txBody>
       </p:sp>
     </p:spTree>
+    <p:extLst>
+      <p:ext uri="{BB962C8B-B14F-4D97-AF65-F5344CB8AC3E}">
+        <p14:creationId xmlns:p14="http://schemas.microsoft.com/office/powerpoint/2010/main" val="860953727"/>
+      </p:ext>
+    </p:extLst>
   </p:cSld>
   <p:clrMapOvr>
     <a:masterClrMapping/>
   </p:clrMapOvr>
-  <p:transition xmlns:p14="http://schemas.microsoft.com/office/powerpoint/2010/main">
+  <p:transition xmlns:p14="http://schemas.microsoft.com/office/powerpoint/2010/main" spd="slow">
     <p:fade/>
   </p:transition>
   <p:timing>
     <p:tnLst>
       <p:par>
-        <p:cTn xmlns:p14="http://schemas.microsoft.com/office/powerpoint/2010/main" id="1" dur="indefinite" restart="never" nodeType="tmRoot"/>
+        <p:cTn xmlns:p14="http://schemas.microsoft.com/office/powerpoint/2010/main" id="1" dur="indefinite" restart="never" nodeType="tmRoot">
+          <p:childTnLst>
+            <p:seq concurrent="1" nextAc="seek">
+              <p:cTn id="2" dur="indefinite" nodeType="mainSeq">
+                <p:childTnLst>
+                  <p:par>
+                    <p:cTn id="3" fill="hold">
+                      <p:stCondLst>
+                        <p:cond delay="indefinite"/>
+                      </p:stCondLst>
+                      <p:childTnLst>
+                        <p:par>
+                          <p:cTn id="4" fill="hold">
+                            <p:stCondLst>
+                              <p:cond delay="0"/>
+                            </p:stCondLst>
+                            <p:childTnLst>
+                              <p:par>
+                                <p:cTn id="5" presetID="10" presetClass="entr" presetSubtype="0" fill="hold" grpId="0" nodeType="clickEffect">
+                                  <p:stCondLst>
+                                    <p:cond delay="0"/>
+                                  </p:stCondLst>
+                                  <p:childTnLst>
+                                    <p:set>
+                                      <p:cBhvr>
+                                        <p:cTn id="6" dur="1" fill="hold">
+                                          <p:stCondLst>
+                                            <p:cond delay="0"/>
+                                          </p:stCondLst>
+                                        </p:cTn>
+                                        <p:tgtEl>
+                                          <p:spTgt spid="3">
+                                            <p:txEl>
+                                              <p:pRg st="0" end="0"/>
+                                            </p:txEl>
+                                          </p:spTgt>
+                                        </p:tgtEl>
+                                        <p:attrNameLst>
+                                          <p:attrName>style.visibility</p:attrName>
+                                        </p:attrNameLst>
+                                      </p:cBhvr>
+                                      <p:to>
+                                        <p:strVal val="visible"/>
+                                      </p:to>
+                                    </p:set>
+                                    <p:animEffect transition="in" filter="fade">
+                                      <p:cBhvr>
+                                        <p:cTn id="7" dur="500"/>
+                                        <p:tgtEl>
+                                          <p:spTgt spid="3">
+                                            <p:txEl>
+                                              <p:pRg st="0" end="0"/>
+                                            </p:txEl>
+                                          </p:spTgt>
+                                        </p:tgtEl>
+                                      </p:cBhvr>
+                                    </p:animEffect>
+                                  </p:childTnLst>
+                                </p:cTn>
+                              </p:par>
+                            </p:childTnLst>
+                          </p:cTn>
+                        </p:par>
+                      </p:childTnLst>
+                    </p:cTn>
+                  </p:par>
+                  <p:par>
+                    <p:cTn id="8" fill="hold">
+                      <p:stCondLst>
+                        <p:cond delay="indefinite"/>
+                      </p:stCondLst>
+                      <p:childTnLst>
+                        <p:par>
+                          <p:cTn id="9" fill="hold">
+                            <p:stCondLst>
+                              <p:cond delay="0"/>
+                            </p:stCondLst>
+                            <p:childTnLst>
+                              <p:par>
+                                <p:cTn id="10" presetID="10" presetClass="entr" presetSubtype="0" fill="hold" grpId="0" nodeType="clickEffect">
+                                  <p:stCondLst>
+                                    <p:cond delay="0"/>
+                                  </p:stCondLst>
+                                  <p:childTnLst>
+                                    <p:set>
+                                      <p:cBhvr>
+                                        <p:cTn id="11" dur="1" fill="hold">
+                                          <p:stCondLst>
+                                            <p:cond delay="0"/>
+                                          </p:stCondLst>
+                                        </p:cTn>
+                                        <p:tgtEl>
+                                          <p:spTgt spid="3">
+                                            <p:txEl>
+                                              <p:pRg st="1" end="1"/>
+                                            </p:txEl>
+                                          </p:spTgt>
+                                        </p:tgtEl>
+                                        <p:attrNameLst>
+                                          <p:attrName>style.visibility</p:attrName>
+                                        </p:attrNameLst>
+                                      </p:cBhvr>
+                                      <p:to>
+                                        <p:strVal val="visible"/>
+                                      </p:to>
+                                    </p:set>
+                                    <p:animEffect transition="in" filter="fade">
+                                      <p:cBhvr>
+                                        <p:cTn id="12" dur="500"/>
+                                        <p:tgtEl>
+                                          <p:spTgt spid="3">
+                                            <p:txEl>
+                                              <p:pRg st="1" end="1"/>
+                                            </p:txEl>
+                                          </p:spTgt>
+                                        </p:tgtEl>
+                                      </p:cBhvr>
+                                    </p:animEffect>
+                                  </p:childTnLst>
+                                </p:cTn>
+                              </p:par>
+                            </p:childTnLst>
+                          </p:cTn>
+                        </p:par>
+                      </p:childTnLst>
+                    </p:cTn>
+                  </p:par>
+                  <p:par>
+                    <p:cTn id="13" fill="hold">
+                      <p:stCondLst>
+                        <p:cond delay="indefinite"/>
+                      </p:stCondLst>
+                      <p:childTnLst>
+                        <p:par>
+                          <p:cTn id="14" fill="hold">
+                            <p:stCondLst>
+                              <p:cond delay="0"/>
+                            </p:stCondLst>
+                            <p:childTnLst>
+                              <p:par>
+                                <p:cTn id="15" presetID="10" presetClass="entr" presetSubtype="0" fill="hold" grpId="0" nodeType="clickEffect">
+                                  <p:stCondLst>
+                                    <p:cond delay="0"/>
+                                  </p:stCondLst>
+                                  <p:childTnLst>
+                                    <p:set>
+                                      <p:cBhvr>
+                                        <p:cTn id="16" dur="1" fill="hold">
+                                          <p:stCondLst>
+                                            <p:cond delay="0"/>
+                                          </p:stCondLst>
+                                        </p:cTn>
+                                        <p:tgtEl>
+                                          <p:spTgt spid="3">
+                                            <p:txEl>
+                                              <p:pRg st="2" end="2"/>
+                                            </p:txEl>
+                                          </p:spTgt>
+                                        </p:tgtEl>
+                                        <p:attrNameLst>
+                                          <p:attrName>style.visibility</p:attrName>
+                                        </p:attrNameLst>
+                                      </p:cBhvr>
+                                      <p:to>
+                                        <p:strVal val="visible"/>
+                                      </p:to>
+                                    </p:set>
+                                    <p:animEffect transition="in" filter="fade">
+                                      <p:cBhvr>
+                                        <p:cTn id="17" dur="500"/>
+                                        <p:tgtEl>
+                                          <p:spTgt spid="3">
+                                            <p:txEl>
+                                              <p:pRg st="2" end="2"/>
+                                            </p:txEl>
+                                          </p:spTgt>
+                                        </p:tgtEl>
+                                      </p:cBhvr>
+                                    </p:animEffect>
+                                  </p:childTnLst>
+                                </p:cTn>
+                              </p:par>
+                            </p:childTnLst>
+                          </p:cTn>
+                        </p:par>
+                      </p:childTnLst>
+                    </p:cTn>
+                  </p:par>
+                  <p:par>
+                    <p:cTn id="18" fill="hold">
+                      <p:stCondLst>
+                        <p:cond delay="indefinite"/>
+                      </p:stCondLst>
+                      <p:childTnLst>
+                        <p:par>
+                          <p:cTn id="19" fill="hold">
+                            <p:stCondLst>
+                              <p:cond delay="0"/>
+                            </p:stCondLst>
+                            <p:childTnLst>
+                              <p:par>
+                                <p:cTn id="20" presetID="10" presetClass="entr" presetSubtype="0" fill="hold" grpId="0" nodeType="clickEffect">
+                                  <p:stCondLst>
+                                    <p:cond delay="0"/>
+                                  </p:stCondLst>
+                                  <p:childTnLst>
+                                    <p:set>
+                                      <p:cBhvr>
+                                        <p:cTn id="21" dur="1" fill="hold">
+                                          <p:stCondLst>
+                                            <p:cond delay="0"/>
+                                          </p:stCondLst>
+                                        </p:cTn>
+                                        <p:tgtEl>
+                                          <p:spTgt spid="3">
+                                            <p:txEl>
+                                              <p:pRg st="3" end="3"/>
+                                            </p:txEl>
+                                          </p:spTgt>
+                                        </p:tgtEl>
+                                        <p:attrNameLst>
+                                          <p:attrName>style.visibility</p:attrName>
+                                        </p:attrNameLst>
+                                      </p:cBhvr>
+                                      <p:to>
+                                        <p:strVal val="visible"/>
+                                      </p:to>
+                                    </p:set>
+                                    <p:animEffect transition="in" filter="fade">
+                                      <p:cBhvr>
+                                        <p:cTn id="22" dur="500"/>
+                                        <p:tgtEl>
+                                          <p:spTgt spid="3">
+                                            <p:txEl>
+                                              <p:pRg st="3" end="3"/>
+                                            </p:txEl>
+                                          </p:spTgt>
+                                        </p:tgtEl>
+                                      </p:cBhvr>
+                                    </p:animEffect>
+                                  </p:childTnLst>
+                                </p:cTn>
+                              </p:par>
+                            </p:childTnLst>
+                          </p:cTn>
+                        </p:par>
+                      </p:childTnLst>
+                    </p:cTn>
+                  </p:par>
+                  <p:par>
+                    <p:cTn id="23" fill="hold">
+                      <p:stCondLst>
+                        <p:cond delay="indefinite"/>
+                      </p:stCondLst>
+                      <p:childTnLst>
+                        <p:par>
+                          <p:cTn id="24" fill="hold">
+                            <p:stCondLst>
+                              <p:cond delay="0"/>
+                            </p:stCondLst>
+                            <p:childTnLst>
+                              <p:par>
+                                <p:cTn id="25" presetID="10" presetClass="entr" presetSubtype="0" fill="hold" grpId="0" nodeType="clickEffect">
+                                  <p:stCondLst>
+                                    <p:cond delay="0"/>
+                                  </p:stCondLst>
+                                  <p:childTnLst>
+                                    <p:set>
+                                      <p:cBhvr>
+                                        <p:cTn id="26" dur="1" fill="hold">
+                                          <p:stCondLst>
+                                            <p:cond delay="0"/>
+                                          </p:stCondLst>
+                                        </p:cTn>
+                                        <p:tgtEl>
+                                          <p:spTgt spid="3">
+                                            <p:txEl>
+                                              <p:pRg st="4" end="4"/>
+                                            </p:txEl>
+                                          </p:spTgt>
+                                        </p:tgtEl>
+                                        <p:attrNameLst>
+                                          <p:attrName>style.visibility</p:attrName>
+                                        </p:attrNameLst>
+                                      </p:cBhvr>
+                                      <p:to>
+                                        <p:strVal val="visible"/>
+                                      </p:to>
+                                    </p:set>
+                                    <p:animEffect transition="in" filter="fade">
+                                      <p:cBhvr>
+                                        <p:cTn id="27" dur="500"/>
+                                        <p:tgtEl>
+                                          <p:spTgt spid="3">
+                                            <p:txEl>
+                                              <p:pRg st="4" end="4"/>
+                                            </p:txEl>
+                                          </p:spTgt>
+                                        </p:tgtEl>
+                                      </p:cBhvr>
+                                    </p:animEffect>
+                                  </p:childTnLst>
+                                </p:cTn>
+                              </p:par>
+                            </p:childTnLst>
+                          </p:cTn>
+                        </p:par>
+                      </p:childTnLst>
+                    </p:cTn>
+                  </p:par>
+                  <p:par>
+                    <p:cTn id="28" fill="hold">
+                      <p:stCondLst>
+                        <p:cond delay="indefinite"/>
+                      </p:stCondLst>
+                      <p:childTnLst>
+                        <p:par>
+                          <p:cTn id="29" fill="hold">
+                            <p:stCondLst>
+                              <p:cond delay="0"/>
+                            </p:stCondLst>
+                            <p:childTnLst>
+                              <p:par>
+                                <p:cTn id="30" presetID="10" presetClass="entr" presetSubtype="0" fill="hold" grpId="0" nodeType="clickEffect">
+                                  <p:stCondLst>
+                                    <p:cond delay="0"/>
+                                  </p:stCondLst>
+                                  <p:childTnLst>
+                                    <p:set>
+                                      <p:cBhvr>
+                                        <p:cTn id="31" dur="1" fill="hold">
+                                          <p:stCondLst>
+                                            <p:cond delay="0"/>
+                                          </p:stCondLst>
+                                        </p:cTn>
+                                        <p:tgtEl>
+                                          <p:spTgt spid="3">
+                                            <p:txEl>
+                                              <p:pRg st="5" end="5"/>
+                                            </p:txEl>
+                                          </p:spTgt>
+                                        </p:tgtEl>
+                                        <p:attrNameLst>
+                                          <p:attrName>style.visibility</p:attrName>
+                                        </p:attrNameLst>
+                                      </p:cBhvr>
+                                      <p:to>
+                                        <p:strVal val="visible"/>
+                                      </p:to>
+                                    </p:set>
+                                    <p:animEffect transition="in" filter="fade">
+                                      <p:cBhvr>
+                                        <p:cTn id="32" dur="500"/>
+                                        <p:tgtEl>
+                                          <p:spTgt spid="3">
+                                            <p:txEl>
+                                              <p:pRg st="5" end="5"/>
+                                            </p:txEl>
+                                          </p:spTgt>
+                                        </p:tgtEl>
+                                      </p:cBhvr>
+                                    </p:animEffect>
+                                  </p:childTnLst>
+                                </p:cTn>
+                              </p:par>
+                            </p:childTnLst>
+                          </p:cTn>
+                        </p:par>
+                      </p:childTnLst>
+                    </p:cTn>
+                  </p:par>
+                  <p:par>
+                    <p:cTn id="33" fill="hold">
+                      <p:stCondLst>
+                        <p:cond delay="indefinite"/>
+                      </p:stCondLst>
+                      <p:childTnLst>
+                        <p:par>
+                          <p:cTn id="34" fill="hold">
+                            <p:stCondLst>
+                              <p:cond delay="0"/>
+                            </p:stCondLst>
+                            <p:childTnLst>
+                              <p:par>
+                                <p:cTn id="35" presetID="10" presetClass="entr" presetSubtype="0" fill="hold" grpId="0" nodeType="clickEffect">
+                                  <p:stCondLst>
+                                    <p:cond delay="0"/>
+                                  </p:stCondLst>
+                                  <p:childTnLst>
+                                    <p:set>
+                                      <p:cBhvr>
+                                        <p:cTn id="36" dur="1" fill="hold">
+                                          <p:stCondLst>
+                                            <p:cond delay="0"/>
+                                          </p:stCondLst>
+                                        </p:cTn>
+                                        <p:tgtEl>
+                                          <p:spTgt spid="3">
+                                            <p:txEl>
+                                              <p:pRg st="6" end="6"/>
+                                            </p:txEl>
+                                          </p:spTgt>
+                                        </p:tgtEl>
+                                        <p:attrNameLst>
+                                          <p:attrName>style.visibility</p:attrName>
+                                        </p:attrNameLst>
+                                      </p:cBhvr>
+                                      <p:to>
+                                        <p:strVal val="visible"/>
+                                      </p:to>
+                                    </p:set>
+                                    <p:animEffect transition="in" filter="fade">
+                                      <p:cBhvr>
+                                        <p:cTn id="37" dur="500"/>
+                                        <p:tgtEl>
+                                          <p:spTgt spid="3">
+                                            <p:txEl>
+                                              <p:pRg st="6" end="6"/>
+                                            </p:txEl>
+                                          </p:spTgt>
+                                        </p:tgtEl>
+                                      </p:cBhvr>
+                                    </p:animEffect>
+                                  </p:childTnLst>
+                                </p:cTn>
+                              </p:par>
+                            </p:childTnLst>
+                          </p:cTn>
+                        </p:par>
+                      </p:childTnLst>
+                    </p:cTn>
+                  </p:par>
+                </p:childTnLst>
+              </p:cTn>
+              <p:prevCondLst>
+                <p:cond evt="onPrev" delay="0">
+                  <p:tgtEl>
+                    <p:sldTgt/>
+                  </p:tgtEl>
+                </p:cond>
+              </p:prevCondLst>
+              <p:nextCondLst>
+                <p:cond evt="onNext" delay="0">
+                  <p:tgtEl>
+                    <p:sldTgt/>
+                  </p:tgtEl>
+                </p:cond>
+              </p:nextCondLst>
+            </p:seq>
+          </p:childTnLst>
+        </p:cTn>
       </p:par>
     </p:tnLst>
+    <p:bldLst>
+      <p:bldP spid="3" grpId="0" build="p"/>
+    </p:bldLst>
   </p:timing>
 </p:sld>
 </file>
